--- a/my_single_cpu_picture/ALU_picture.pptx
+++ b/my_single_cpu_picture/ALU_picture.pptx
@@ -104,6 +104,11 @@
       </a:defRPr>
     </a:lvl9pPr>
   </p:defaultTextStyle>
+  <p:extLst>
+    <p:ext uri="{EFAFB233-063F-42B5-8137-9DF3F51BA10A}">
+      <p15:sldGuideLst xmlns:p15="http://schemas.microsoft.com/office/powerpoint/2012/main"/>
+    </p:ext>
+  </p:extLst>
 </p:presentation>
 </file>
 
@@ -254,7 +259,7 @@
           <a:p>
             <a:fld id="{EBF2C0EF-9E34-4A3A-ABDA-86C1D7A2D4B7}" type="datetimeFigureOut">
               <a:rPr lang="zh-CN" altLang="en-US" smtClean="0"/>
-              <a:t>2025/7/4</a:t>
+              <a:t>2025/7/5</a:t>
             </a:fld>
             <a:endParaRPr lang="zh-CN" altLang="en-US"/>
           </a:p>
@@ -452,7 +457,7 @@
           <a:p>
             <a:fld id="{EBF2C0EF-9E34-4A3A-ABDA-86C1D7A2D4B7}" type="datetimeFigureOut">
               <a:rPr lang="zh-CN" altLang="en-US" smtClean="0"/>
-              <a:t>2025/7/4</a:t>
+              <a:t>2025/7/5</a:t>
             </a:fld>
             <a:endParaRPr lang="zh-CN" altLang="en-US"/>
           </a:p>
@@ -660,7 +665,7 @@
           <a:p>
             <a:fld id="{EBF2C0EF-9E34-4A3A-ABDA-86C1D7A2D4B7}" type="datetimeFigureOut">
               <a:rPr lang="zh-CN" altLang="en-US" smtClean="0"/>
-              <a:t>2025/7/4</a:t>
+              <a:t>2025/7/5</a:t>
             </a:fld>
             <a:endParaRPr lang="zh-CN" altLang="en-US"/>
           </a:p>
@@ -858,7 +863,7 @@
           <a:p>
             <a:fld id="{EBF2C0EF-9E34-4A3A-ABDA-86C1D7A2D4B7}" type="datetimeFigureOut">
               <a:rPr lang="zh-CN" altLang="en-US" smtClean="0"/>
-              <a:t>2025/7/4</a:t>
+              <a:t>2025/7/5</a:t>
             </a:fld>
             <a:endParaRPr lang="zh-CN" altLang="en-US"/>
           </a:p>
@@ -1133,7 +1138,7 @@
           <a:p>
             <a:fld id="{EBF2C0EF-9E34-4A3A-ABDA-86C1D7A2D4B7}" type="datetimeFigureOut">
               <a:rPr lang="zh-CN" altLang="en-US" smtClean="0"/>
-              <a:t>2025/7/4</a:t>
+              <a:t>2025/7/5</a:t>
             </a:fld>
             <a:endParaRPr lang="zh-CN" altLang="en-US"/>
           </a:p>
@@ -1398,7 +1403,7 @@
           <a:p>
             <a:fld id="{EBF2C0EF-9E34-4A3A-ABDA-86C1D7A2D4B7}" type="datetimeFigureOut">
               <a:rPr lang="zh-CN" altLang="en-US" smtClean="0"/>
-              <a:t>2025/7/4</a:t>
+              <a:t>2025/7/5</a:t>
             </a:fld>
             <a:endParaRPr lang="zh-CN" altLang="en-US"/>
           </a:p>
@@ -1810,7 +1815,7 @@
           <a:p>
             <a:fld id="{EBF2C0EF-9E34-4A3A-ABDA-86C1D7A2D4B7}" type="datetimeFigureOut">
               <a:rPr lang="zh-CN" altLang="en-US" smtClean="0"/>
-              <a:t>2025/7/4</a:t>
+              <a:t>2025/7/5</a:t>
             </a:fld>
             <a:endParaRPr lang="zh-CN" altLang="en-US"/>
           </a:p>
@@ -1951,7 +1956,7 @@
           <a:p>
             <a:fld id="{EBF2C0EF-9E34-4A3A-ABDA-86C1D7A2D4B7}" type="datetimeFigureOut">
               <a:rPr lang="zh-CN" altLang="en-US" smtClean="0"/>
-              <a:t>2025/7/4</a:t>
+              <a:t>2025/7/5</a:t>
             </a:fld>
             <a:endParaRPr lang="zh-CN" altLang="en-US"/>
           </a:p>
@@ -2064,7 +2069,7 @@
           <a:p>
             <a:fld id="{EBF2C0EF-9E34-4A3A-ABDA-86C1D7A2D4B7}" type="datetimeFigureOut">
               <a:rPr lang="zh-CN" altLang="en-US" smtClean="0"/>
-              <a:t>2025/7/4</a:t>
+              <a:t>2025/7/5</a:t>
             </a:fld>
             <a:endParaRPr lang="zh-CN" altLang="en-US"/>
           </a:p>
@@ -2375,7 +2380,7 @@
           <a:p>
             <a:fld id="{EBF2C0EF-9E34-4A3A-ABDA-86C1D7A2D4B7}" type="datetimeFigureOut">
               <a:rPr lang="zh-CN" altLang="en-US" smtClean="0"/>
-              <a:t>2025/7/4</a:t>
+              <a:t>2025/7/5</a:t>
             </a:fld>
             <a:endParaRPr lang="zh-CN" altLang="en-US"/>
           </a:p>
@@ -2663,7 +2668,7 @@
           <a:p>
             <a:fld id="{EBF2C0EF-9E34-4A3A-ABDA-86C1D7A2D4B7}" type="datetimeFigureOut">
               <a:rPr lang="zh-CN" altLang="en-US" smtClean="0"/>
-              <a:t>2025/7/4</a:t>
+              <a:t>2025/7/5</a:t>
             </a:fld>
             <a:endParaRPr lang="zh-CN" altLang="en-US"/>
           </a:p>
@@ -2904,7 +2909,7 @@
           <a:p>
             <a:fld id="{EBF2C0EF-9E34-4A3A-ABDA-86C1D7A2D4B7}" type="datetimeFigureOut">
               <a:rPr lang="zh-CN" altLang="en-US" smtClean="0"/>
-              <a:t>2025/7/4</a:t>
+              <a:t>2025/7/5</a:t>
             </a:fld>
             <a:endParaRPr lang="zh-CN" altLang="en-US"/>
           </a:p>
@@ -3323,51 +3328,962 @@
       </p:grpSpPr>
       <p:sp>
         <p:nvSpPr>
-          <p:cNvPr id="2" name="标题 1">
-            <a:extLst>
-              <a:ext uri="{FF2B5EF4-FFF2-40B4-BE49-F238E27FC236}">
-                <a16:creationId xmlns:a16="http://schemas.microsoft.com/office/drawing/2014/main" id="{501A9544-669A-312F-410E-A51D70638DBC}"/>
-              </a:ext>
-            </a:extLst>
-          </p:cNvPr>
-          <p:cNvSpPr>
-            <a:spLocks noGrp="1"/>
-          </p:cNvSpPr>
-          <p:nvPr>
-            <p:ph type="ctrTitle"/>
-          </p:nvPr>
-        </p:nvSpPr>
-        <p:spPr/>
-        <p:txBody>
-          <a:bodyPr/>
-          <a:lstStyle/>
-          <a:p>
+          <p:cNvPr id="4" name="流程图: 手动操作 3">
+            <a:extLst>
+              <a:ext uri="{FF2B5EF4-FFF2-40B4-BE49-F238E27FC236}">
+                <a16:creationId xmlns:a16="http://schemas.microsoft.com/office/drawing/2014/main" id="{DB0660F5-8E4A-6A60-AAAB-920D1FDA4AD3}"/>
+              </a:ext>
+            </a:extLst>
+          </p:cNvPr>
+          <p:cNvSpPr/>
+          <p:nvPr/>
+        </p:nvSpPr>
+        <p:spPr>
+          <a:xfrm rot="16200000">
+            <a:off x="1884426" y="3223591"/>
+            <a:ext cx="1997964" cy="989076"/>
+          </a:xfrm>
+          <a:prstGeom prst="flowChartManualOperation">
+            <a:avLst/>
+          </a:prstGeom>
+        </p:spPr>
+        <p:style>
+          <a:lnRef idx="2">
+            <a:schemeClr val="dk1"/>
+          </a:lnRef>
+          <a:fillRef idx="1">
+            <a:schemeClr val="lt1"/>
+          </a:fillRef>
+          <a:effectRef idx="0">
+            <a:schemeClr val="dk1"/>
+          </a:effectRef>
+          <a:fontRef idx="minor">
+            <a:schemeClr val="dk1"/>
+          </a:fontRef>
+        </p:style>
+        <p:txBody>
+          <a:bodyPr rtlCol="0" anchor="ctr"/>
+          <a:lstStyle/>
+          <a:p>
+            <a:pPr algn="ctr"/>
+            <a:endParaRPr lang="en-US" altLang="zh-CN"/>
+          </a:p>
+        </p:txBody>
+      </p:sp>
+      <p:sp>
+        <p:nvSpPr>
+          <p:cNvPr id="5" name="文本框 4">
+            <a:extLst>
+              <a:ext uri="{FF2B5EF4-FFF2-40B4-BE49-F238E27FC236}">
+                <a16:creationId xmlns:a16="http://schemas.microsoft.com/office/drawing/2014/main" id="{53C99036-719D-3FA7-9B64-398EA4FBB598}"/>
+              </a:ext>
+            </a:extLst>
+          </p:cNvPr>
+          <p:cNvSpPr txBox="1"/>
+          <p:nvPr/>
+        </p:nvSpPr>
+        <p:spPr>
+          <a:xfrm>
+            <a:off x="2557670" y="3339548"/>
+            <a:ext cx="820276" cy="646331"/>
+          </a:xfrm>
+          <a:prstGeom prst="rect">
+            <a:avLst/>
+          </a:prstGeom>
+          <a:noFill/>
+        </p:spPr>
+        <p:txBody>
+          <a:bodyPr wrap="square" rtlCol="0">
+            <a:spAutoFit/>
+          </a:bodyPr>
+          <a:lstStyle/>
+          <a:p>
+            <a:r>
+              <a:rPr lang="en-US" altLang="zh-CN"/>
+              <a:t>MUX</a:t>
+            </a:r>
+          </a:p>
+          <a:p>
+            <a:r>
+              <a:rPr lang="en-US" altLang="zh-CN"/>
+              <a:t> 2_1</a:t>
+            </a:r>
             <a:endParaRPr lang="zh-CN" altLang="en-US"/>
           </a:p>
         </p:txBody>
       </p:sp>
       <p:sp>
         <p:nvSpPr>
-          <p:cNvPr id="3" name="副标题 2">
-            <a:extLst>
-              <a:ext uri="{FF2B5EF4-FFF2-40B4-BE49-F238E27FC236}">
-                <a16:creationId xmlns:a16="http://schemas.microsoft.com/office/drawing/2014/main" id="{37F7CF8B-9A5C-9201-6997-4748C32E35A8}"/>
-              </a:ext>
-            </a:extLst>
-          </p:cNvPr>
-          <p:cNvSpPr>
-            <a:spLocks noGrp="1"/>
-          </p:cNvSpPr>
-          <p:nvPr>
-            <p:ph type="subTitle" idx="1"/>
-          </p:nvPr>
-        </p:nvSpPr>
-        <p:spPr/>
-        <p:txBody>
-          <a:bodyPr/>
-          <a:lstStyle/>
-          <a:p>
+          <p:cNvPr id="6" name="文本框 5">
+            <a:extLst>
+              <a:ext uri="{FF2B5EF4-FFF2-40B4-BE49-F238E27FC236}">
+                <a16:creationId xmlns:a16="http://schemas.microsoft.com/office/drawing/2014/main" id="{687B543D-556C-B6FF-4098-CE5EF3B69E95}"/>
+              </a:ext>
+            </a:extLst>
+          </p:cNvPr>
+          <p:cNvSpPr txBox="1"/>
+          <p:nvPr/>
+        </p:nvSpPr>
+        <p:spPr>
+          <a:xfrm>
+            <a:off x="2636504" y="4054963"/>
+            <a:ext cx="662608" cy="369332"/>
+          </a:xfrm>
+          <a:prstGeom prst="rect">
+            <a:avLst/>
+          </a:prstGeom>
+          <a:noFill/>
+        </p:spPr>
+        <p:txBody>
+          <a:bodyPr wrap="square" rtlCol="0">
+            <a:spAutoFit/>
+          </a:bodyPr>
+          <a:lstStyle/>
+          <a:p>
+            <a:r>
+              <a:rPr lang="en-US" altLang="zh-CN" err="1"/>
+              <a:t>sel</a:t>
+            </a:r>
+            <a:endParaRPr lang="en-US" altLang="zh-CN"/>
+          </a:p>
+        </p:txBody>
+      </p:sp>
+      <p:cxnSp>
+        <p:nvCxnSpPr>
+          <p:cNvPr id="8" name="直接箭头连接符 7">
+            <a:extLst>
+              <a:ext uri="{FF2B5EF4-FFF2-40B4-BE49-F238E27FC236}">
+                <a16:creationId xmlns:a16="http://schemas.microsoft.com/office/drawing/2014/main" id="{BEEEFFF9-66AE-6E3E-4257-955D7CD9C5A0}"/>
+              </a:ext>
+            </a:extLst>
+          </p:cNvPr>
+          <p:cNvCxnSpPr>
+            <a:endCxn id="4" idx="1"/>
+          </p:cNvCxnSpPr>
+          <p:nvPr/>
+        </p:nvCxnSpPr>
+        <p:spPr>
+          <a:xfrm flipH="1" flipV="1">
+            <a:off x="2883408" y="4517315"/>
+            <a:ext cx="5566" cy="876320"/>
+          </a:xfrm>
+          <a:prstGeom prst="straightConnector1">
+            <a:avLst/>
+          </a:prstGeom>
+          <a:ln>
+            <a:tailEnd type="triangle"/>
+          </a:ln>
+        </p:spPr>
+        <p:style>
+          <a:lnRef idx="1">
+            <a:schemeClr val="dk1"/>
+          </a:lnRef>
+          <a:fillRef idx="0">
+            <a:schemeClr val="dk1"/>
+          </a:fillRef>
+          <a:effectRef idx="0">
+            <a:schemeClr val="dk1"/>
+          </a:effectRef>
+          <a:fontRef idx="minor">
+            <a:schemeClr val="tx1"/>
+          </a:fontRef>
+        </p:style>
+      </p:cxnSp>
+      <p:cxnSp>
+        <p:nvCxnSpPr>
+          <p:cNvPr id="10" name="直接箭头连接符 9">
+            <a:extLst>
+              <a:ext uri="{FF2B5EF4-FFF2-40B4-BE49-F238E27FC236}">
+                <a16:creationId xmlns:a16="http://schemas.microsoft.com/office/drawing/2014/main" id="{8B17418F-A474-5072-E361-F56B279AB684}"/>
+              </a:ext>
+            </a:extLst>
+          </p:cNvPr>
+          <p:cNvCxnSpPr/>
+          <p:nvPr/>
+        </p:nvCxnSpPr>
+        <p:spPr>
+          <a:xfrm>
+            <a:off x="967409" y="4054963"/>
+            <a:ext cx="1421460" cy="0"/>
+          </a:xfrm>
+          <a:prstGeom prst="straightConnector1">
+            <a:avLst/>
+          </a:prstGeom>
+          <a:ln>
+            <a:tailEnd type="triangle"/>
+          </a:ln>
+        </p:spPr>
+        <p:style>
+          <a:lnRef idx="1">
+            <a:schemeClr val="dk1"/>
+          </a:lnRef>
+          <a:fillRef idx="0">
+            <a:schemeClr val="dk1"/>
+          </a:fillRef>
+          <a:effectRef idx="0">
+            <a:schemeClr val="dk1"/>
+          </a:effectRef>
+          <a:fontRef idx="minor">
+            <a:schemeClr val="tx1"/>
+          </a:fontRef>
+        </p:style>
+      </p:cxnSp>
+      <p:cxnSp>
+        <p:nvCxnSpPr>
+          <p:cNvPr id="12" name="直接箭头连接符 11">
+            <a:extLst>
+              <a:ext uri="{FF2B5EF4-FFF2-40B4-BE49-F238E27FC236}">
+                <a16:creationId xmlns:a16="http://schemas.microsoft.com/office/drawing/2014/main" id="{48CB9CF3-8C9C-0309-C185-49752FADDAA9}"/>
+              </a:ext>
+            </a:extLst>
+          </p:cNvPr>
+          <p:cNvCxnSpPr/>
+          <p:nvPr/>
+        </p:nvCxnSpPr>
+        <p:spPr>
+          <a:xfrm>
+            <a:off x="954157" y="3339548"/>
+            <a:ext cx="1434712" cy="0"/>
+          </a:xfrm>
+          <a:prstGeom prst="straightConnector1">
+            <a:avLst/>
+          </a:prstGeom>
+          <a:ln>
+            <a:tailEnd type="triangle"/>
+          </a:ln>
+        </p:spPr>
+        <p:style>
+          <a:lnRef idx="1">
+            <a:schemeClr val="dk1"/>
+          </a:lnRef>
+          <a:fillRef idx="0">
+            <a:schemeClr val="dk1"/>
+          </a:fillRef>
+          <a:effectRef idx="0">
+            <a:schemeClr val="dk1"/>
+          </a:effectRef>
+          <a:fontRef idx="minor">
+            <a:schemeClr val="tx1"/>
+          </a:fontRef>
+        </p:style>
+      </p:cxnSp>
+      <p:sp>
+        <p:nvSpPr>
+          <p:cNvPr id="13" name="文本框 12">
+            <a:extLst>
+              <a:ext uri="{FF2B5EF4-FFF2-40B4-BE49-F238E27FC236}">
+                <a16:creationId xmlns:a16="http://schemas.microsoft.com/office/drawing/2014/main" id="{0AB678D2-A173-F542-CAE9-6002BB87F14B}"/>
+              </a:ext>
+            </a:extLst>
+          </p:cNvPr>
+          <p:cNvSpPr txBox="1"/>
+          <p:nvPr/>
+        </p:nvSpPr>
+        <p:spPr>
+          <a:xfrm>
+            <a:off x="1081112" y="3101440"/>
+            <a:ext cx="1802296" cy="276999"/>
+          </a:xfrm>
+          <a:prstGeom prst="rect">
+            <a:avLst/>
+          </a:prstGeom>
+          <a:noFill/>
+        </p:spPr>
+        <p:txBody>
+          <a:bodyPr wrap="square" rtlCol="0">
+            <a:spAutoFit/>
+          </a:bodyPr>
+          <a:lstStyle/>
+          <a:p>
+            <a:r>
+              <a:rPr lang="en-US" altLang="zh-CN" sz="1200"/>
+              <a:t>RF_rD2 32bits</a:t>
+            </a:r>
+            <a:endParaRPr lang="zh-CN" altLang="en-US" sz="1200"/>
+          </a:p>
+        </p:txBody>
+      </p:sp>
+      <p:sp>
+        <p:nvSpPr>
+          <p:cNvPr id="14" name="文本框 13">
+            <a:extLst>
+              <a:ext uri="{FF2B5EF4-FFF2-40B4-BE49-F238E27FC236}">
+                <a16:creationId xmlns:a16="http://schemas.microsoft.com/office/drawing/2014/main" id="{0622E4A6-3F70-B8C7-DA1A-BFBFCA61E0D7}"/>
+              </a:ext>
+            </a:extLst>
+          </p:cNvPr>
+          <p:cNvSpPr txBox="1"/>
+          <p:nvPr/>
+        </p:nvSpPr>
+        <p:spPr>
+          <a:xfrm>
+            <a:off x="1002644" y="3777964"/>
+            <a:ext cx="1802296" cy="276999"/>
+          </a:xfrm>
+          <a:prstGeom prst="rect">
+            <a:avLst/>
+          </a:prstGeom>
+          <a:noFill/>
+        </p:spPr>
+        <p:txBody>
+          <a:bodyPr wrap="square" rtlCol="0">
+            <a:spAutoFit/>
+          </a:bodyPr>
+          <a:lstStyle/>
+          <a:p>
+            <a:r>
+              <a:rPr lang="en-US" altLang="zh-CN" sz="1200"/>
+              <a:t>SEXT_ext 32bits</a:t>
+            </a:r>
+            <a:endParaRPr lang="zh-CN" altLang="en-US" sz="1200"/>
+          </a:p>
+        </p:txBody>
+      </p:sp>
+      <p:cxnSp>
+        <p:nvCxnSpPr>
+          <p:cNvPr id="16" name="直接连接符 15">
+            <a:extLst>
+              <a:ext uri="{FF2B5EF4-FFF2-40B4-BE49-F238E27FC236}">
+                <a16:creationId xmlns:a16="http://schemas.microsoft.com/office/drawing/2014/main" id="{F7BB86F0-F19E-F8F1-8F01-6ED88DB809C6}"/>
+              </a:ext>
+            </a:extLst>
+          </p:cNvPr>
+          <p:cNvCxnSpPr/>
+          <p:nvPr/>
+        </p:nvCxnSpPr>
+        <p:spPr>
+          <a:xfrm>
+            <a:off x="4400550" y="1825171"/>
+            <a:ext cx="0" cy="801539"/>
+          </a:xfrm>
+          <a:prstGeom prst="line">
+            <a:avLst/>
+          </a:prstGeom>
+        </p:spPr>
+        <p:style>
+          <a:lnRef idx="1">
+            <a:schemeClr val="dk1"/>
+          </a:lnRef>
+          <a:fillRef idx="0">
+            <a:schemeClr val="dk1"/>
+          </a:fillRef>
+          <a:effectRef idx="0">
+            <a:schemeClr val="dk1"/>
+          </a:effectRef>
+          <a:fontRef idx="minor">
+            <a:schemeClr val="tx1"/>
+          </a:fontRef>
+        </p:style>
+      </p:cxnSp>
+      <p:cxnSp>
+        <p:nvCxnSpPr>
+          <p:cNvPr id="18" name="直接连接符 17">
+            <a:extLst>
+              <a:ext uri="{FF2B5EF4-FFF2-40B4-BE49-F238E27FC236}">
+                <a16:creationId xmlns:a16="http://schemas.microsoft.com/office/drawing/2014/main" id="{B9E572BA-C7EF-1A2A-D0C3-7015FA18B142}"/>
+              </a:ext>
+            </a:extLst>
+          </p:cNvPr>
+          <p:cNvCxnSpPr/>
+          <p:nvPr/>
+        </p:nvCxnSpPr>
+        <p:spPr>
+          <a:xfrm>
+            <a:off x="4400550" y="2967335"/>
+            <a:ext cx="0" cy="810629"/>
+          </a:xfrm>
+          <a:prstGeom prst="line">
+            <a:avLst/>
+          </a:prstGeom>
+        </p:spPr>
+        <p:style>
+          <a:lnRef idx="1">
+            <a:schemeClr val="dk1"/>
+          </a:lnRef>
+          <a:fillRef idx="0">
+            <a:schemeClr val="dk1"/>
+          </a:fillRef>
+          <a:effectRef idx="0">
+            <a:schemeClr val="dk1"/>
+          </a:effectRef>
+          <a:fontRef idx="minor">
+            <a:schemeClr val="tx1"/>
+          </a:fontRef>
+        </p:style>
+      </p:cxnSp>
+      <p:cxnSp>
+        <p:nvCxnSpPr>
+          <p:cNvPr id="20" name="直接连接符 19">
+            <a:extLst>
+              <a:ext uri="{FF2B5EF4-FFF2-40B4-BE49-F238E27FC236}">
+                <a16:creationId xmlns:a16="http://schemas.microsoft.com/office/drawing/2014/main" id="{64A15435-87AD-4026-AB24-B84EA1FA0982}"/>
+              </a:ext>
+            </a:extLst>
+          </p:cNvPr>
+          <p:cNvCxnSpPr/>
+          <p:nvPr/>
+        </p:nvCxnSpPr>
+        <p:spPr>
+          <a:xfrm>
+            <a:off x="5410200" y="2155610"/>
+            <a:ext cx="0" cy="1305929"/>
+          </a:xfrm>
+          <a:prstGeom prst="line">
+            <a:avLst/>
+          </a:prstGeom>
+        </p:spPr>
+        <p:style>
+          <a:lnRef idx="1">
+            <a:schemeClr val="dk1"/>
+          </a:lnRef>
+          <a:fillRef idx="0">
+            <a:schemeClr val="dk1"/>
+          </a:fillRef>
+          <a:effectRef idx="0">
+            <a:schemeClr val="dk1"/>
+          </a:effectRef>
+          <a:fontRef idx="minor">
+            <a:schemeClr val="tx1"/>
+          </a:fontRef>
+        </p:style>
+      </p:cxnSp>
+      <p:cxnSp>
+        <p:nvCxnSpPr>
+          <p:cNvPr id="22" name="直接连接符 21">
+            <a:extLst>
+              <a:ext uri="{FF2B5EF4-FFF2-40B4-BE49-F238E27FC236}">
+                <a16:creationId xmlns:a16="http://schemas.microsoft.com/office/drawing/2014/main" id="{F341269B-08CF-2C86-2B4B-BD80858BA288}"/>
+              </a:ext>
+            </a:extLst>
+          </p:cNvPr>
+          <p:cNvCxnSpPr/>
+          <p:nvPr/>
+        </p:nvCxnSpPr>
+        <p:spPr>
+          <a:xfrm>
+            <a:off x="4400550" y="1825171"/>
+            <a:ext cx="1009650" cy="330439"/>
+          </a:xfrm>
+          <a:prstGeom prst="line">
+            <a:avLst/>
+          </a:prstGeom>
+        </p:spPr>
+        <p:style>
+          <a:lnRef idx="1">
+            <a:schemeClr val="dk1"/>
+          </a:lnRef>
+          <a:fillRef idx="0">
+            <a:schemeClr val="dk1"/>
+          </a:fillRef>
+          <a:effectRef idx="0">
+            <a:schemeClr val="dk1"/>
+          </a:effectRef>
+          <a:fontRef idx="minor">
+            <a:schemeClr val="tx1"/>
+          </a:fontRef>
+        </p:style>
+      </p:cxnSp>
+      <p:cxnSp>
+        <p:nvCxnSpPr>
+          <p:cNvPr id="24" name="直接连接符 23">
+            <a:extLst>
+              <a:ext uri="{FF2B5EF4-FFF2-40B4-BE49-F238E27FC236}">
+                <a16:creationId xmlns:a16="http://schemas.microsoft.com/office/drawing/2014/main" id="{388EF5B2-297E-21BB-6B04-9EF06AA078AC}"/>
+              </a:ext>
+            </a:extLst>
+          </p:cNvPr>
+          <p:cNvCxnSpPr>
+            <a:cxnSpLocks/>
+          </p:cNvCxnSpPr>
+          <p:nvPr/>
+        </p:nvCxnSpPr>
+        <p:spPr>
+          <a:xfrm flipV="1">
+            <a:off x="4400550" y="3461539"/>
+            <a:ext cx="1009650" cy="316425"/>
+          </a:xfrm>
+          <a:prstGeom prst="line">
+            <a:avLst/>
+          </a:prstGeom>
+        </p:spPr>
+        <p:style>
+          <a:lnRef idx="1">
+            <a:schemeClr val="dk1"/>
+          </a:lnRef>
+          <a:fillRef idx="0">
+            <a:schemeClr val="dk1"/>
+          </a:fillRef>
+          <a:effectRef idx="0">
+            <a:schemeClr val="dk1"/>
+          </a:effectRef>
+          <a:fontRef idx="minor">
+            <a:schemeClr val="tx1"/>
+          </a:fontRef>
+        </p:style>
+      </p:cxnSp>
+      <p:cxnSp>
+        <p:nvCxnSpPr>
+          <p:cNvPr id="27" name="直接连接符 26">
+            <a:extLst>
+              <a:ext uri="{FF2B5EF4-FFF2-40B4-BE49-F238E27FC236}">
+                <a16:creationId xmlns:a16="http://schemas.microsoft.com/office/drawing/2014/main" id="{111481C2-CDE3-327F-1F1F-B32B1923929E}"/>
+              </a:ext>
+            </a:extLst>
+          </p:cNvPr>
+          <p:cNvCxnSpPr/>
+          <p:nvPr/>
+        </p:nvCxnSpPr>
+        <p:spPr>
+          <a:xfrm>
+            <a:off x="4400550" y="2626710"/>
+            <a:ext cx="285750" cy="138500"/>
+          </a:xfrm>
+          <a:prstGeom prst="line">
+            <a:avLst/>
+          </a:prstGeom>
+        </p:spPr>
+        <p:style>
+          <a:lnRef idx="1">
+            <a:schemeClr val="dk1"/>
+          </a:lnRef>
+          <a:fillRef idx="0">
+            <a:schemeClr val="dk1"/>
+          </a:fillRef>
+          <a:effectRef idx="0">
+            <a:schemeClr val="dk1"/>
+          </a:effectRef>
+          <a:fontRef idx="minor">
+            <a:schemeClr val="tx1"/>
+          </a:fontRef>
+        </p:style>
+      </p:cxnSp>
+      <p:cxnSp>
+        <p:nvCxnSpPr>
+          <p:cNvPr id="28" name="直接连接符 27">
+            <a:extLst>
+              <a:ext uri="{FF2B5EF4-FFF2-40B4-BE49-F238E27FC236}">
+                <a16:creationId xmlns:a16="http://schemas.microsoft.com/office/drawing/2014/main" id="{740F8585-9461-6E0A-5D43-613EF6A42F26}"/>
+              </a:ext>
+            </a:extLst>
+          </p:cNvPr>
+          <p:cNvCxnSpPr>
+            <a:cxnSpLocks/>
+          </p:cNvCxnSpPr>
+          <p:nvPr/>
+        </p:nvCxnSpPr>
+        <p:spPr>
+          <a:xfrm flipV="1">
+            <a:off x="4400550" y="2765210"/>
+            <a:ext cx="285750" cy="202125"/>
+          </a:xfrm>
+          <a:prstGeom prst="line">
+            <a:avLst/>
+          </a:prstGeom>
+        </p:spPr>
+        <p:style>
+          <a:lnRef idx="1">
+            <a:schemeClr val="dk1"/>
+          </a:lnRef>
+          <a:fillRef idx="0">
+            <a:schemeClr val="dk1"/>
+          </a:fillRef>
+          <a:effectRef idx="0">
+            <a:schemeClr val="dk1"/>
+          </a:effectRef>
+          <a:fontRef idx="minor">
+            <a:schemeClr val="tx1"/>
+          </a:fontRef>
+        </p:style>
+      </p:cxnSp>
+      <p:sp>
+        <p:nvSpPr>
+          <p:cNvPr id="32" name="文本框 31">
+            <a:extLst>
+              <a:ext uri="{FF2B5EF4-FFF2-40B4-BE49-F238E27FC236}">
+                <a16:creationId xmlns:a16="http://schemas.microsoft.com/office/drawing/2014/main" id="{24AECE5F-3D03-F3C6-821A-1435556CAEFC}"/>
+              </a:ext>
+            </a:extLst>
+          </p:cNvPr>
+          <p:cNvSpPr txBox="1"/>
+          <p:nvPr/>
+        </p:nvSpPr>
+        <p:spPr>
+          <a:xfrm>
+            <a:off x="4471987" y="2172320"/>
+            <a:ext cx="142875" cy="1200329"/>
+          </a:xfrm>
+          <a:prstGeom prst="rect">
+            <a:avLst/>
+          </a:prstGeom>
+          <a:noFill/>
+        </p:spPr>
+        <p:txBody>
+          <a:bodyPr wrap="square" rtlCol="0">
+            <a:spAutoFit/>
+          </a:bodyPr>
+          <a:lstStyle/>
+          <a:p>
+            <a:r>
+              <a:rPr lang="en-US" altLang="zh-CN"/>
+              <a:t>A</a:t>
+            </a:r>
+          </a:p>
+          <a:p>
+            <a:endParaRPr lang="en-US" altLang="zh-CN"/>
+          </a:p>
+          <a:p>
+            <a:endParaRPr lang="en-US" altLang="zh-CN"/>
+          </a:p>
+          <a:p>
+            <a:r>
+              <a:rPr lang="en-US" altLang="zh-CN"/>
+              <a:t>B</a:t>
+            </a:r>
             <a:endParaRPr lang="zh-CN" altLang="en-US"/>
+          </a:p>
+        </p:txBody>
+      </p:sp>
+      <p:sp>
+        <p:nvSpPr>
+          <p:cNvPr id="33" name="文本框 32">
+            <a:extLst>
+              <a:ext uri="{FF2B5EF4-FFF2-40B4-BE49-F238E27FC236}">
+                <a16:creationId xmlns:a16="http://schemas.microsoft.com/office/drawing/2014/main" id="{DA618080-9E30-8E64-8EEF-15A3ADC166D4}"/>
+              </a:ext>
+            </a:extLst>
+          </p:cNvPr>
+          <p:cNvSpPr txBox="1"/>
+          <p:nvPr/>
+        </p:nvSpPr>
+        <p:spPr>
+          <a:xfrm>
+            <a:off x="5063871" y="2310819"/>
+            <a:ext cx="346329" cy="923330"/>
+          </a:xfrm>
+          <a:prstGeom prst="rect">
+            <a:avLst/>
+          </a:prstGeom>
+          <a:noFill/>
+        </p:spPr>
+        <p:txBody>
+          <a:bodyPr wrap="square" rtlCol="0">
+            <a:spAutoFit/>
+          </a:bodyPr>
+          <a:lstStyle/>
+          <a:p>
+            <a:r>
+              <a:rPr lang="en-US" altLang="zh-CN"/>
+              <a:t>f</a:t>
+            </a:r>
+          </a:p>
+          <a:p>
+            <a:endParaRPr lang="en-US" altLang="zh-CN"/>
+          </a:p>
+          <a:p>
+            <a:r>
+              <a:rPr lang="en-US" altLang="zh-CN"/>
+              <a:t>C</a:t>
+            </a:r>
+          </a:p>
+        </p:txBody>
+      </p:sp>
+      <p:cxnSp>
+        <p:nvCxnSpPr>
+          <p:cNvPr id="37" name="直接箭头连接符 36">
+            <a:extLst>
+              <a:ext uri="{FF2B5EF4-FFF2-40B4-BE49-F238E27FC236}">
+                <a16:creationId xmlns:a16="http://schemas.microsoft.com/office/drawing/2014/main" id="{4BAB7C18-F2C2-2502-184E-7F0E6738E4EC}"/>
+              </a:ext>
+            </a:extLst>
+          </p:cNvPr>
+          <p:cNvCxnSpPr/>
+          <p:nvPr/>
+        </p:nvCxnSpPr>
+        <p:spPr>
+          <a:xfrm>
+            <a:off x="3377946" y="3339548"/>
+            <a:ext cx="1003554" cy="0"/>
+          </a:xfrm>
+          <a:prstGeom prst="straightConnector1">
+            <a:avLst/>
+          </a:prstGeom>
+          <a:ln>
+            <a:tailEnd type="triangle"/>
+          </a:ln>
+        </p:spPr>
+        <p:style>
+          <a:lnRef idx="1">
+            <a:schemeClr val="dk1"/>
+          </a:lnRef>
+          <a:fillRef idx="0">
+            <a:schemeClr val="dk1"/>
+          </a:fillRef>
+          <a:effectRef idx="0">
+            <a:schemeClr val="dk1"/>
+          </a:effectRef>
+          <a:fontRef idx="minor">
+            <a:schemeClr val="tx1"/>
+          </a:fontRef>
+        </p:style>
+      </p:cxnSp>
+      <p:cxnSp>
+        <p:nvCxnSpPr>
+          <p:cNvPr id="39" name="直接箭头连接符 38">
+            <a:extLst>
+              <a:ext uri="{FF2B5EF4-FFF2-40B4-BE49-F238E27FC236}">
+                <a16:creationId xmlns:a16="http://schemas.microsoft.com/office/drawing/2014/main" id="{0F449DD3-6462-F9A1-40AE-CF120724CD25}"/>
+              </a:ext>
+            </a:extLst>
+          </p:cNvPr>
+          <p:cNvCxnSpPr/>
+          <p:nvPr/>
+        </p:nvCxnSpPr>
+        <p:spPr>
+          <a:xfrm>
+            <a:off x="1002644" y="2172320"/>
+            <a:ext cx="3388381" cy="0"/>
+          </a:xfrm>
+          <a:prstGeom prst="straightConnector1">
+            <a:avLst/>
+          </a:prstGeom>
+          <a:ln>
+            <a:tailEnd type="triangle"/>
+          </a:ln>
+        </p:spPr>
+        <p:style>
+          <a:lnRef idx="1">
+            <a:schemeClr val="dk1"/>
+          </a:lnRef>
+          <a:fillRef idx="0">
+            <a:schemeClr val="dk1"/>
+          </a:fillRef>
+          <a:effectRef idx="0">
+            <a:schemeClr val="dk1"/>
+          </a:effectRef>
+          <a:fontRef idx="minor">
+            <a:schemeClr val="tx1"/>
+          </a:fontRef>
+        </p:style>
+      </p:cxnSp>
+      <p:sp>
+        <p:nvSpPr>
+          <p:cNvPr id="40" name="文本框 39">
+            <a:extLst>
+              <a:ext uri="{FF2B5EF4-FFF2-40B4-BE49-F238E27FC236}">
+                <a16:creationId xmlns:a16="http://schemas.microsoft.com/office/drawing/2014/main" id="{0A8B0105-735C-9BA3-3AF4-C845E44DF3B5}"/>
+              </a:ext>
+            </a:extLst>
+          </p:cNvPr>
+          <p:cNvSpPr txBox="1"/>
+          <p:nvPr/>
+        </p:nvSpPr>
+        <p:spPr>
+          <a:xfrm>
+            <a:off x="1081112" y="1904122"/>
+            <a:ext cx="1802296" cy="276999"/>
+          </a:xfrm>
+          <a:prstGeom prst="rect">
+            <a:avLst/>
+          </a:prstGeom>
+          <a:noFill/>
+        </p:spPr>
+        <p:txBody>
+          <a:bodyPr wrap="square" rtlCol="0">
+            <a:spAutoFit/>
+          </a:bodyPr>
+          <a:lstStyle/>
+          <a:p>
+            <a:r>
+              <a:rPr lang="en-US" altLang="zh-CN" sz="1200"/>
+              <a:t>RF_Rd1 32bits</a:t>
+            </a:r>
+            <a:endParaRPr lang="zh-CN" altLang="en-US" sz="1200"/>
+          </a:p>
+        </p:txBody>
+      </p:sp>
+      <p:sp>
+        <p:nvSpPr>
+          <p:cNvPr id="41" name="文本框 40">
+            <a:extLst>
+              <a:ext uri="{FF2B5EF4-FFF2-40B4-BE49-F238E27FC236}">
+                <a16:creationId xmlns:a16="http://schemas.microsoft.com/office/drawing/2014/main" id="{5ABCD29B-9C4F-68C9-DCC6-FD6B3008E434}"/>
+              </a:ext>
+            </a:extLst>
+          </p:cNvPr>
+          <p:cNvSpPr txBox="1"/>
+          <p:nvPr/>
+        </p:nvSpPr>
+        <p:spPr>
+          <a:xfrm>
+            <a:off x="4614862" y="1571255"/>
+            <a:ext cx="1445706" cy="369332"/>
+          </a:xfrm>
+          <a:prstGeom prst="rect">
+            <a:avLst/>
+          </a:prstGeom>
+          <a:noFill/>
+        </p:spPr>
+        <p:txBody>
+          <a:bodyPr wrap="square" rtlCol="0">
+            <a:spAutoFit/>
+          </a:bodyPr>
+          <a:lstStyle/>
+          <a:p>
+            <a:r>
+              <a:rPr lang="en-US" altLang="zh-CN"/>
+              <a:t>ALU</a:t>
+            </a:r>
+            <a:endParaRPr lang="zh-CN" altLang="en-US"/>
+          </a:p>
+        </p:txBody>
+      </p:sp>
+      <p:cxnSp>
+        <p:nvCxnSpPr>
+          <p:cNvPr id="43" name="直接箭头连接符 42">
+            <a:extLst>
+              <a:ext uri="{FF2B5EF4-FFF2-40B4-BE49-F238E27FC236}">
+                <a16:creationId xmlns:a16="http://schemas.microsoft.com/office/drawing/2014/main" id="{79AECFE5-D0B5-B6D2-3E3E-9B4E57B11020}"/>
+              </a:ext>
+            </a:extLst>
+          </p:cNvPr>
+          <p:cNvCxnSpPr/>
+          <p:nvPr/>
+        </p:nvCxnSpPr>
+        <p:spPr>
+          <a:xfrm>
+            <a:off x="5410200" y="2486025"/>
+            <a:ext cx="485775" cy="0"/>
+          </a:xfrm>
+          <a:prstGeom prst="straightConnector1">
+            <a:avLst/>
+          </a:prstGeom>
+          <a:ln>
+            <a:tailEnd type="triangle"/>
+          </a:ln>
+        </p:spPr>
+        <p:style>
+          <a:lnRef idx="1">
+            <a:schemeClr val="dk1"/>
+          </a:lnRef>
+          <a:fillRef idx="0">
+            <a:schemeClr val="dk1"/>
+          </a:fillRef>
+          <a:effectRef idx="0">
+            <a:schemeClr val="dk1"/>
+          </a:effectRef>
+          <a:fontRef idx="minor">
+            <a:schemeClr val="tx1"/>
+          </a:fontRef>
+        </p:style>
+      </p:cxnSp>
+      <p:cxnSp>
+        <p:nvCxnSpPr>
+          <p:cNvPr id="47" name="直接箭头连接符 46">
+            <a:extLst>
+              <a:ext uri="{FF2B5EF4-FFF2-40B4-BE49-F238E27FC236}">
+                <a16:creationId xmlns:a16="http://schemas.microsoft.com/office/drawing/2014/main" id="{07D0E4F9-A63F-735D-E344-C78F46BD31DB}"/>
+              </a:ext>
+            </a:extLst>
+          </p:cNvPr>
+          <p:cNvCxnSpPr/>
+          <p:nvPr/>
+        </p:nvCxnSpPr>
+        <p:spPr>
+          <a:xfrm>
+            <a:off x="5410199" y="2992200"/>
+            <a:ext cx="485775" cy="0"/>
+          </a:xfrm>
+          <a:prstGeom prst="straightConnector1">
+            <a:avLst/>
+          </a:prstGeom>
+          <a:ln>
+            <a:tailEnd type="triangle"/>
+          </a:ln>
+        </p:spPr>
+        <p:style>
+          <a:lnRef idx="1">
+            <a:schemeClr val="dk1"/>
+          </a:lnRef>
+          <a:fillRef idx="0">
+            <a:schemeClr val="dk1"/>
+          </a:fillRef>
+          <a:effectRef idx="0">
+            <a:schemeClr val="dk1"/>
+          </a:effectRef>
+          <a:fontRef idx="minor">
+            <a:schemeClr val="tx1"/>
+          </a:fontRef>
+        </p:style>
+      </p:cxnSp>
+      <p:sp>
+        <p:nvSpPr>
+          <p:cNvPr id="48" name="文本框 47">
+            <a:extLst>
+              <a:ext uri="{FF2B5EF4-FFF2-40B4-BE49-F238E27FC236}">
+                <a16:creationId xmlns:a16="http://schemas.microsoft.com/office/drawing/2014/main" id="{952CB426-3D9E-7539-8469-86A573897EF6}"/>
+              </a:ext>
+            </a:extLst>
+          </p:cNvPr>
+          <p:cNvSpPr txBox="1"/>
+          <p:nvPr/>
+        </p:nvSpPr>
+        <p:spPr>
+          <a:xfrm>
+            <a:off x="5347240" y="2754465"/>
+            <a:ext cx="652463" cy="276999"/>
+          </a:xfrm>
+          <a:prstGeom prst="rect">
+            <a:avLst/>
+          </a:prstGeom>
+          <a:noFill/>
+        </p:spPr>
+        <p:txBody>
+          <a:bodyPr wrap="square" rtlCol="0">
+            <a:spAutoFit/>
+          </a:bodyPr>
+          <a:lstStyle/>
+          <a:p>
+            <a:r>
+              <a:rPr lang="en-US" altLang="zh-CN" sz="1200"/>
+              <a:t>32bits</a:t>
+            </a:r>
+            <a:endParaRPr lang="zh-CN" altLang="en-US" sz="1200"/>
+          </a:p>
+        </p:txBody>
+      </p:sp>
+      <p:sp>
+        <p:nvSpPr>
+          <p:cNvPr id="49" name="文本框 48">
+            <a:extLst>
+              <a:ext uri="{FF2B5EF4-FFF2-40B4-BE49-F238E27FC236}">
+                <a16:creationId xmlns:a16="http://schemas.microsoft.com/office/drawing/2014/main" id="{1523E7B6-C129-C02E-54FF-89FE4BECBE74}"/>
+              </a:ext>
+            </a:extLst>
+          </p:cNvPr>
+          <p:cNvSpPr txBox="1"/>
+          <p:nvPr/>
+        </p:nvSpPr>
+        <p:spPr>
+          <a:xfrm>
+            <a:off x="5408105" y="2242208"/>
+            <a:ext cx="652463" cy="276999"/>
+          </a:xfrm>
+          <a:prstGeom prst="rect">
+            <a:avLst/>
+          </a:prstGeom>
+          <a:noFill/>
+        </p:spPr>
+        <p:txBody>
+          <a:bodyPr wrap="square" rtlCol="0">
+            <a:spAutoFit/>
+          </a:bodyPr>
+          <a:lstStyle/>
+          <a:p>
+            <a:r>
+              <a:rPr lang="en-US" altLang="zh-CN" sz="1200"/>
+              <a:t>1bit</a:t>
+            </a:r>
+            <a:endParaRPr lang="zh-CN" altLang="en-US" sz="1200"/>
           </a:p>
         </p:txBody>
       </p:sp>

--- a/my_single_cpu_picture/ALU_picture.pptx
+++ b/my_single_cpu_picture/ALU_picture.pptx
@@ -4146,13 +4146,15 @@
               </a:ext>
             </a:extLst>
           </p:cNvPr>
-          <p:cNvCxnSpPr/>
+          <p:cNvCxnSpPr>
+            <a:cxnSpLocks/>
+          </p:cNvCxnSpPr>
           <p:nvPr/>
         </p:nvCxnSpPr>
         <p:spPr>
           <a:xfrm>
             <a:off x="5410200" y="2486025"/>
-            <a:ext cx="485775" cy="0"/>
+            <a:ext cx="1104900" cy="0"/>
           </a:xfrm>
           <a:prstGeom prst="straightConnector1">
             <a:avLst/>
@@ -4185,13 +4187,15 @@
               </a:ext>
             </a:extLst>
           </p:cNvPr>
-          <p:cNvCxnSpPr/>
+          <p:cNvCxnSpPr>
+            <a:cxnSpLocks/>
+          </p:cNvCxnSpPr>
           <p:nvPr/>
         </p:nvCxnSpPr>
         <p:spPr>
           <a:xfrm>
             <a:off x="5410199" y="2992200"/>
-            <a:ext cx="485775" cy="0"/>
+            <a:ext cx="1104901" cy="0"/>
           </a:xfrm>
           <a:prstGeom prst="straightConnector1">
             <a:avLst/>
@@ -4229,8 +4233,8 @@
         </p:nvSpPr>
         <p:spPr>
           <a:xfrm>
-            <a:off x="5347240" y="2754465"/>
-            <a:ext cx="652463" cy="276999"/>
+            <a:off x="5353382" y="2732684"/>
+            <a:ext cx="2914260" cy="276999"/>
           </a:xfrm>
           <a:prstGeom prst="rect">
             <a:avLst/>
@@ -4245,7 +4249,7 @@
           <a:p>
             <a:r>
               <a:rPr lang="en-US" altLang="zh-CN" sz="1200"/>
-              <a:t>32bits</a:t>
+              <a:t>SEXT_ext 32bits</a:t>
             </a:r>
             <a:endParaRPr lang="zh-CN" altLang="en-US" sz="1200"/>
           </a:p>
@@ -4265,8 +4269,8 @@
         </p:nvSpPr>
         <p:spPr>
           <a:xfrm>
-            <a:off x="5408105" y="2242208"/>
-            <a:ext cx="652463" cy="276999"/>
+            <a:off x="5443536" y="2221635"/>
+            <a:ext cx="1103567" cy="286583"/>
           </a:xfrm>
           <a:prstGeom prst="rect">
             <a:avLst/>
@@ -4281,7 +4285,7 @@
           <a:p>
             <a:r>
               <a:rPr lang="en-US" altLang="zh-CN" sz="1200"/>
-              <a:t>1bit</a:t>
+              <a:t>NPC_br 1bit</a:t>
             </a:r>
             <a:endParaRPr lang="zh-CN" altLang="en-US" sz="1200"/>
           </a:p>

--- a/my_single_cpu_picture/ALU_picture.pptx
+++ b/my_single_cpu_picture/ALU_picture.pptx
@@ -6,6 +6,7 @@
   </p:sldMasterIdLst>
   <p:sldIdLst>
     <p:sldId id="256" r:id="rId2"/>
+    <p:sldId id="257" r:id="rId3"/>
   </p:sldIdLst>
   <p:sldSz cx="12192000" cy="6858000"/>
   <p:notesSz cx="6858000" cy="9144000"/>
@@ -259,7 +260,7 @@
           <a:p>
             <a:fld id="{EBF2C0EF-9E34-4A3A-ABDA-86C1D7A2D4B7}" type="datetimeFigureOut">
               <a:rPr lang="zh-CN" altLang="en-US" smtClean="0"/>
-              <a:t>2025/7/5</a:t>
+              <a:t>2025/7/7</a:t>
             </a:fld>
             <a:endParaRPr lang="zh-CN" altLang="en-US"/>
           </a:p>
@@ -457,7 +458,7 @@
           <a:p>
             <a:fld id="{EBF2C0EF-9E34-4A3A-ABDA-86C1D7A2D4B7}" type="datetimeFigureOut">
               <a:rPr lang="zh-CN" altLang="en-US" smtClean="0"/>
-              <a:t>2025/7/5</a:t>
+              <a:t>2025/7/7</a:t>
             </a:fld>
             <a:endParaRPr lang="zh-CN" altLang="en-US"/>
           </a:p>
@@ -665,7 +666,7 @@
           <a:p>
             <a:fld id="{EBF2C0EF-9E34-4A3A-ABDA-86C1D7A2D4B7}" type="datetimeFigureOut">
               <a:rPr lang="zh-CN" altLang="en-US" smtClean="0"/>
-              <a:t>2025/7/5</a:t>
+              <a:t>2025/7/7</a:t>
             </a:fld>
             <a:endParaRPr lang="zh-CN" altLang="en-US"/>
           </a:p>
@@ -863,7 +864,7 @@
           <a:p>
             <a:fld id="{EBF2C0EF-9E34-4A3A-ABDA-86C1D7A2D4B7}" type="datetimeFigureOut">
               <a:rPr lang="zh-CN" altLang="en-US" smtClean="0"/>
-              <a:t>2025/7/5</a:t>
+              <a:t>2025/7/7</a:t>
             </a:fld>
             <a:endParaRPr lang="zh-CN" altLang="en-US"/>
           </a:p>
@@ -1138,7 +1139,7 @@
           <a:p>
             <a:fld id="{EBF2C0EF-9E34-4A3A-ABDA-86C1D7A2D4B7}" type="datetimeFigureOut">
               <a:rPr lang="zh-CN" altLang="en-US" smtClean="0"/>
-              <a:t>2025/7/5</a:t>
+              <a:t>2025/7/7</a:t>
             </a:fld>
             <a:endParaRPr lang="zh-CN" altLang="en-US"/>
           </a:p>
@@ -1403,7 +1404,7 @@
           <a:p>
             <a:fld id="{EBF2C0EF-9E34-4A3A-ABDA-86C1D7A2D4B7}" type="datetimeFigureOut">
               <a:rPr lang="zh-CN" altLang="en-US" smtClean="0"/>
-              <a:t>2025/7/5</a:t>
+              <a:t>2025/7/7</a:t>
             </a:fld>
             <a:endParaRPr lang="zh-CN" altLang="en-US"/>
           </a:p>
@@ -1815,7 +1816,7 @@
           <a:p>
             <a:fld id="{EBF2C0EF-9E34-4A3A-ABDA-86C1D7A2D4B7}" type="datetimeFigureOut">
               <a:rPr lang="zh-CN" altLang="en-US" smtClean="0"/>
-              <a:t>2025/7/5</a:t>
+              <a:t>2025/7/7</a:t>
             </a:fld>
             <a:endParaRPr lang="zh-CN" altLang="en-US"/>
           </a:p>
@@ -1956,7 +1957,7 @@
           <a:p>
             <a:fld id="{EBF2C0EF-9E34-4A3A-ABDA-86C1D7A2D4B7}" type="datetimeFigureOut">
               <a:rPr lang="zh-CN" altLang="en-US" smtClean="0"/>
-              <a:t>2025/7/5</a:t>
+              <a:t>2025/7/7</a:t>
             </a:fld>
             <a:endParaRPr lang="zh-CN" altLang="en-US"/>
           </a:p>
@@ -2069,7 +2070,7 @@
           <a:p>
             <a:fld id="{EBF2C0EF-9E34-4A3A-ABDA-86C1D7A2D4B7}" type="datetimeFigureOut">
               <a:rPr lang="zh-CN" altLang="en-US" smtClean="0"/>
-              <a:t>2025/7/5</a:t>
+              <a:t>2025/7/7</a:t>
             </a:fld>
             <a:endParaRPr lang="zh-CN" altLang="en-US"/>
           </a:p>
@@ -2380,7 +2381,7 @@
           <a:p>
             <a:fld id="{EBF2C0EF-9E34-4A3A-ABDA-86C1D7A2D4B7}" type="datetimeFigureOut">
               <a:rPr lang="zh-CN" altLang="en-US" smtClean="0"/>
-              <a:t>2025/7/5</a:t>
+              <a:t>2025/7/7</a:t>
             </a:fld>
             <a:endParaRPr lang="zh-CN" altLang="en-US"/>
           </a:p>
@@ -2668,7 +2669,7 @@
           <a:p>
             <a:fld id="{EBF2C0EF-9E34-4A3A-ABDA-86C1D7A2D4B7}" type="datetimeFigureOut">
               <a:rPr lang="zh-CN" altLang="en-US" smtClean="0"/>
-              <a:t>2025/7/5</a:t>
+              <a:t>2025/7/7</a:t>
             </a:fld>
             <a:endParaRPr lang="zh-CN" altLang="en-US"/>
           </a:p>
@@ -2909,7 +2910,7 @@
           <a:p>
             <a:fld id="{EBF2C0EF-9E34-4A3A-ABDA-86C1D7A2D4B7}" type="datetimeFigureOut">
               <a:rPr lang="zh-CN" altLang="en-US" smtClean="0"/>
-              <a:t>2025/7/5</a:t>
+              <a:t>2025/7/7</a:t>
             </a:fld>
             <a:endParaRPr lang="zh-CN" altLang="en-US"/>
           </a:p>
@@ -4304,6 +4305,844 @@
 </p:sld>
 </file>
 
+<file path=ppt/slides/slide2.xml><?xml version="1.0" encoding="utf-8"?>
+<p:sld xmlns:a="http://schemas.openxmlformats.org/drawingml/2006/main" xmlns:r="http://schemas.openxmlformats.org/officeDocument/2006/relationships" xmlns:p="http://schemas.openxmlformats.org/presentationml/2006/main">
+  <p:cSld>
+    <p:spTree>
+      <p:nvGrpSpPr>
+        <p:cNvPr id="1" name=""/>
+        <p:cNvGrpSpPr/>
+        <p:nvPr/>
+      </p:nvGrpSpPr>
+      <p:grpSpPr>
+        <a:xfrm>
+          <a:off x="0" y="0"/>
+          <a:ext cx="0" cy="0"/>
+          <a:chOff x="0" y="0"/>
+          <a:chExt cx="0" cy="0"/>
+        </a:xfrm>
+      </p:grpSpPr>
+      <p:cxnSp>
+        <p:nvCxnSpPr>
+          <p:cNvPr id="7" name="直接连接符 6">
+            <a:extLst>
+              <a:ext uri="{FF2B5EF4-FFF2-40B4-BE49-F238E27FC236}">
+                <a16:creationId xmlns:a16="http://schemas.microsoft.com/office/drawing/2014/main" id="{062E8C96-95E9-4495-4151-096C90D37965}"/>
+              </a:ext>
+            </a:extLst>
+          </p:cNvPr>
+          <p:cNvCxnSpPr/>
+          <p:nvPr/>
+        </p:nvCxnSpPr>
+        <p:spPr>
+          <a:xfrm>
+            <a:off x="1140431" y="844765"/>
+            <a:ext cx="0" cy="4572000"/>
+          </a:xfrm>
+          <a:prstGeom prst="line">
+            <a:avLst/>
+          </a:prstGeom>
+        </p:spPr>
+        <p:style>
+          <a:lnRef idx="1">
+            <a:schemeClr val="dk1"/>
+          </a:lnRef>
+          <a:fillRef idx="0">
+            <a:schemeClr val="dk1"/>
+          </a:fillRef>
+          <a:effectRef idx="0">
+            <a:schemeClr val="dk1"/>
+          </a:effectRef>
+          <a:fontRef idx="minor">
+            <a:schemeClr val="tx1"/>
+          </a:fontRef>
+        </p:style>
+      </p:cxnSp>
+      <p:cxnSp>
+        <p:nvCxnSpPr>
+          <p:cNvPr id="8" name="直接连接符 7">
+            <a:extLst>
+              <a:ext uri="{FF2B5EF4-FFF2-40B4-BE49-F238E27FC236}">
+                <a16:creationId xmlns:a16="http://schemas.microsoft.com/office/drawing/2014/main" id="{2FD1FDDC-FF27-50C1-2146-503865660BF8}"/>
+              </a:ext>
+            </a:extLst>
+          </p:cNvPr>
+          <p:cNvCxnSpPr>
+            <a:cxnSpLocks/>
+          </p:cNvCxnSpPr>
+          <p:nvPr/>
+        </p:nvCxnSpPr>
+        <p:spPr>
+          <a:xfrm>
+            <a:off x="1683250" y="851115"/>
+            <a:ext cx="0" cy="5044610"/>
+          </a:xfrm>
+          <a:prstGeom prst="line">
+            <a:avLst/>
+          </a:prstGeom>
+        </p:spPr>
+        <p:style>
+          <a:lnRef idx="1">
+            <a:schemeClr val="dk1"/>
+          </a:lnRef>
+          <a:fillRef idx="0">
+            <a:schemeClr val="dk1"/>
+          </a:fillRef>
+          <a:effectRef idx="0">
+            <a:schemeClr val="dk1"/>
+          </a:effectRef>
+          <a:fontRef idx="minor">
+            <a:schemeClr val="tx1"/>
+          </a:fontRef>
+        </p:style>
+      </p:cxnSp>
+      <p:sp>
+        <p:nvSpPr>
+          <p:cNvPr id="10" name="矩形 9">
+            <a:extLst>
+              <a:ext uri="{FF2B5EF4-FFF2-40B4-BE49-F238E27FC236}">
+                <a16:creationId xmlns:a16="http://schemas.microsoft.com/office/drawing/2014/main" id="{D354DDC6-9DE2-2313-D858-DD0E2590DB54}"/>
+              </a:ext>
+            </a:extLst>
+          </p:cNvPr>
+          <p:cNvSpPr/>
+          <p:nvPr/>
+        </p:nvSpPr>
+        <p:spPr>
+          <a:xfrm>
+            <a:off x="3667874" y="1222626"/>
+            <a:ext cx="891426" cy="453774"/>
+          </a:xfrm>
+          <a:prstGeom prst="rect">
+            <a:avLst/>
+          </a:prstGeom>
+        </p:spPr>
+        <p:style>
+          <a:lnRef idx="2">
+            <a:schemeClr val="dk1"/>
+          </a:lnRef>
+          <a:fillRef idx="1">
+            <a:schemeClr val="lt1"/>
+          </a:fillRef>
+          <a:effectRef idx="0">
+            <a:schemeClr val="dk1"/>
+          </a:effectRef>
+          <a:fontRef idx="minor">
+            <a:schemeClr val="dk1"/>
+          </a:fontRef>
+        </p:style>
+        <p:txBody>
+          <a:bodyPr rtlCol="0" anchor="ctr"/>
+          <a:lstStyle/>
+          <a:p>
+            <a:pPr algn="ctr"/>
+            <a:r>
+              <a:rPr lang="en-US" altLang="zh-CN" dirty="0"/>
+              <a:t>and</a:t>
+            </a:r>
+            <a:endParaRPr lang="zh-CN" altLang="en-US" dirty="0"/>
+          </a:p>
+        </p:txBody>
+      </p:sp>
+      <p:cxnSp>
+        <p:nvCxnSpPr>
+          <p:cNvPr id="13" name="直接连接符 12">
+            <a:extLst>
+              <a:ext uri="{FF2B5EF4-FFF2-40B4-BE49-F238E27FC236}">
+                <a16:creationId xmlns:a16="http://schemas.microsoft.com/office/drawing/2014/main" id="{C3A3682A-8E0A-395A-8E15-ABD48E6A44A1}"/>
+              </a:ext>
+            </a:extLst>
+          </p:cNvPr>
+          <p:cNvCxnSpPr>
+            <a:cxnSpLocks/>
+          </p:cNvCxnSpPr>
+          <p:nvPr/>
+        </p:nvCxnSpPr>
+        <p:spPr>
+          <a:xfrm>
+            <a:off x="1140431" y="1333500"/>
+            <a:ext cx="2527443" cy="0"/>
+          </a:xfrm>
+          <a:prstGeom prst="line">
+            <a:avLst/>
+          </a:prstGeom>
+        </p:spPr>
+        <p:style>
+          <a:lnRef idx="1">
+            <a:schemeClr val="dk1"/>
+          </a:lnRef>
+          <a:fillRef idx="0">
+            <a:schemeClr val="dk1"/>
+          </a:fillRef>
+          <a:effectRef idx="0">
+            <a:schemeClr val="dk1"/>
+          </a:effectRef>
+          <a:fontRef idx="minor">
+            <a:schemeClr val="tx1"/>
+          </a:fontRef>
+        </p:style>
+      </p:cxnSp>
+      <p:cxnSp>
+        <p:nvCxnSpPr>
+          <p:cNvPr id="19" name="直接连接符 18">
+            <a:extLst>
+              <a:ext uri="{FF2B5EF4-FFF2-40B4-BE49-F238E27FC236}">
+                <a16:creationId xmlns:a16="http://schemas.microsoft.com/office/drawing/2014/main" id="{AFCFDA98-8167-259D-ED9A-199EA690BCDF}"/>
+              </a:ext>
+            </a:extLst>
+          </p:cNvPr>
+          <p:cNvCxnSpPr>
+            <a:cxnSpLocks/>
+          </p:cNvCxnSpPr>
+          <p:nvPr/>
+        </p:nvCxnSpPr>
+        <p:spPr>
+          <a:xfrm>
+            <a:off x="3321050" y="1562100"/>
+            <a:ext cx="346824" cy="0"/>
+          </a:xfrm>
+          <a:prstGeom prst="line">
+            <a:avLst/>
+          </a:prstGeom>
+        </p:spPr>
+        <p:style>
+          <a:lnRef idx="1">
+            <a:schemeClr val="dk1"/>
+          </a:lnRef>
+          <a:fillRef idx="0">
+            <a:schemeClr val="dk1"/>
+          </a:fillRef>
+          <a:effectRef idx="0">
+            <a:schemeClr val="dk1"/>
+          </a:effectRef>
+          <a:fontRef idx="minor">
+            <a:schemeClr val="tx1"/>
+          </a:fontRef>
+        </p:style>
+      </p:cxnSp>
+      <p:sp>
+        <p:nvSpPr>
+          <p:cNvPr id="22" name="梯形 21">
+            <a:extLst>
+              <a:ext uri="{FF2B5EF4-FFF2-40B4-BE49-F238E27FC236}">
+                <a16:creationId xmlns:a16="http://schemas.microsoft.com/office/drawing/2014/main" id="{C6838D9F-0D68-2A01-E6EA-F3BB97AC141F}"/>
+              </a:ext>
+            </a:extLst>
+          </p:cNvPr>
+          <p:cNvSpPr/>
+          <p:nvPr/>
+        </p:nvSpPr>
+        <p:spPr>
+          <a:xfrm rot="5400000">
+            <a:off x="3062272" y="1512659"/>
+            <a:ext cx="377860" cy="139695"/>
+          </a:xfrm>
+          <a:prstGeom prst="trapezoid">
+            <a:avLst/>
+          </a:prstGeom>
+        </p:spPr>
+        <p:style>
+          <a:lnRef idx="2">
+            <a:schemeClr val="dk1"/>
+          </a:lnRef>
+          <a:fillRef idx="1">
+            <a:schemeClr val="lt1"/>
+          </a:fillRef>
+          <a:effectRef idx="0">
+            <a:schemeClr val="dk1"/>
+          </a:effectRef>
+          <a:fontRef idx="minor">
+            <a:schemeClr val="dk1"/>
+          </a:fontRef>
+        </p:style>
+        <p:txBody>
+          <a:bodyPr rtlCol="0" anchor="ctr"/>
+          <a:lstStyle/>
+          <a:p>
+            <a:pPr algn="ctr"/>
+            <a:endParaRPr lang="zh-CN" altLang="en-US"/>
+          </a:p>
+        </p:txBody>
+      </p:sp>
+      <p:cxnSp>
+        <p:nvCxnSpPr>
+          <p:cNvPr id="23" name="直接连接符 22">
+            <a:extLst>
+              <a:ext uri="{FF2B5EF4-FFF2-40B4-BE49-F238E27FC236}">
+                <a16:creationId xmlns:a16="http://schemas.microsoft.com/office/drawing/2014/main" id="{F0D7AE8D-7E7F-A971-147F-C27A0130498C}"/>
+              </a:ext>
+            </a:extLst>
+          </p:cNvPr>
+          <p:cNvCxnSpPr>
+            <a:cxnSpLocks/>
+          </p:cNvCxnSpPr>
+          <p:nvPr/>
+        </p:nvCxnSpPr>
+        <p:spPr>
+          <a:xfrm>
+            <a:off x="2372511" y="1454150"/>
+            <a:ext cx="808843" cy="0"/>
+          </a:xfrm>
+          <a:prstGeom prst="line">
+            <a:avLst/>
+          </a:prstGeom>
+        </p:spPr>
+        <p:style>
+          <a:lnRef idx="1">
+            <a:schemeClr val="dk1"/>
+          </a:lnRef>
+          <a:fillRef idx="0">
+            <a:schemeClr val="dk1"/>
+          </a:fillRef>
+          <a:effectRef idx="0">
+            <a:schemeClr val="dk1"/>
+          </a:effectRef>
+          <a:fontRef idx="minor">
+            <a:schemeClr val="tx1"/>
+          </a:fontRef>
+        </p:style>
+      </p:cxnSp>
+      <p:cxnSp>
+        <p:nvCxnSpPr>
+          <p:cNvPr id="26" name="直接连接符 25">
+            <a:extLst>
+              <a:ext uri="{FF2B5EF4-FFF2-40B4-BE49-F238E27FC236}">
+                <a16:creationId xmlns:a16="http://schemas.microsoft.com/office/drawing/2014/main" id="{AD48B7D3-2DE0-2F58-2144-03A7EB1E5EB2}"/>
+              </a:ext>
+            </a:extLst>
+          </p:cNvPr>
+          <p:cNvCxnSpPr>
+            <a:cxnSpLocks/>
+          </p:cNvCxnSpPr>
+          <p:nvPr/>
+        </p:nvCxnSpPr>
+        <p:spPr>
+          <a:xfrm>
+            <a:off x="2834530" y="1689100"/>
+            <a:ext cx="346824" cy="0"/>
+          </a:xfrm>
+          <a:prstGeom prst="line">
+            <a:avLst/>
+          </a:prstGeom>
+        </p:spPr>
+        <p:style>
+          <a:lnRef idx="1">
+            <a:schemeClr val="dk1"/>
+          </a:lnRef>
+          <a:fillRef idx="0">
+            <a:schemeClr val="dk1"/>
+          </a:fillRef>
+          <a:effectRef idx="0">
+            <a:schemeClr val="dk1"/>
+          </a:effectRef>
+          <a:fontRef idx="minor">
+            <a:schemeClr val="tx1"/>
+          </a:fontRef>
+        </p:style>
+      </p:cxnSp>
+      <p:sp>
+        <p:nvSpPr>
+          <p:cNvPr id="27" name="等腰三角形 26">
+            <a:extLst>
+              <a:ext uri="{FF2B5EF4-FFF2-40B4-BE49-F238E27FC236}">
+                <a16:creationId xmlns:a16="http://schemas.microsoft.com/office/drawing/2014/main" id="{41F97870-2583-E015-29A2-F7B3919927F1}"/>
+              </a:ext>
+            </a:extLst>
+          </p:cNvPr>
+          <p:cNvSpPr/>
+          <p:nvPr/>
+        </p:nvSpPr>
+        <p:spPr>
+          <a:xfrm rot="5400000">
+            <a:off x="2584453" y="1609724"/>
+            <a:ext cx="222248" cy="177800"/>
+          </a:xfrm>
+          <a:prstGeom prst="triangle">
+            <a:avLst/>
+          </a:prstGeom>
+        </p:spPr>
+        <p:style>
+          <a:lnRef idx="2">
+            <a:schemeClr val="dk1"/>
+          </a:lnRef>
+          <a:fillRef idx="1">
+            <a:schemeClr val="lt1"/>
+          </a:fillRef>
+          <a:effectRef idx="0">
+            <a:schemeClr val="dk1"/>
+          </a:effectRef>
+          <a:fontRef idx="minor">
+            <a:schemeClr val="dk1"/>
+          </a:fontRef>
+        </p:style>
+        <p:txBody>
+          <a:bodyPr rtlCol="0" anchor="ctr"/>
+          <a:lstStyle/>
+          <a:p>
+            <a:pPr algn="ctr"/>
+            <a:endParaRPr lang="zh-CN" altLang="en-US"/>
+          </a:p>
+        </p:txBody>
+      </p:sp>
+      <p:sp>
+        <p:nvSpPr>
+          <p:cNvPr id="28" name="椭圆 27">
+            <a:extLst>
+              <a:ext uri="{FF2B5EF4-FFF2-40B4-BE49-F238E27FC236}">
+                <a16:creationId xmlns:a16="http://schemas.microsoft.com/office/drawing/2014/main" id="{53E60849-0AC0-BDB5-47EF-0E615B0E33C4}"/>
+              </a:ext>
+            </a:extLst>
+          </p:cNvPr>
+          <p:cNvSpPr/>
+          <p:nvPr/>
+        </p:nvSpPr>
+        <p:spPr>
+          <a:xfrm>
+            <a:off x="2788811" y="1676399"/>
+            <a:ext cx="45719" cy="45719"/>
+          </a:xfrm>
+          <a:prstGeom prst="ellipse">
+            <a:avLst/>
+          </a:prstGeom>
+        </p:spPr>
+        <p:style>
+          <a:lnRef idx="2">
+            <a:schemeClr val="dk1"/>
+          </a:lnRef>
+          <a:fillRef idx="1">
+            <a:schemeClr val="lt1"/>
+          </a:fillRef>
+          <a:effectRef idx="0">
+            <a:schemeClr val="dk1"/>
+          </a:effectRef>
+          <a:fontRef idx="minor">
+            <a:schemeClr val="dk1"/>
+          </a:fontRef>
+        </p:style>
+        <p:txBody>
+          <a:bodyPr rtlCol="0" anchor="ctr"/>
+          <a:lstStyle/>
+          <a:p>
+            <a:pPr algn="ctr"/>
+            <a:endParaRPr lang="zh-CN" altLang="en-US"/>
+          </a:p>
+        </p:txBody>
+      </p:sp>
+      <p:cxnSp>
+        <p:nvCxnSpPr>
+          <p:cNvPr id="30" name="直接连接符 29">
+            <a:extLst>
+              <a:ext uri="{FF2B5EF4-FFF2-40B4-BE49-F238E27FC236}">
+                <a16:creationId xmlns:a16="http://schemas.microsoft.com/office/drawing/2014/main" id="{C66DC7D2-F141-E4F5-BD32-532C7B95E2AE}"/>
+              </a:ext>
+            </a:extLst>
+          </p:cNvPr>
+          <p:cNvCxnSpPr>
+            <a:cxnSpLocks/>
+          </p:cNvCxnSpPr>
+          <p:nvPr/>
+        </p:nvCxnSpPr>
+        <p:spPr>
+          <a:xfrm>
+            <a:off x="2372511" y="1692274"/>
+            <a:ext cx="227816" cy="0"/>
+          </a:xfrm>
+          <a:prstGeom prst="line">
+            <a:avLst/>
+          </a:prstGeom>
+        </p:spPr>
+        <p:style>
+          <a:lnRef idx="1">
+            <a:schemeClr val="dk1"/>
+          </a:lnRef>
+          <a:fillRef idx="0">
+            <a:schemeClr val="dk1"/>
+          </a:fillRef>
+          <a:effectRef idx="0">
+            <a:schemeClr val="dk1"/>
+          </a:effectRef>
+          <a:fontRef idx="minor">
+            <a:schemeClr val="tx1"/>
+          </a:fontRef>
+        </p:style>
+      </p:cxnSp>
+      <p:cxnSp>
+        <p:nvCxnSpPr>
+          <p:cNvPr id="34" name="直接连接符 33">
+            <a:extLst>
+              <a:ext uri="{FF2B5EF4-FFF2-40B4-BE49-F238E27FC236}">
+                <a16:creationId xmlns:a16="http://schemas.microsoft.com/office/drawing/2014/main" id="{D6C4305E-B686-253B-437D-86188DF61E92}"/>
+              </a:ext>
+            </a:extLst>
+          </p:cNvPr>
+          <p:cNvCxnSpPr>
+            <a:cxnSpLocks/>
+          </p:cNvCxnSpPr>
+          <p:nvPr/>
+        </p:nvCxnSpPr>
+        <p:spPr>
+          <a:xfrm>
+            <a:off x="2366052" y="1453957"/>
+            <a:ext cx="0" cy="235143"/>
+          </a:xfrm>
+          <a:prstGeom prst="line">
+            <a:avLst/>
+          </a:prstGeom>
+        </p:spPr>
+        <p:style>
+          <a:lnRef idx="1">
+            <a:schemeClr val="dk1"/>
+          </a:lnRef>
+          <a:fillRef idx="0">
+            <a:schemeClr val="dk1"/>
+          </a:fillRef>
+          <a:effectRef idx="0">
+            <a:schemeClr val="dk1"/>
+          </a:effectRef>
+          <a:fontRef idx="minor">
+            <a:schemeClr val="tx1"/>
+          </a:fontRef>
+        </p:style>
+      </p:cxnSp>
+      <p:cxnSp>
+        <p:nvCxnSpPr>
+          <p:cNvPr id="36" name="直接连接符 35">
+            <a:extLst>
+              <a:ext uri="{FF2B5EF4-FFF2-40B4-BE49-F238E27FC236}">
+                <a16:creationId xmlns:a16="http://schemas.microsoft.com/office/drawing/2014/main" id="{0B7FAA4A-2CD2-F595-2594-BB5919B93B8B}"/>
+              </a:ext>
+            </a:extLst>
+          </p:cNvPr>
+          <p:cNvCxnSpPr>
+            <a:cxnSpLocks/>
+          </p:cNvCxnSpPr>
+          <p:nvPr/>
+        </p:nvCxnSpPr>
+        <p:spPr>
+          <a:xfrm flipV="1">
+            <a:off x="1683250" y="1569806"/>
+            <a:ext cx="682802" cy="1722"/>
+          </a:xfrm>
+          <a:prstGeom prst="line">
+            <a:avLst/>
+          </a:prstGeom>
+        </p:spPr>
+        <p:style>
+          <a:lnRef idx="1">
+            <a:schemeClr val="dk1"/>
+          </a:lnRef>
+          <a:fillRef idx="0">
+            <a:schemeClr val="dk1"/>
+          </a:fillRef>
+          <a:effectRef idx="0">
+            <a:schemeClr val="dk1"/>
+          </a:effectRef>
+          <a:fontRef idx="minor">
+            <a:schemeClr val="tx1"/>
+          </a:fontRef>
+        </p:style>
+      </p:cxnSp>
+      <p:sp>
+        <p:nvSpPr>
+          <p:cNvPr id="38" name="矩形 37">
+            <a:extLst>
+              <a:ext uri="{FF2B5EF4-FFF2-40B4-BE49-F238E27FC236}">
+                <a16:creationId xmlns:a16="http://schemas.microsoft.com/office/drawing/2014/main" id="{4D2082D7-BE59-4F7A-AE48-3F4FC8524F06}"/>
+              </a:ext>
+            </a:extLst>
+          </p:cNvPr>
+          <p:cNvSpPr/>
+          <p:nvPr/>
+        </p:nvSpPr>
+        <p:spPr>
+          <a:xfrm>
+            <a:off x="2875337" y="2105276"/>
+            <a:ext cx="891426" cy="453774"/>
+          </a:xfrm>
+          <a:prstGeom prst="rect">
+            <a:avLst/>
+          </a:prstGeom>
+        </p:spPr>
+        <p:style>
+          <a:lnRef idx="2">
+            <a:schemeClr val="dk1"/>
+          </a:lnRef>
+          <a:fillRef idx="1">
+            <a:schemeClr val="lt1"/>
+          </a:fillRef>
+          <a:effectRef idx="0">
+            <a:schemeClr val="dk1"/>
+          </a:effectRef>
+          <a:fontRef idx="minor">
+            <a:schemeClr val="dk1"/>
+          </a:fontRef>
+        </p:style>
+        <p:txBody>
+          <a:bodyPr rtlCol="0" anchor="ctr"/>
+          <a:lstStyle/>
+          <a:p>
+            <a:pPr algn="ctr"/>
+            <a:r>
+              <a:rPr lang="en-US" altLang="zh-CN" dirty="0"/>
+              <a:t>or</a:t>
+            </a:r>
+            <a:endParaRPr lang="zh-CN" altLang="en-US" dirty="0"/>
+          </a:p>
+        </p:txBody>
+      </p:sp>
+      <p:sp>
+        <p:nvSpPr>
+          <p:cNvPr id="39" name="矩形 38">
+            <a:extLst>
+              <a:ext uri="{FF2B5EF4-FFF2-40B4-BE49-F238E27FC236}">
+                <a16:creationId xmlns:a16="http://schemas.microsoft.com/office/drawing/2014/main" id="{A1505B3D-1E72-2D76-AB38-595C5EF5E40D}"/>
+              </a:ext>
+            </a:extLst>
+          </p:cNvPr>
+          <p:cNvSpPr/>
+          <p:nvPr/>
+        </p:nvSpPr>
+        <p:spPr>
+          <a:xfrm>
+            <a:off x="2875337" y="2875338"/>
+            <a:ext cx="891426" cy="453774"/>
+          </a:xfrm>
+          <a:prstGeom prst="rect">
+            <a:avLst/>
+          </a:prstGeom>
+        </p:spPr>
+        <p:style>
+          <a:lnRef idx="2">
+            <a:schemeClr val="dk1"/>
+          </a:lnRef>
+          <a:fillRef idx="1">
+            <a:schemeClr val="lt1"/>
+          </a:fillRef>
+          <a:effectRef idx="0">
+            <a:schemeClr val="dk1"/>
+          </a:effectRef>
+          <a:fontRef idx="minor">
+            <a:schemeClr val="dk1"/>
+          </a:fontRef>
+        </p:style>
+        <p:txBody>
+          <a:bodyPr rtlCol="0" anchor="ctr"/>
+          <a:lstStyle/>
+          <a:p>
+            <a:pPr algn="ctr"/>
+            <a:r>
+              <a:rPr lang="en-US" altLang="zh-CN" dirty="0" err="1"/>
+              <a:t>xor</a:t>
+            </a:r>
+            <a:endParaRPr lang="zh-CN" altLang="en-US" dirty="0"/>
+          </a:p>
+        </p:txBody>
+      </p:sp>
+      <p:sp>
+        <p:nvSpPr>
+          <p:cNvPr id="40" name="矩形 39">
+            <a:extLst>
+              <a:ext uri="{FF2B5EF4-FFF2-40B4-BE49-F238E27FC236}">
+                <a16:creationId xmlns:a16="http://schemas.microsoft.com/office/drawing/2014/main" id="{27188409-64B2-A7CF-7EF0-E4DD0D571285}"/>
+              </a:ext>
+            </a:extLst>
+          </p:cNvPr>
+          <p:cNvSpPr/>
+          <p:nvPr/>
+        </p:nvSpPr>
+        <p:spPr>
+          <a:xfrm>
+            <a:off x="2875337" y="3645400"/>
+            <a:ext cx="891426" cy="453774"/>
+          </a:xfrm>
+          <a:prstGeom prst="rect">
+            <a:avLst/>
+          </a:prstGeom>
+        </p:spPr>
+        <p:style>
+          <a:lnRef idx="2">
+            <a:schemeClr val="dk1"/>
+          </a:lnRef>
+          <a:fillRef idx="1">
+            <a:schemeClr val="lt1"/>
+          </a:fillRef>
+          <a:effectRef idx="0">
+            <a:schemeClr val="dk1"/>
+          </a:effectRef>
+          <a:fontRef idx="minor">
+            <a:schemeClr val="dk1"/>
+          </a:fontRef>
+        </p:style>
+        <p:txBody>
+          <a:bodyPr rtlCol="0" anchor="ctr"/>
+          <a:lstStyle/>
+          <a:p>
+            <a:pPr algn="ctr"/>
+            <a:r>
+              <a:rPr lang="en-US" altLang="zh-CN" dirty="0"/>
+              <a:t>add</a:t>
+            </a:r>
+            <a:endParaRPr lang="zh-CN" altLang="en-US" dirty="0"/>
+          </a:p>
+        </p:txBody>
+      </p:sp>
+      <p:sp>
+        <p:nvSpPr>
+          <p:cNvPr id="41" name="矩形 40">
+            <a:extLst>
+              <a:ext uri="{FF2B5EF4-FFF2-40B4-BE49-F238E27FC236}">
+                <a16:creationId xmlns:a16="http://schemas.microsoft.com/office/drawing/2014/main" id="{4DF201D4-FAAD-2960-B19F-D31369A7CB1E}"/>
+              </a:ext>
+            </a:extLst>
+          </p:cNvPr>
+          <p:cNvSpPr/>
+          <p:nvPr/>
+        </p:nvSpPr>
+        <p:spPr>
+          <a:xfrm>
+            <a:off x="2881687" y="4415462"/>
+            <a:ext cx="891426" cy="453774"/>
+          </a:xfrm>
+          <a:prstGeom prst="rect">
+            <a:avLst/>
+          </a:prstGeom>
+        </p:spPr>
+        <p:style>
+          <a:lnRef idx="2">
+            <a:schemeClr val="dk1"/>
+          </a:lnRef>
+          <a:fillRef idx="1">
+            <a:schemeClr val="lt1"/>
+          </a:fillRef>
+          <a:effectRef idx="0">
+            <a:schemeClr val="dk1"/>
+          </a:effectRef>
+          <a:fontRef idx="minor">
+            <a:schemeClr val="dk1"/>
+          </a:fontRef>
+        </p:style>
+        <p:txBody>
+          <a:bodyPr rtlCol="0" anchor="ctr"/>
+          <a:lstStyle/>
+          <a:p>
+            <a:pPr algn="ctr"/>
+            <a:r>
+              <a:rPr lang="en-US" altLang="zh-CN" dirty="0" err="1"/>
+              <a:t>sll</a:t>
+            </a:r>
+            <a:endParaRPr lang="zh-CN" altLang="en-US" dirty="0"/>
+          </a:p>
+        </p:txBody>
+      </p:sp>
+      <p:sp>
+        <p:nvSpPr>
+          <p:cNvPr id="42" name="矩形 41">
+            <a:extLst>
+              <a:ext uri="{FF2B5EF4-FFF2-40B4-BE49-F238E27FC236}">
+                <a16:creationId xmlns:a16="http://schemas.microsoft.com/office/drawing/2014/main" id="{3052D9DC-AB47-79A7-D80C-1FA444AAF650}"/>
+              </a:ext>
+            </a:extLst>
+          </p:cNvPr>
+          <p:cNvSpPr/>
+          <p:nvPr/>
+        </p:nvSpPr>
+        <p:spPr>
+          <a:xfrm>
+            <a:off x="2883649" y="5189878"/>
+            <a:ext cx="891426" cy="453774"/>
+          </a:xfrm>
+          <a:prstGeom prst="rect">
+            <a:avLst/>
+          </a:prstGeom>
+        </p:spPr>
+        <p:style>
+          <a:lnRef idx="2">
+            <a:schemeClr val="dk1"/>
+          </a:lnRef>
+          <a:fillRef idx="1">
+            <a:schemeClr val="lt1"/>
+          </a:fillRef>
+          <a:effectRef idx="0">
+            <a:schemeClr val="dk1"/>
+          </a:effectRef>
+          <a:fontRef idx="minor">
+            <a:schemeClr val="dk1"/>
+          </a:fontRef>
+        </p:style>
+        <p:txBody>
+          <a:bodyPr rtlCol="0" anchor="ctr"/>
+          <a:lstStyle/>
+          <a:p>
+            <a:pPr algn="ctr"/>
+            <a:r>
+              <a:rPr lang="en-US" altLang="zh-CN" dirty="0" err="1"/>
+              <a:t>srl</a:t>
+            </a:r>
+            <a:endParaRPr lang="zh-CN" altLang="en-US" dirty="0"/>
+          </a:p>
+        </p:txBody>
+      </p:sp>
+      <p:sp>
+        <p:nvSpPr>
+          <p:cNvPr id="43" name="矩形 42">
+            <a:extLst>
+              <a:ext uri="{FF2B5EF4-FFF2-40B4-BE49-F238E27FC236}">
+                <a16:creationId xmlns:a16="http://schemas.microsoft.com/office/drawing/2014/main" id="{D1D030D3-378D-5482-DC5B-A3304FE09A23}"/>
+              </a:ext>
+            </a:extLst>
+          </p:cNvPr>
+          <p:cNvSpPr/>
+          <p:nvPr/>
+        </p:nvSpPr>
+        <p:spPr>
+          <a:xfrm>
+            <a:off x="2881687" y="5955586"/>
+            <a:ext cx="891426" cy="453774"/>
+          </a:xfrm>
+          <a:prstGeom prst="rect">
+            <a:avLst/>
+          </a:prstGeom>
+        </p:spPr>
+        <p:style>
+          <a:lnRef idx="2">
+            <a:schemeClr val="dk1"/>
+          </a:lnRef>
+          <a:fillRef idx="1">
+            <a:schemeClr val="lt1"/>
+          </a:fillRef>
+          <a:effectRef idx="0">
+            <a:schemeClr val="dk1"/>
+          </a:effectRef>
+          <a:fontRef idx="minor">
+            <a:schemeClr val="dk1"/>
+          </a:fontRef>
+        </p:style>
+        <p:txBody>
+          <a:bodyPr rtlCol="0" anchor="ctr"/>
+          <a:lstStyle/>
+          <a:p>
+            <a:pPr algn="ctr"/>
+            <a:r>
+              <a:rPr lang="en-US" altLang="zh-CN" dirty="0" err="1"/>
+              <a:t>sra</a:t>
+            </a:r>
+            <a:endParaRPr lang="zh-CN" altLang="en-US" dirty="0"/>
+          </a:p>
+        </p:txBody>
+      </p:sp>
+    </p:spTree>
+    <p:extLst>
+      <p:ext uri="{BB962C8B-B14F-4D97-AF65-F5344CB8AC3E}">
+        <p14:creationId xmlns:p14="http://schemas.microsoft.com/office/powerpoint/2010/main" val="3764961608"/>
+      </p:ext>
+    </p:extLst>
+  </p:cSld>
+  <p:clrMapOvr>
+    <a:masterClrMapping/>
+  </p:clrMapOvr>
+</p:sld>
+</file>
+
 <file path=ppt/theme/theme1.xml><?xml version="1.0" encoding="utf-8"?>
 <a:theme xmlns:a="http://schemas.openxmlformats.org/drawingml/2006/main" name="Office 主题​​">
   <a:themeElements>

--- a/my_single_cpu_picture/ALU_picture.pptx
+++ b/my_single_cpu_picture/ALU_picture.pptx
@@ -4331,13 +4331,15 @@
               </a:ext>
             </a:extLst>
           </p:cNvPr>
-          <p:cNvCxnSpPr/>
+          <p:cNvCxnSpPr>
+            <a:cxnSpLocks/>
+          </p:cNvCxnSpPr>
           <p:nvPr/>
         </p:nvCxnSpPr>
         <p:spPr>
           <a:xfrm>
             <a:off x="1140431" y="844765"/>
-            <a:ext cx="0" cy="4572000"/>
+            <a:ext cx="0" cy="5243070"/>
           </a:xfrm>
           <a:prstGeom prst="line">
             <a:avLst/>
@@ -4374,8 +4376,8 @@
         </p:nvCxnSpPr>
         <p:spPr>
           <a:xfrm>
-            <a:off x="1683250" y="851115"/>
-            <a:ext cx="0" cy="5044610"/>
+            <a:off x="1683250" y="844765"/>
+            <a:ext cx="0" cy="5417242"/>
           </a:xfrm>
           <a:prstGeom prst="line">
             <a:avLst/>
@@ -5000,7 +5002,7 @@
         </p:nvSpPr>
         <p:spPr>
           <a:xfrm>
-            <a:off x="2881687" y="4415462"/>
+            <a:off x="2876293" y="4415462"/>
             <a:ext cx="891426" cy="453774"/>
           </a:xfrm>
           <a:prstGeom prst="rect">
@@ -5048,7 +5050,7 @@
         </p:nvSpPr>
         <p:spPr>
           <a:xfrm>
-            <a:off x="2883649" y="5189878"/>
+            <a:off x="2879211" y="5189878"/>
             <a:ext cx="891426" cy="453774"/>
           </a:xfrm>
           <a:prstGeom prst="rect">
@@ -5096,7 +5098,7 @@
         </p:nvSpPr>
         <p:spPr>
           <a:xfrm>
-            <a:off x="2881687" y="5955586"/>
+            <a:off x="2875337" y="5955586"/>
             <a:ext cx="891426" cy="453774"/>
           </a:xfrm>
           <a:prstGeom prst="rect">
@@ -5127,6 +5129,3189 @@
               <a:t>sra</a:t>
             </a:r>
             <a:endParaRPr lang="zh-CN" altLang="en-US" dirty="0"/>
+          </a:p>
+        </p:txBody>
+      </p:sp>
+      <p:cxnSp>
+        <p:nvCxnSpPr>
+          <p:cNvPr id="3" name="直接连接符 2">
+            <a:extLst>
+              <a:ext uri="{FF2B5EF4-FFF2-40B4-BE49-F238E27FC236}">
+                <a16:creationId xmlns:a16="http://schemas.microsoft.com/office/drawing/2014/main" id="{A86DCA26-CB23-BB29-7949-BA7D00386CF2}"/>
+              </a:ext>
+            </a:extLst>
+          </p:cNvPr>
+          <p:cNvCxnSpPr/>
+          <p:nvPr/>
+        </p:nvCxnSpPr>
+        <p:spPr>
+          <a:xfrm>
+            <a:off x="1140431" y="2212521"/>
+            <a:ext cx="1734906" cy="0"/>
+          </a:xfrm>
+          <a:prstGeom prst="line">
+            <a:avLst/>
+          </a:prstGeom>
+        </p:spPr>
+        <p:style>
+          <a:lnRef idx="1">
+            <a:schemeClr val="dk1"/>
+          </a:lnRef>
+          <a:fillRef idx="0">
+            <a:schemeClr val="dk1"/>
+          </a:fillRef>
+          <a:effectRef idx="0">
+            <a:schemeClr val="dk1"/>
+          </a:effectRef>
+          <a:fontRef idx="minor">
+            <a:schemeClr val="tx1"/>
+          </a:fontRef>
+        </p:style>
+      </p:cxnSp>
+      <p:cxnSp>
+        <p:nvCxnSpPr>
+          <p:cNvPr id="5" name="直接连接符 4">
+            <a:extLst>
+              <a:ext uri="{FF2B5EF4-FFF2-40B4-BE49-F238E27FC236}">
+                <a16:creationId xmlns:a16="http://schemas.microsoft.com/office/drawing/2014/main" id="{29362183-3A6D-15DA-7272-A129E95FDDE5}"/>
+              </a:ext>
+            </a:extLst>
+          </p:cNvPr>
+          <p:cNvCxnSpPr>
+            <a:cxnSpLocks/>
+          </p:cNvCxnSpPr>
+          <p:nvPr/>
+        </p:nvCxnSpPr>
+        <p:spPr>
+          <a:xfrm>
+            <a:off x="1682106" y="2408463"/>
+            <a:ext cx="1196434" cy="0"/>
+          </a:xfrm>
+          <a:prstGeom prst="line">
+            <a:avLst/>
+          </a:prstGeom>
+        </p:spPr>
+        <p:style>
+          <a:lnRef idx="1">
+            <a:schemeClr val="dk1"/>
+          </a:lnRef>
+          <a:fillRef idx="0">
+            <a:schemeClr val="dk1"/>
+          </a:fillRef>
+          <a:effectRef idx="0">
+            <a:schemeClr val="dk1"/>
+          </a:effectRef>
+          <a:fontRef idx="minor">
+            <a:schemeClr val="tx1"/>
+          </a:fontRef>
+        </p:style>
+      </p:cxnSp>
+      <p:cxnSp>
+        <p:nvCxnSpPr>
+          <p:cNvPr id="9" name="直接连接符 8">
+            <a:extLst>
+              <a:ext uri="{FF2B5EF4-FFF2-40B4-BE49-F238E27FC236}">
+                <a16:creationId xmlns:a16="http://schemas.microsoft.com/office/drawing/2014/main" id="{129D5CFB-8E74-34A9-E932-E55ED3073FC0}"/>
+              </a:ext>
+            </a:extLst>
+          </p:cNvPr>
+          <p:cNvCxnSpPr/>
+          <p:nvPr/>
+        </p:nvCxnSpPr>
+        <p:spPr>
+          <a:xfrm>
+            <a:off x="1146781" y="3009899"/>
+            <a:ext cx="1734906" cy="0"/>
+          </a:xfrm>
+          <a:prstGeom prst="line">
+            <a:avLst/>
+          </a:prstGeom>
+        </p:spPr>
+        <p:style>
+          <a:lnRef idx="1">
+            <a:schemeClr val="dk1"/>
+          </a:lnRef>
+          <a:fillRef idx="0">
+            <a:schemeClr val="dk1"/>
+          </a:fillRef>
+          <a:effectRef idx="0">
+            <a:schemeClr val="dk1"/>
+          </a:effectRef>
+          <a:fontRef idx="minor">
+            <a:schemeClr val="tx1"/>
+          </a:fontRef>
+        </p:style>
+      </p:cxnSp>
+      <p:cxnSp>
+        <p:nvCxnSpPr>
+          <p:cNvPr id="11" name="直接连接符 10">
+            <a:extLst>
+              <a:ext uri="{FF2B5EF4-FFF2-40B4-BE49-F238E27FC236}">
+                <a16:creationId xmlns:a16="http://schemas.microsoft.com/office/drawing/2014/main" id="{75458F93-08D8-7550-69E9-900A6264430D}"/>
+              </a:ext>
+            </a:extLst>
+          </p:cNvPr>
+          <p:cNvCxnSpPr/>
+          <p:nvPr/>
+        </p:nvCxnSpPr>
+        <p:spPr>
+          <a:xfrm>
+            <a:off x="1140431" y="3769178"/>
+            <a:ext cx="1734906" cy="0"/>
+          </a:xfrm>
+          <a:prstGeom prst="line">
+            <a:avLst/>
+          </a:prstGeom>
+        </p:spPr>
+        <p:style>
+          <a:lnRef idx="1">
+            <a:schemeClr val="dk1"/>
+          </a:lnRef>
+          <a:fillRef idx="0">
+            <a:schemeClr val="dk1"/>
+          </a:fillRef>
+          <a:effectRef idx="0">
+            <a:schemeClr val="dk1"/>
+          </a:effectRef>
+          <a:fontRef idx="minor">
+            <a:schemeClr val="tx1"/>
+          </a:fontRef>
+        </p:style>
+      </p:cxnSp>
+      <p:cxnSp>
+        <p:nvCxnSpPr>
+          <p:cNvPr id="12" name="直接连接符 11">
+            <a:extLst>
+              <a:ext uri="{FF2B5EF4-FFF2-40B4-BE49-F238E27FC236}">
+                <a16:creationId xmlns:a16="http://schemas.microsoft.com/office/drawing/2014/main" id="{C1BBE0DE-C935-891A-DCF8-4A0A9701A295}"/>
+              </a:ext>
+            </a:extLst>
+          </p:cNvPr>
+          <p:cNvCxnSpPr/>
+          <p:nvPr/>
+        </p:nvCxnSpPr>
+        <p:spPr>
+          <a:xfrm>
+            <a:off x="1140431" y="4536621"/>
+            <a:ext cx="1734906" cy="0"/>
+          </a:xfrm>
+          <a:prstGeom prst="line">
+            <a:avLst/>
+          </a:prstGeom>
+        </p:spPr>
+        <p:style>
+          <a:lnRef idx="1">
+            <a:schemeClr val="dk1"/>
+          </a:lnRef>
+          <a:fillRef idx="0">
+            <a:schemeClr val="dk1"/>
+          </a:fillRef>
+          <a:effectRef idx="0">
+            <a:schemeClr val="dk1"/>
+          </a:effectRef>
+          <a:fontRef idx="minor">
+            <a:schemeClr val="tx1"/>
+          </a:fontRef>
+        </p:style>
+      </p:cxnSp>
+      <p:cxnSp>
+        <p:nvCxnSpPr>
+          <p:cNvPr id="14" name="直接连接符 13">
+            <a:extLst>
+              <a:ext uri="{FF2B5EF4-FFF2-40B4-BE49-F238E27FC236}">
+                <a16:creationId xmlns:a16="http://schemas.microsoft.com/office/drawing/2014/main" id="{75B19D91-8388-1AE0-C21E-96343A523BAE}"/>
+              </a:ext>
+            </a:extLst>
+          </p:cNvPr>
+          <p:cNvCxnSpPr/>
+          <p:nvPr/>
+        </p:nvCxnSpPr>
+        <p:spPr>
+          <a:xfrm>
+            <a:off x="1140431" y="5295899"/>
+            <a:ext cx="1734906" cy="0"/>
+          </a:xfrm>
+          <a:prstGeom prst="line">
+            <a:avLst/>
+          </a:prstGeom>
+        </p:spPr>
+        <p:style>
+          <a:lnRef idx="1">
+            <a:schemeClr val="dk1"/>
+          </a:lnRef>
+          <a:fillRef idx="0">
+            <a:schemeClr val="dk1"/>
+          </a:fillRef>
+          <a:effectRef idx="0">
+            <a:schemeClr val="dk1"/>
+          </a:effectRef>
+          <a:fontRef idx="minor">
+            <a:schemeClr val="tx1"/>
+          </a:fontRef>
+        </p:style>
+      </p:cxnSp>
+      <p:cxnSp>
+        <p:nvCxnSpPr>
+          <p:cNvPr id="17" name="直接连接符 16">
+            <a:extLst>
+              <a:ext uri="{FF2B5EF4-FFF2-40B4-BE49-F238E27FC236}">
+                <a16:creationId xmlns:a16="http://schemas.microsoft.com/office/drawing/2014/main" id="{521F169C-0FE1-D5E4-4CFF-8E0DEE3A941C}"/>
+              </a:ext>
+            </a:extLst>
+          </p:cNvPr>
+          <p:cNvCxnSpPr/>
+          <p:nvPr/>
+        </p:nvCxnSpPr>
+        <p:spPr>
+          <a:xfrm>
+            <a:off x="1140431" y="6087835"/>
+            <a:ext cx="1734906" cy="0"/>
+          </a:xfrm>
+          <a:prstGeom prst="line">
+            <a:avLst/>
+          </a:prstGeom>
+        </p:spPr>
+        <p:style>
+          <a:lnRef idx="1">
+            <a:schemeClr val="dk1"/>
+          </a:lnRef>
+          <a:fillRef idx="0">
+            <a:schemeClr val="dk1"/>
+          </a:fillRef>
+          <a:effectRef idx="0">
+            <a:schemeClr val="dk1"/>
+          </a:effectRef>
+          <a:fontRef idx="minor">
+            <a:schemeClr val="tx1"/>
+          </a:fontRef>
+        </p:style>
+      </p:cxnSp>
+      <p:cxnSp>
+        <p:nvCxnSpPr>
+          <p:cNvPr id="32" name="直接连接符 31">
+            <a:extLst>
+              <a:ext uri="{FF2B5EF4-FFF2-40B4-BE49-F238E27FC236}">
+                <a16:creationId xmlns:a16="http://schemas.microsoft.com/office/drawing/2014/main" id="{FA6F807B-633E-6709-ECD9-54DBBFEE66DC}"/>
+              </a:ext>
+            </a:extLst>
+          </p:cNvPr>
+          <p:cNvCxnSpPr>
+            <a:cxnSpLocks/>
+          </p:cNvCxnSpPr>
+          <p:nvPr/>
+        </p:nvCxnSpPr>
+        <p:spPr>
+          <a:xfrm>
+            <a:off x="1685253" y="3211211"/>
+            <a:ext cx="1196434" cy="0"/>
+          </a:xfrm>
+          <a:prstGeom prst="line">
+            <a:avLst/>
+          </a:prstGeom>
+        </p:spPr>
+        <p:style>
+          <a:lnRef idx="1">
+            <a:schemeClr val="dk1"/>
+          </a:lnRef>
+          <a:fillRef idx="0">
+            <a:schemeClr val="dk1"/>
+          </a:fillRef>
+          <a:effectRef idx="0">
+            <a:schemeClr val="dk1"/>
+          </a:effectRef>
+          <a:fontRef idx="minor">
+            <a:schemeClr val="tx1"/>
+          </a:fontRef>
+        </p:style>
+      </p:cxnSp>
+      <p:cxnSp>
+        <p:nvCxnSpPr>
+          <p:cNvPr id="33" name="直接连接符 32">
+            <a:extLst>
+              <a:ext uri="{FF2B5EF4-FFF2-40B4-BE49-F238E27FC236}">
+                <a16:creationId xmlns:a16="http://schemas.microsoft.com/office/drawing/2014/main" id="{12B63AAF-860B-33E7-2AB7-ADFC09DF4A05}"/>
+              </a:ext>
+            </a:extLst>
+          </p:cNvPr>
+          <p:cNvCxnSpPr>
+            <a:cxnSpLocks/>
+          </p:cNvCxnSpPr>
+          <p:nvPr/>
+        </p:nvCxnSpPr>
+        <p:spPr>
+          <a:xfrm>
+            <a:off x="1682106" y="3978916"/>
+            <a:ext cx="1196434" cy="0"/>
+          </a:xfrm>
+          <a:prstGeom prst="line">
+            <a:avLst/>
+          </a:prstGeom>
+        </p:spPr>
+        <p:style>
+          <a:lnRef idx="1">
+            <a:schemeClr val="dk1"/>
+          </a:lnRef>
+          <a:fillRef idx="0">
+            <a:schemeClr val="dk1"/>
+          </a:fillRef>
+          <a:effectRef idx="0">
+            <a:schemeClr val="dk1"/>
+          </a:effectRef>
+          <a:fontRef idx="minor">
+            <a:schemeClr val="tx1"/>
+          </a:fontRef>
+        </p:style>
+      </p:cxnSp>
+      <p:cxnSp>
+        <p:nvCxnSpPr>
+          <p:cNvPr id="35" name="直接连接符 34">
+            <a:extLst>
+              <a:ext uri="{FF2B5EF4-FFF2-40B4-BE49-F238E27FC236}">
+                <a16:creationId xmlns:a16="http://schemas.microsoft.com/office/drawing/2014/main" id="{33E0F339-6804-EF13-ABC0-45BA0D2C3901}"/>
+              </a:ext>
+            </a:extLst>
+          </p:cNvPr>
+          <p:cNvCxnSpPr>
+            <a:cxnSpLocks/>
+          </p:cNvCxnSpPr>
+          <p:nvPr/>
+        </p:nvCxnSpPr>
+        <p:spPr>
+          <a:xfrm>
+            <a:off x="1685253" y="4766181"/>
+            <a:ext cx="1196434" cy="0"/>
+          </a:xfrm>
+          <a:prstGeom prst="line">
+            <a:avLst/>
+          </a:prstGeom>
+        </p:spPr>
+        <p:style>
+          <a:lnRef idx="1">
+            <a:schemeClr val="dk1"/>
+          </a:lnRef>
+          <a:fillRef idx="0">
+            <a:schemeClr val="dk1"/>
+          </a:fillRef>
+          <a:effectRef idx="0">
+            <a:schemeClr val="dk1"/>
+          </a:effectRef>
+          <a:fontRef idx="minor">
+            <a:schemeClr val="tx1"/>
+          </a:fontRef>
+        </p:style>
+      </p:cxnSp>
+      <p:cxnSp>
+        <p:nvCxnSpPr>
+          <p:cNvPr id="37" name="直接连接符 36">
+            <a:extLst>
+              <a:ext uri="{FF2B5EF4-FFF2-40B4-BE49-F238E27FC236}">
+                <a16:creationId xmlns:a16="http://schemas.microsoft.com/office/drawing/2014/main" id="{49E248C2-7386-236E-B7D4-DE1FDF74C656}"/>
+              </a:ext>
+            </a:extLst>
+          </p:cNvPr>
+          <p:cNvCxnSpPr>
+            <a:cxnSpLocks/>
+          </p:cNvCxnSpPr>
+          <p:nvPr/>
+        </p:nvCxnSpPr>
+        <p:spPr>
+          <a:xfrm>
+            <a:off x="1682106" y="5528995"/>
+            <a:ext cx="1196434" cy="0"/>
+          </a:xfrm>
+          <a:prstGeom prst="line">
+            <a:avLst/>
+          </a:prstGeom>
+        </p:spPr>
+        <p:style>
+          <a:lnRef idx="1">
+            <a:schemeClr val="dk1"/>
+          </a:lnRef>
+          <a:fillRef idx="0">
+            <a:schemeClr val="dk1"/>
+          </a:fillRef>
+          <a:effectRef idx="0">
+            <a:schemeClr val="dk1"/>
+          </a:effectRef>
+          <a:fontRef idx="minor">
+            <a:schemeClr val="tx1"/>
+          </a:fontRef>
+        </p:style>
+      </p:cxnSp>
+      <p:cxnSp>
+        <p:nvCxnSpPr>
+          <p:cNvPr id="44" name="直接连接符 43">
+            <a:extLst>
+              <a:ext uri="{FF2B5EF4-FFF2-40B4-BE49-F238E27FC236}">
+                <a16:creationId xmlns:a16="http://schemas.microsoft.com/office/drawing/2014/main" id="{0519AA76-7F78-0389-C9D6-6A09D7461922}"/>
+              </a:ext>
+            </a:extLst>
+          </p:cNvPr>
+          <p:cNvCxnSpPr>
+            <a:cxnSpLocks/>
+          </p:cNvCxnSpPr>
+          <p:nvPr/>
+        </p:nvCxnSpPr>
+        <p:spPr>
+          <a:xfrm>
+            <a:off x="1682920" y="6265484"/>
+            <a:ext cx="1196434" cy="0"/>
+          </a:xfrm>
+          <a:prstGeom prst="line">
+            <a:avLst/>
+          </a:prstGeom>
+        </p:spPr>
+        <p:style>
+          <a:lnRef idx="1">
+            <a:schemeClr val="dk1"/>
+          </a:lnRef>
+          <a:fillRef idx="0">
+            <a:schemeClr val="dk1"/>
+          </a:fillRef>
+          <a:effectRef idx="0">
+            <a:schemeClr val="dk1"/>
+          </a:effectRef>
+          <a:fontRef idx="minor">
+            <a:schemeClr val="tx1"/>
+          </a:fontRef>
+        </p:style>
+      </p:cxnSp>
+      <p:cxnSp>
+        <p:nvCxnSpPr>
+          <p:cNvPr id="47" name="直接连接符 46">
+            <a:extLst>
+              <a:ext uri="{FF2B5EF4-FFF2-40B4-BE49-F238E27FC236}">
+                <a16:creationId xmlns:a16="http://schemas.microsoft.com/office/drawing/2014/main" id="{F48B7849-7B0F-EB67-5CB0-2C407A3CF3E9}"/>
+              </a:ext>
+            </a:extLst>
+          </p:cNvPr>
+          <p:cNvCxnSpPr>
+            <a:cxnSpLocks/>
+          </p:cNvCxnSpPr>
+          <p:nvPr/>
+        </p:nvCxnSpPr>
+        <p:spPr>
+          <a:xfrm>
+            <a:off x="5164514" y="1453957"/>
+            <a:ext cx="0" cy="4696863"/>
+          </a:xfrm>
+          <a:prstGeom prst="line">
+            <a:avLst/>
+          </a:prstGeom>
+        </p:spPr>
+        <p:style>
+          <a:lnRef idx="1">
+            <a:schemeClr val="dk1"/>
+          </a:lnRef>
+          <a:fillRef idx="0">
+            <a:schemeClr val="dk1"/>
+          </a:fillRef>
+          <a:effectRef idx="0">
+            <a:schemeClr val="dk1"/>
+          </a:effectRef>
+          <a:fontRef idx="minor">
+            <a:schemeClr val="tx1"/>
+          </a:fontRef>
+        </p:style>
+      </p:cxnSp>
+      <p:cxnSp>
+        <p:nvCxnSpPr>
+          <p:cNvPr id="49" name="直接连接符 48">
+            <a:extLst>
+              <a:ext uri="{FF2B5EF4-FFF2-40B4-BE49-F238E27FC236}">
+                <a16:creationId xmlns:a16="http://schemas.microsoft.com/office/drawing/2014/main" id="{7A981375-A470-D758-74AE-8E5A949569F5}"/>
+              </a:ext>
+            </a:extLst>
+          </p:cNvPr>
+          <p:cNvCxnSpPr/>
+          <p:nvPr/>
+        </p:nvCxnSpPr>
+        <p:spPr>
+          <a:xfrm>
+            <a:off x="4559300" y="1453957"/>
+            <a:ext cx="605214" cy="0"/>
+          </a:xfrm>
+          <a:prstGeom prst="line">
+            <a:avLst/>
+          </a:prstGeom>
+        </p:spPr>
+        <p:style>
+          <a:lnRef idx="1">
+            <a:schemeClr val="dk1"/>
+          </a:lnRef>
+          <a:fillRef idx="0">
+            <a:schemeClr val="dk1"/>
+          </a:fillRef>
+          <a:effectRef idx="0">
+            <a:schemeClr val="dk1"/>
+          </a:effectRef>
+          <a:fontRef idx="minor">
+            <a:schemeClr val="tx1"/>
+          </a:fontRef>
+        </p:style>
+      </p:cxnSp>
+      <p:cxnSp>
+        <p:nvCxnSpPr>
+          <p:cNvPr id="54" name="直接连接符 53">
+            <a:extLst>
+              <a:ext uri="{FF2B5EF4-FFF2-40B4-BE49-F238E27FC236}">
+                <a16:creationId xmlns:a16="http://schemas.microsoft.com/office/drawing/2014/main" id="{706C81EA-312A-476A-4BC7-50E3213438F6}"/>
+              </a:ext>
+            </a:extLst>
+          </p:cNvPr>
+          <p:cNvCxnSpPr>
+            <a:cxnSpLocks/>
+          </p:cNvCxnSpPr>
+          <p:nvPr/>
+        </p:nvCxnSpPr>
+        <p:spPr>
+          <a:xfrm>
+            <a:off x="3763316" y="2341917"/>
+            <a:ext cx="1401198" cy="0"/>
+          </a:xfrm>
+          <a:prstGeom prst="line">
+            <a:avLst/>
+          </a:prstGeom>
+        </p:spPr>
+        <p:style>
+          <a:lnRef idx="1">
+            <a:schemeClr val="dk1"/>
+          </a:lnRef>
+          <a:fillRef idx="0">
+            <a:schemeClr val="dk1"/>
+          </a:fillRef>
+          <a:effectRef idx="0">
+            <a:schemeClr val="dk1"/>
+          </a:effectRef>
+          <a:fontRef idx="minor">
+            <a:schemeClr val="tx1"/>
+          </a:fontRef>
+        </p:style>
+      </p:cxnSp>
+      <p:cxnSp>
+        <p:nvCxnSpPr>
+          <p:cNvPr id="59" name="直接连接符 58">
+            <a:extLst>
+              <a:ext uri="{FF2B5EF4-FFF2-40B4-BE49-F238E27FC236}">
+                <a16:creationId xmlns:a16="http://schemas.microsoft.com/office/drawing/2014/main" id="{B9BA7C8E-3742-C387-F430-2600D5A91E22}"/>
+              </a:ext>
+            </a:extLst>
+          </p:cNvPr>
+          <p:cNvCxnSpPr>
+            <a:cxnSpLocks/>
+          </p:cNvCxnSpPr>
+          <p:nvPr/>
+        </p:nvCxnSpPr>
+        <p:spPr>
+          <a:xfrm>
+            <a:off x="3759957" y="3106112"/>
+            <a:ext cx="1401198" cy="0"/>
+          </a:xfrm>
+          <a:prstGeom prst="line">
+            <a:avLst/>
+          </a:prstGeom>
+        </p:spPr>
+        <p:style>
+          <a:lnRef idx="1">
+            <a:schemeClr val="dk1"/>
+          </a:lnRef>
+          <a:fillRef idx="0">
+            <a:schemeClr val="dk1"/>
+          </a:fillRef>
+          <a:effectRef idx="0">
+            <a:schemeClr val="dk1"/>
+          </a:effectRef>
+          <a:fontRef idx="minor">
+            <a:schemeClr val="tx1"/>
+          </a:fontRef>
+        </p:style>
+      </p:cxnSp>
+      <p:cxnSp>
+        <p:nvCxnSpPr>
+          <p:cNvPr id="60" name="直接连接符 59">
+            <a:extLst>
+              <a:ext uri="{FF2B5EF4-FFF2-40B4-BE49-F238E27FC236}">
+                <a16:creationId xmlns:a16="http://schemas.microsoft.com/office/drawing/2014/main" id="{CC710E6D-275D-1A83-6761-C7FF54192994}"/>
+              </a:ext>
+            </a:extLst>
+          </p:cNvPr>
+          <p:cNvCxnSpPr>
+            <a:cxnSpLocks/>
+          </p:cNvCxnSpPr>
+          <p:nvPr/>
+        </p:nvCxnSpPr>
+        <p:spPr>
+          <a:xfrm>
+            <a:off x="3765022" y="3883411"/>
+            <a:ext cx="2064373" cy="0"/>
+          </a:xfrm>
+          <a:prstGeom prst="line">
+            <a:avLst/>
+          </a:prstGeom>
+        </p:spPr>
+        <p:style>
+          <a:lnRef idx="1">
+            <a:schemeClr val="dk1"/>
+          </a:lnRef>
+          <a:fillRef idx="0">
+            <a:schemeClr val="dk1"/>
+          </a:fillRef>
+          <a:effectRef idx="0">
+            <a:schemeClr val="dk1"/>
+          </a:effectRef>
+          <a:fontRef idx="minor">
+            <a:schemeClr val="tx1"/>
+          </a:fontRef>
+        </p:style>
+      </p:cxnSp>
+      <p:cxnSp>
+        <p:nvCxnSpPr>
+          <p:cNvPr id="61" name="直接连接符 60">
+            <a:extLst>
+              <a:ext uri="{FF2B5EF4-FFF2-40B4-BE49-F238E27FC236}">
+                <a16:creationId xmlns:a16="http://schemas.microsoft.com/office/drawing/2014/main" id="{27365B4C-C960-EADE-7656-9CD1F02C0EE0}"/>
+              </a:ext>
+            </a:extLst>
+          </p:cNvPr>
+          <p:cNvCxnSpPr>
+            <a:cxnSpLocks/>
+          </p:cNvCxnSpPr>
+          <p:nvPr/>
+        </p:nvCxnSpPr>
+        <p:spPr>
+          <a:xfrm>
+            <a:off x="3765351" y="4650441"/>
+            <a:ext cx="1401198" cy="0"/>
+          </a:xfrm>
+          <a:prstGeom prst="line">
+            <a:avLst/>
+          </a:prstGeom>
+        </p:spPr>
+        <p:style>
+          <a:lnRef idx="1">
+            <a:schemeClr val="dk1"/>
+          </a:lnRef>
+          <a:fillRef idx="0">
+            <a:schemeClr val="dk1"/>
+          </a:fillRef>
+          <a:effectRef idx="0">
+            <a:schemeClr val="dk1"/>
+          </a:effectRef>
+          <a:fontRef idx="minor">
+            <a:schemeClr val="tx1"/>
+          </a:fontRef>
+        </p:style>
+      </p:cxnSp>
+      <p:cxnSp>
+        <p:nvCxnSpPr>
+          <p:cNvPr id="62" name="直接连接符 61">
+            <a:extLst>
+              <a:ext uri="{FF2B5EF4-FFF2-40B4-BE49-F238E27FC236}">
+                <a16:creationId xmlns:a16="http://schemas.microsoft.com/office/drawing/2014/main" id="{9C500471-03E6-9625-65A4-D7D819E12BCB}"/>
+              </a:ext>
+            </a:extLst>
+          </p:cNvPr>
+          <p:cNvCxnSpPr>
+            <a:cxnSpLocks/>
+          </p:cNvCxnSpPr>
+          <p:nvPr/>
+        </p:nvCxnSpPr>
+        <p:spPr>
+          <a:xfrm>
+            <a:off x="3765022" y="5432573"/>
+            <a:ext cx="1401198" cy="0"/>
+          </a:xfrm>
+          <a:prstGeom prst="line">
+            <a:avLst/>
+          </a:prstGeom>
+        </p:spPr>
+        <p:style>
+          <a:lnRef idx="1">
+            <a:schemeClr val="dk1"/>
+          </a:lnRef>
+          <a:fillRef idx="0">
+            <a:schemeClr val="dk1"/>
+          </a:fillRef>
+          <a:effectRef idx="0">
+            <a:schemeClr val="dk1"/>
+          </a:effectRef>
+          <a:fontRef idx="minor">
+            <a:schemeClr val="tx1"/>
+          </a:fontRef>
+        </p:style>
+      </p:cxnSp>
+      <p:cxnSp>
+        <p:nvCxnSpPr>
+          <p:cNvPr id="63" name="直接连接符 62">
+            <a:extLst>
+              <a:ext uri="{FF2B5EF4-FFF2-40B4-BE49-F238E27FC236}">
+                <a16:creationId xmlns:a16="http://schemas.microsoft.com/office/drawing/2014/main" id="{07C63E9C-F4F5-6E07-83AB-B3422E37F49D}"/>
+              </a:ext>
+            </a:extLst>
+          </p:cNvPr>
+          <p:cNvCxnSpPr>
+            <a:cxnSpLocks/>
+          </p:cNvCxnSpPr>
+          <p:nvPr/>
+        </p:nvCxnSpPr>
+        <p:spPr>
+          <a:xfrm>
+            <a:off x="3758672" y="6154143"/>
+            <a:ext cx="1401198" cy="0"/>
+          </a:xfrm>
+          <a:prstGeom prst="line">
+            <a:avLst/>
+          </a:prstGeom>
+        </p:spPr>
+        <p:style>
+          <a:lnRef idx="1">
+            <a:schemeClr val="dk1"/>
+          </a:lnRef>
+          <a:fillRef idx="0">
+            <a:schemeClr val="dk1"/>
+          </a:fillRef>
+          <a:effectRef idx="0">
+            <a:schemeClr val="dk1"/>
+          </a:effectRef>
+          <a:fontRef idx="minor">
+            <a:schemeClr val="tx1"/>
+          </a:fontRef>
+        </p:style>
+      </p:cxnSp>
+      <p:sp>
+        <p:nvSpPr>
+          <p:cNvPr id="64" name="文本框 63">
+            <a:extLst>
+              <a:ext uri="{FF2B5EF4-FFF2-40B4-BE49-F238E27FC236}">
+                <a16:creationId xmlns:a16="http://schemas.microsoft.com/office/drawing/2014/main" id="{D072E0A6-B9C2-9D0D-94CA-965C8483A4F5}"/>
+              </a:ext>
+            </a:extLst>
+          </p:cNvPr>
+          <p:cNvSpPr txBox="1"/>
+          <p:nvPr/>
+        </p:nvSpPr>
+        <p:spPr>
+          <a:xfrm>
+            <a:off x="981681" y="542473"/>
+            <a:ext cx="355600" cy="369332"/>
+          </a:xfrm>
+          <a:prstGeom prst="rect">
+            <a:avLst/>
+          </a:prstGeom>
+          <a:noFill/>
+        </p:spPr>
+        <p:txBody>
+          <a:bodyPr wrap="square" rtlCol="0">
+            <a:spAutoFit/>
+          </a:bodyPr>
+          <a:lstStyle/>
+          <a:p>
+            <a:r>
+              <a:rPr lang="en-US" altLang="zh-CN" dirty="0"/>
+              <a:t>A</a:t>
+            </a:r>
+            <a:endParaRPr lang="zh-CN" altLang="en-US" dirty="0"/>
+          </a:p>
+        </p:txBody>
+      </p:sp>
+      <p:sp>
+        <p:nvSpPr>
+          <p:cNvPr id="67" name="文本框 66">
+            <a:extLst>
+              <a:ext uri="{FF2B5EF4-FFF2-40B4-BE49-F238E27FC236}">
+                <a16:creationId xmlns:a16="http://schemas.microsoft.com/office/drawing/2014/main" id="{D6F9D807-1E6E-39B2-1682-524C09A74086}"/>
+              </a:ext>
+            </a:extLst>
+          </p:cNvPr>
+          <p:cNvSpPr txBox="1"/>
+          <p:nvPr/>
+        </p:nvSpPr>
+        <p:spPr>
+          <a:xfrm>
+            <a:off x="1523356" y="541624"/>
+            <a:ext cx="355600" cy="369332"/>
+          </a:xfrm>
+          <a:prstGeom prst="rect">
+            <a:avLst/>
+          </a:prstGeom>
+          <a:noFill/>
+        </p:spPr>
+        <p:txBody>
+          <a:bodyPr wrap="square" rtlCol="0">
+            <a:spAutoFit/>
+          </a:bodyPr>
+          <a:lstStyle/>
+          <a:p>
+            <a:r>
+              <a:rPr lang="en-US" altLang="zh-CN" dirty="0"/>
+              <a:t>B</a:t>
+            </a:r>
+            <a:endParaRPr lang="zh-CN" altLang="en-US" dirty="0"/>
+          </a:p>
+        </p:txBody>
+      </p:sp>
+      <p:cxnSp>
+        <p:nvCxnSpPr>
+          <p:cNvPr id="69" name="直接连接符 68">
+            <a:extLst>
+              <a:ext uri="{FF2B5EF4-FFF2-40B4-BE49-F238E27FC236}">
+                <a16:creationId xmlns:a16="http://schemas.microsoft.com/office/drawing/2014/main" id="{8A06688C-E226-2E12-15B8-FA22D7E69CF1}"/>
+              </a:ext>
+            </a:extLst>
+          </p:cNvPr>
+          <p:cNvCxnSpPr/>
+          <p:nvPr/>
+        </p:nvCxnSpPr>
+        <p:spPr>
+          <a:xfrm>
+            <a:off x="2101850" y="844765"/>
+            <a:ext cx="0" cy="5337708"/>
+          </a:xfrm>
+          <a:prstGeom prst="line">
+            <a:avLst/>
+          </a:prstGeom>
+        </p:spPr>
+        <p:style>
+          <a:lnRef idx="1">
+            <a:schemeClr val="dk1"/>
+          </a:lnRef>
+          <a:fillRef idx="0">
+            <a:schemeClr val="dk1"/>
+          </a:fillRef>
+          <a:effectRef idx="0">
+            <a:schemeClr val="dk1"/>
+          </a:effectRef>
+          <a:fontRef idx="minor">
+            <a:schemeClr val="tx1"/>
+          </a:fontRef>
+        </p:style>
+      </p:cxnSp>
+      <p:cxnSp>
+        <p:nvCxnSpPr>
+          <p:cNvPr id="71" name="直接连接符 70">
+            <a:extLst>
+              <a:ext uri="{FF2B5EF4-FFF2-40B4-BE49-F238E27FC236}">
+                <a16:creationId xmlns:a16="http://schemas.microsoft.com/office/drawing/2014/main" id="{EBA70AFA-FD9A-32FB-455B-135E46477A41}"/>
+              </a:ext>
+            </a:extLst>
+          </p:cNvPr>
+          <p:cNvCxnSpPr>
+            <a:endCxn id="38" idx="1"/>
+          </p:cNvCxnSpPr>
+          <p:nvPr/>
+        </p:nvCxnSpPr>
+        <p:spPr>
+          <a:xfrm>
+            <a:off x="2101850" y="2332163"/>
+            <a:ext cx="773487" cy="0"/>
+          </a:xfrm>
+          <a:prstGeom prst="line">
+            <a:avLst/>
+          </a:prstGeom>
+        </p:spPr>
+        <p:style>
+          <a:lnRef idx="1">
+            <a:schemeClr val="dk1"/>
+          </a:lnRef>
+          <a:fillRef idx="0">
+            <a:schemeClr val="dk1"/>
+          </a:fillRef>
+          <a:effectRef idx="0">
+            <a:schemeClr val="dk1"/>
+          </a:effectRef>
+          <a:fontRef idx="minor">
+            <a:schemeClr val="tx1"/>
+          </a:fontRef>
+        </p:style>
+      </p:cxnSp>
+      <p:cxnSp>
+        <p:nvCxnSpPr>
+          <p:cNvPr id="72" name="直接连接符 71">
+            <a:extLst>
+              <a:ext uri="{FF2B5EF4-FFF2-40B4-BE49-F238E27FC236}">
+                <a16:creationId xmlns:a16="http://schemas.microsoft.com/office/drawing/2014/main" id="{54A8E244-E74B-52A0-3A86-A928A1BE59E9}"/>
+              </a:ext>
+            </a:extLst>
+          </p:cNvPr>
+          <p:cNvCxnSpPr/>
+          <p:nvPr/>
+        </p:nvCxnSpPr>
+        <p:spPr>
+          <a:xfrm>
+            <a:off x="2101850" y="3114925"/>
+            <a:ext cx="773487" cy="0"/>
+          </a:xfrm>
+          <a:prstGeom prst="line">
+            <a:avLst/>
+          </a:prstGeom>
+        </p:spPr>
+        <p:style>
+          <a:lnRef idx="1">
+            <a:schemeClr val="dk1"/>
+          </a:lnRef>
+          <a:fillRef idx="0">
+            <a:schemeClr val="dk1"/>
+          </a:fillRef>
+          <a:effectRef idx="0">
+            <a:schemeClr val="dk1"/>
+          </a:effectRef>
+          <a:fontRef idx="minor">
+            <a:schemeClr val="tx1"/>
+          </a:fontRef>
+        </p:style>
+      </p:cxnSp>
+      <p:cxnSp>
+        <p:nvCxnSpPr>
+          <p:cNvPr id="73" name="直接连接符 72">
+            <a:extLst>
+              <a:ext uri="{FF2B5EF4-FFF2-40B4-BE49-F238E27FC236}">
+                <a16:creationId xmlns:a16="http://schemas.microsoft.com/office/drawing/2014/main" id="{24AD92C0-84DF-B28E-EC2B-4E0639567189}"/>
+              </a:ext>
+            </a:extLst>
+          </p:cNvPr>
+          <p:cNvCxnSpPr/>
+          <p:nvPr/>
+        </p:nvCxnSpPr>
+        <p:spPr>
+          <a:xfrm>
+            <a:off x="2101850" y="3889812"/>
+            <a:ext cx="773487" cy="0"/>
+          </a:xfrm>
+          <a:prstGeom prst="line">
+            <a:avLst/>
+          </a:prstGeom>
+        </p:spPr>
+        <p:style>
+          <a:lnRef idx="1">
+            <a:schemeClr val="dk1"/>
+          </a:lnRef>
+          <a:fillRef idx="0">
+            <a:schemeClr val="dk1"/>
+          </a:fillRef>
+          <a:effectRef idx="0">
+            <a:schemeClr val="dk1"/>
+          </a:effectRef>
+          <a:fontRef idx="minor">
+            <a:schemeClr val="tx1"/>
+          </a:fontRef>
+        </p:style>
+      </p:cxnSp>
+      <p:cxnSp>
+        <p:nvCxnSpPr>
+          <p:cNvPr id="74" name="直接连接符 73">
+            <a:extLst>
+              <a:ext uri="{FF2B5EF4-FFF2-40B4-BE49-F238E27FC236}">
+                <a16:creationId xmlns:a16="http://schemas.microsoft.com/office/drawing/2014/main" id="{7D83F3B7-8BBD-8D55-76C9-14789352AB76}"/>
+              </a:ext>
+            </a:extLst>
+          </p:cNvPr>
+          <p:cNvCxnSpPr/>
+          <p:nvPr/>
+        </p:nvCxnSpPr>
+        <p:spPr>
+          <a:xfrm>
+            <a:off x="2101850" y="4654053"/>
+            <a:ext cx="773487" cy="0"/>
+          </a:xfrm>
+          <a:prstGeom prst="line">
+            <a:avLst/>
+          </a:prstGeom>
+        </p:spPr>
+        <p:style>
+          <a:lnRef idx="1">
+            <a:schemeClr val="dk1"/>
+          </a:lnRef>
+          <a:fillRef idx="0">
+            <a:schemeClr val="dk1"/>
+          </a:fillRef>
+          <a:effectRef idx="0">
+            <a:schemeClr val="dk1"/>
+          </a:effectRef>
+          <a:fontRef idx="minor">
+            <a:schemeClr val="tx1"/>
+          </a:fontRef>
+        </p:style>
+      </p:cxnSp>
+      <p:cxnSp>
+        <p:nvCxnSpPr>
+          <p:cNvPr id="75" name="直接连接符 74">
+            <a:extLst>
+              <a:ext uri="{FF2B5EF4-FFF2-40B4-BE49-F238E27FC236}">
+                <a16:creationId xmlns:a16="http://schemas.microsoft.com/office/drawing/2014/main" id="{0CC1D1C6-B21C-CB9F-D9C0-C32F2EAC8CDE}"/>
+              </a:ext>
+            </a:extLst>
+          </p:cNvPr>
+          <p:cNvCxnSpPr/>
+          <p:nvPr/>
+        </p:nvCxnSpPr>
+        <p:spPr>
+          <a:xfrm>
+            <a:off x="2101850" y="5398085"/>
+            <a:ext cx="773487" cy="0"/>
+          </a:xfrm>
+          <a:prstGeom prst="line">
+            <a:avLst/>
+          </a:prstGeom>
+        </p:spPr>
+        <p:style>
+          <a:lnRef idx="1">
+            <a:schemeClr val="dk1"/>
+          </a:lnRef>
+          <a:fillRef idx="0">
+            <a:schemeClr val="dk1"/>
+          </a:fillRef>
+          <a:effectRef idx="0">
+            <a:schemeClr val="dk1"/>
+          </a:effectRef>
+          <a:fontRef idx="minor">
+            <a:schemeClr val="tx1"/>
+          </a:fontRef>
+        </p:style>
+      </p:cxnSp>
+      <p:cxnSp>
+        <p:nvCxnSpPr>
+          <p:cNvPr id="76" name="直接连接符 75">
+            <a:extLst>
+              <a:ext uri="{FF2B5EF4-FFF2-40B4-BE49-F238E27FC236}">
+                <a16:creationId xmlns:a16="http://schemas.microsoft.com/office/drawing/2014/main" id="{E8BD4AED-E7A2-46F8-7D8D-2CA2F9C2DB8E}"/>
+              </a:ext>
+            </a:extLst>
+          </p:cNvPr>
+          <p:cNvCxnSpPr/>
+          <p:nvPr/>
+        </p:nvCxnSpPr>
+        <p:spPr>
+          <a:xfrm>
+            <a:off x="2101850" y="6186085"/>
+            <a:ext cx="773487" cy="0"/>
+          </a:xfrm>
+          <a:prstGeom prst="line">
+            <a:avLst/>
+          </a:prstGeom>
+        </p:spPr>
+        <p:style>
+          <a:lnRef idx="1">
+            <a:schemeClr val="dk1"/>
+          </a:lnRef>
+          <a:fillRef idx="0">
+            <a:schemeClr val="dk1"/>
+          </a:fillRef>
+          <a:effectRef idx="0">
+            <a:schemeClr val="dk1"/>
+          </a:effectRef>
+          <a:fontRef idx="minor">
+            <a:schemeClr val="tx1"/>
+          </a:fontRef>
+        </p:style>
+      </p:cxnSp>
+      <p:sp>
+        <p:nvSpPr>
+          <p:cNvPr id="77" name="椭圆 76">
+            <a:extLst>
+              <a:ext uri="{FF2B5EF4-FFF2-40B4-BE49-F238E27FC236}">
+                <a16:creationId xmlns:a16="http://schemas.microsoft.com/office/drawing/2014/main" id="{FAE1331F-5579-A4EB-21F8-4A5836E339ED}"/>
+              </a:ext>
+            </a:extLst>
+          </p:cNvPr>
+          <p:cNvSpPr/>
+          <p:nvPr/>
+        </p:nvSpPr>
+        <p:spPr>
+          <a:xfrm flipH="1" flipV="1">
+            <a:off x="1117147" y="1311191"/>
+            <a:ext cx="45719" cy="45719"/>
+          </a:xfrm>
+          <a:prstGeom prst="ellipse">
+            <a:avLst/>
+          </a:prstGeom>
+        </p:spPr>
+        <p:style>
+          <a:lnRef idx="2">
+            <a:schemeClr val="dk1">
+              <a:shade val="15000"/>
+            </a:schemeClr>
+          </a:lnRef>
+          <a:fillRef idx="1">
+            <a:schemeClr val="dk1"/>
+          </a:fillRef>
+          <a:effectRef idx="0">
+            <a:schemeClr val="dk1"/>
+          </a:effectRef>
+          <a:fontRef idx="minor">
+            <a:schemeClr val="lt1"/>
+          </a:fontRef>
+        </p:style>
+        <p:txBody>
+          <a:bodyPr rtlCol="0" anchor="ctr"/>
+          <a:lstStyle/>
+          <a:p>
+            <a:pPr algn="ctr"/>
+            <a:endParaRPr lang="zh-CN" altLang="en-US"/>
+          </a:p>
+        </p:txBody>
+      </p:sp>
+      <p:sp>
+        <p:nvSpPr>
+          <p:cNvPr id="78" name="椭圆 77">
+            <a:extLst>
+              <a:ext uri="{FF2B5EF4-FFF2-40B4-BE49-F238E27FC236}">
+                <a16:creationId xmlns:a16="http://schemas.microsoft.com/office/drawing/2014/main" id="{63DA95DB-199B-73E3-800D-1D7047374176}"/>
+              </a:ext>
+            </a:extLst>
+          </p:cNvPr>
+          <p:cNvSpPr/>
+          <p:nvPr/>
+        </p:nvSpPr>
+        <p:spPr>
+          <a:xfrm flipH="1" flipV="1">
+            <a:off x="1663566" y="1551949"/>
+            <a:ext cx="45719" cy="45719"/>
+          </a:xfrm>
+          <a:prstGeom prst="ellipse">
+            <a:avLst/>
+          </a:prstGeom>
+        </p:spPr>
+        <p:style>
+          <a:lnRef idx="2">
+            <a:schemeClr val="dk1">
+              <a:shade val="15000"/>
+            </a:schemeClr>
+          </a:lnRef>
+          <a:fillRef idx="1">
+            <a:schemeClr val="dk1"/>
+          </a:fillRef>
+          <a:effectRef idx="0">
+            <a:schemeClr val="dk1"/>
+          </a:effectRef>
+          <a:fontRef idx="minor">
+            <a:schemeClr val="lt1"/>
+          </a:fontRef>
+        </p:style>
+        <p:txBody>
+          <a:bodyPr rtlCol="0" anchor="ctr"/>
+          <a:lstStyle/>
+          <a:p>
+            <a:pPr algn="ctr"/>
+            <a:endParaRPr lang="zh-CN" altLang="en-US"/>
+          </a:p>
+        </p:txBody>
+      </p:sp>
+      <p:sp>
+        <p:nvSpPr>
+          <p:cNvPr id="79" name="椭圆 78">
+            <a:extLst>
+              <a:ext uri="{FF2B5EF4-FFF2-40B4-BE49-F238E27FC236}">
+                <a16:creationId xmlns:a16="http://schemas.microsoft.com/office/drawing/2014/main" id="{6D926032-DE1E-47B7-645B-6086C86BED36}"/>
+              </a:ext>
+            </a:extLst>
+          </p:cNvPr>
+          <p:cNvSpPr/>
+          <p:nvPr/>
+        </p:nvSpPr>
+        <p:spPr>
+          <a:xfrm flipH="1" flipV="1">
+            <a:off x="1117146" y="2197161"/>
+            <a:ext cx="45719" cy="45719"/>
+          </a:xfrm>
+          <a:prstGeom prst="ellipse">
+            <a:avLst/>
+          </a:prstGeom>
+        </p:spPr>
+        <p:style>
+          <a:lnRef idx="2">
+            <a:schemeClr val="dk1">
+              <a:shade val="15000"/>
+            </a:schemeClr>
+          </a:lnRef>
+          <a:fillRef idx="1">
+            <a:schemeClr val="dk1"/>
+          </a:fillRef>
+          <a:effectRef idx="0">
+            <a:schemeClr val="dk1"/>
+          </a:effectRef>
+          <a:fontRef idx="minor">
+            <a:schemeClr val="lt1"/>
+          </a:fontRef>
+        </p:style>
+        <p:txBody>
+          <a:bodyPr rtlCol="0" anchor="ctr"/>
+          <a:lstStyle/>
+          <a:p>
+            <a:pPr algn="ctr"/>
+            <a:endParaRPr lang="zh-CN" altLang="en-US"/>
+          </a:p>
+        </p:txBody>
+      </p:sp>
+      <p:sp>
+        <p:nvSpPr>
+          <p:cNvPr id="80" name="椭圆 79">
+            <a:extLst>
+              <a:ext uri="{FF2B5EF4-FFF2-40B4-BE49-F238E27FC236}">
+                <a16:creationId xmlns:a16="http://schemas.microsoft.com/office/drawing/2014/main" id="{8FAA0709-C0ED-AFA9-CF89-DA2568E1A3A8}"/>
+              </a:ext>
+            </a:extLst>
+          </p:cNvPr>
+          <p:cNvSpPr/>
+          <p:nvPr/>
+        </p:nvSpPr>
+        <p:spPr>
+          <a:xfrm flipH="1" flipV="1">
+            <a:off x="1663275" y="2384346"/>
+            <a:ext cx="45719" cy="45719"/>
+          </a:xfrm>
+          <a:prstGeom prst="ellipse">
+            <a:avLst/>
+          </a:prstGeom>
+        </p:spPr>
+        <p:style>
+          <a:lnRef idx="2">
+            <a:schemeClr val="dk1">
+              <a:shade val="15000"/>
+            </a:schemeClr>
+          </a:lnRef>
+          <a:fillRef idx="1">
+            <a:schemeClr val="dk1"/>
+          </a:fillRef>
+          <a:effectRef idx="0">
+            <a:schemeClr val="dk1"/>
+          </a:effectRef>
+          <a:fontRef idx="minor">
+            <a:schemeClr val="lt1"/>
+          </a:fontRef>
+        </p:style>
+        <p:txBody>
+          <a:bodyPr rtlCol="0" anchor="ctr"/>
+          <a:lstStyle/>
+          <a:p>
+            <a:pPr algn="ctr"/>
+            <a:endParaRPr lang="zh-CN" altLang="en-US"/>
+          </a:p>
+        </p:txBody>
+      </p:sp>
+      <p:sp>
+        <p:nvSpPr>
+          <p:cNvPr id="81" name="椭圆 80">
+            <a:extLst>
+              <a:ext uri="{FF2B5EF4-FFF2-40B4-BE49-F238E27FC236}">
+                <a16:creationId xmlns:a16="http://schemas.microsoft.com/office/drawing/2014/main" id="{0372B8AA-4ADC-066C-5D1E-F0340A70AF6A}"/>
+              </a:ext>
+            </a:extLst>
+          </p:cNvPr>
+          <p:cNvSpPr/>
+          <p:nvPr/>
+        </p:nvSpPr>
+        <p:spPr>
+          <a:xfrm flipH="1" flipV="1">
+            <a:off x="1117148" y="2988127"/>
+            <a:ext cx="45719" cy="45719"/>
+          </a:xfrm>
+          <a:prstGeom prst="ellipse">
+            <a:avLst/>
+          </a:prstGeom>
+        </p:spPr>
+        <p:style>
+          <a:lnRef idx="2">
+            <a:schemeClr val="dk1">
+              <a:shade val="15000"/>
+            </a:schemeClr>
+          </a:lnRef>
+          <a:fillRef idx="1">
+            <a:schemeClr val="dk1"/>
+          </a:fillRef>
+          <a:effectRef idx="0">
+            <a:schemeClr val="dk1"/>
+          </a:effectRef>
+          <a:fontRef idx="minor">
+            <a:schemeClr val="lt1"/>
+          </a:fontRef>
+        </p:style>
+        <p:txBody>
+          <a:bodyPr rtlCol="0" anchor="ctr"/>
+          <a:lstStyle/>
+          <a:p>
+            <a:pPr algn="ctr"/>
+            <a:endParaRPr lang="zh-CN" altLang="en-US"/>
+          </a:p>
+        </p:txBody>
+      </p:sp>
+      <p:sp>
+        <p:nvSpPr>
+          <p:cNvPr id="82" name="椭圆 81">
+            <a:extLst>
+              <a:ext uri="{FF2B5EF4-FFF2-40B4-BE49-F238E27FC236}">
+                <a16:creationId xmlns:a16="http://schemas.microsoft.com/office/drawing/2014/main" id="{7952999C-EE9A-1BE6-C784-1AF747EB97C9}"/>
+              </a:ext>
+            </a:extLst>
+          </p:cNvPr>
+          <p:cNvSpPr/>
+          <p:nvPr/>
+        </p:nvSpPr>
+        <p:spPr>
+          <a:xfrm flipH="1" flipV="1">
+            <a:off x="1663275" y="3196777"/>
+            <a:ext cx="45719" cy="45719"/>
+          </a:xfrm>
+          <a:prstGeom prst="ellipse">
+            <a:avLst/>
+          </a:prstGeom>
+        </p:spPr>
+        <p:style>
+          <a:lnRef idx="2">
+            <a:schemeClr val="dk1">
+              <a:shade val="15000"/>
+            </a:schemeClr>
+          </a:lnRef>
+          <a:fillRef idx="1">
+            <a:schemeClr val="dk1"/>
+          </a:fillRef>
+          <a:effectRef idx="0">
+            <a:schemeClr val="dk1"/>
+          </a:effectRef>
+          <a:fontRef idx="minor">
+            <a:schemeClr val="lt1"/>
+          </a:fontRef>
+        </p:style>
+        <p:txBody>
+          <a:bodyPr rtlCol="0" anchor="ctr"/>
+          <a:lstStyle/>
+          <a:p>
+            <a:pPr algn="ctr"/>
+            <a:endParaRPr lang="zh-CN" altLang="en-US"/>
+          </a:p>
+        </p:txBody>
+      </p:sp>
+      <p:sp>
+        <p:nvSpPr>
+          <p:cNvPr id="83" name="椭圆 82">
+            <a:extLst>
+              <a:ext uri="{FF2B5EF4-FFF2-40B4-BE49-F238E27FC236}">
+                <a16:creationId xmlns:a16="http://schemas.microsoft.com/office/drawing/2014/main" id="{5F8D762D-2C36-B1A7-E6B2-49E9DCEEF19C}"/>
+              </a:ext>
+            </a:extLst>
+          </p:cNvPr>
+          <p:cNvSpPr/>
+          <p:nvPr/>
+        </p:nvSpPr>
+        <p:spPr>
+          <a:xfrm flipH="1" flipV="1">
+            <a:off x="1117467" y="3747709"/>
+            <a:ext cx="45719" cy="45719"/>
+          </a:xfrm>
+          <a:prstGeom prst="ellipse">
+            <a:avLst/>
+          </a:prstGeom>
+        </p:spPr>
+        <p:style>
+          <a:lnRef idx="2">
+            <a:schemeClr val="dk1">
+              <a:shade val="15000"/>
+            </a:schemeClr>
+          </a:lnRef>
+          <a:fillRef idx="1">
+            <a:schemeClr val="dk1"/>
+          </a:fillRef>
+          <a:effectRef idx="0">
+            <a:schemeClr val="dk1"/>
+          </a:effectRef>
+          <a:fontRef idx="minor">
+            <a:schemeClr val="lt1"/>
+          </a:fontRef>
+        </p:style>
+        <p:txBody>
+          <a:bodyPr rtlCol="0" anchor="ctr"/>
+          <a:lstStyle/>
+          <a:p>
+            <a:pPr algn="ctr"/>
+            <a:endParaRPr lang="zh-CN" altLang="en-US"/>
+          </a:p>
+        </p:txBody>
+      </p:sp>
+      <p:sp>
+        <p:nvSpPr>
+          <p:cNvPr id="84" name="椭圆 83">
+            <a:extLst>
+              <a:ext uri="{FF2B5EF4-FFF2-40B4-BE49-F238E27FC236}">
+                <a16:creationId xmlns:a16="http://schemas.microsoft.com/office/drawing/2014/main" id="{9295814D-AADB-1723-38A6-E6DB42D94F75}"/>
+              </a:ext>
+            </a:extLst>
+          </p:cNvPr>
+          <p:cNvSpPr/>
+          <p:nvPr/>
+        </p:nvSpPr>
+        <p:spPr>
+          <a:xfrm flipH="1" flipV="1">
+            <a:off x="1663275" y="3959244"/>
+            <a:ext cx="45719" cy="45719"/>
+          </a:xfrm>
+          <a:prstGeom prst="ellipse">
+            <a:avLst/>
+          </a:prstGeom>
+        </p:spPr>
+        <p:style>
+          <a:lnRef idx="2">
+            <a:schemeClr val="dk1">
+              <a:shade val="15000"/>
+            </a:schemeClr>
+          </a:lnRef>
+          <a:fillRef idx="1">
+            <a:schemeClr val="dk1"/>
+          </a:fillRef>
+          <a:effectRef idx="0">
+            <a:schemeClr val="dk1"/>
+          </a:effectRef>
+          <a:fontRef idx="minor">
+            <a:schemeClr val="lt1"/>
+          </a:fontRef>
+        </p:style>
+        <p:txBody>
+          <a:bodyPr rtlCol="0" anchor="ctr"/>
+          <a:lstStyle/>
+          <a:p>
+            <a:pPr algn="ctr"/>
+            <a:endParaRPr lang="zh-CN" altLang="en-US"/>
+          </a:p>
+        </p:txBody>
+      </p:sp>
+      <p:sp>
+        <p:nvSpPr>
+          <p:cNvPr id="85" name="椭圆 84">
+            <a:extLst>
+              <a:ext uri="{FF2B5EF4-FFF2-40B4-BE49-F238E27FC236}">
+                <a16:creationId xmlns:a16="http://schemas.microsoft.com/office/drawing/2014/main" id="{7F9FD6AE-372E-5161-F327-21800DA19402}"/>
+              </a:ext>
+            </a:extLst>
+          </p:cNvPr>
+          <p:cNvSpPr/>
+          <p:nvPr/>
+        </p:nvSpPr>
+        <p:spPr>
+          <a:xfrm flipH="1" flipV="1">
+            <a:off x="1114926" y="4522529"/>
+            <a:ext cx="45719" cy="45719"/>
+          </a:xfrm>
+          <a:prstGeom prst="ellipse">
+            <a:avLst/>
+          </a:prstGeom>
+        </p:spPr>
+        <p:style>
+          <a:lnRef idx="2">
+            <a:schemeClr val="dk1">
+              <a:shade val="15000"/>
+            </a:schemeClr>
+          </a:lnRef>
+          <a:fillRef idx="1">
+            <a:schemeClr val="dk1"/>
+          </a:fillRef>
+          <a:effectRef idx="0">
+            <a:schemeClr val="dk1"/>
+          </a:effectRef>
+          <a:fontRef idx="minor">
+            <a:schemeClr val="lt1"/>
+          </a:fontRef>
+        </p:style>
+        <p:txBody>
+          <a:bodyPr rtlCol="0" anchor="ctr"/>
+          <a:lstStyle/>
+          <a:p>
+            <a:pPr algn="ctr"/>
+            <a:endParaRPr lang="zh-CN" altLang="en-US"/>
+          </a:p>
+        </p:txBody>
+      </p:sp>
+      <p:sp>
+        <p:nvSpPr>
+          <p:cNvPr id="86" name="椭圆 85">
+            <a:extLst>
+              <a:ext uri="{FF2B5EF4-FFF2-40B4-BE49-F238E27FC236}">
+                <a16:creationId xmlns:a16="http://schemas.microsoft.com/office/drawing/2014/main" id="{D895D2C2-3121-BA36-1444-9FC86B53B9C7}"/>
+              </a:ext>
+            </a:extLst>
+          </p:cNvPr>
+          <p:cNvSpPr/>
+          <p:nvPr/>
+        </p:nvSpPr>
+        <p:spPr>
+          <a:xfrm flipH="1" flipV="1">
+            <a:off x="1670048" y="4749760"/>
+            <a:ext cx="45719" cy="45719"/>
+          </a:xfrm>
+          <a:prstGeom prst="ellipse">
+            <a:avLst/>
+          </a:prstGeom>
+        </p:spPr>
+        <p:style>
+          <a:lnRef idx="2">
+            <a:schemeClr val="dk1">
+              <a:shade val="15000"/>
+            </a:schemeClr>
+          </a:lnRef>
+          <a:fillRef idx="1">
+            <a:schemeClr val="dk1"/>
+          </a:fillRef>
+          <a:effectRef idx="0">
+            <a:schemeClr val="dk1"/>
+          </a:effectRef>
+          <a:fontRef idx="minor">
+            <a:schemeClr val="lt1"/>
+          </a:fontRef>
+        </p:style>
+        <p:txBody>
+          <a:bodyPr rtlCol="0" anchor="ctr"/>
+          <a:lstStyle/>
+          <a:p>
+            <a:pPr algn="ctr"/>
+            <a:endParaRPr lang="zh-CN" altLang="en-US"/>
+          </a:p>
+        </p:txBody>
+      </p:sp>
+      <p:sp>
+        <p:nvSpPr>
+          <p:cNvPr id="87" name="椭圆 86">
+            <a:extLst>
+              <a:ext uri="{FF2B5EF4-FFF2-40B4-BE49-F238E27FC236}">
+                <a16:creationId xmlns:a16="http://schemas.microsoft.com/office/drawing/2014/main" id="{D6AA51D3-97C8-574F-89B6-6BF537A360D0}"/>
+              </a:ext>
+            </a:extLst>
+          </p:cNvPr>
+          <p:cNvSpPr/>
+          <p:nvPr/>
+        </p:nvSpPr>
+        <p:spPr>
+          <a:xfrm flipH="1" flipV="1">
+            <a:off x="1117467" y="5274854"/>
+            <a:ext cx="45719" cy="45719"/>
+          </a:xfrm>
+          <a:prstGeom prst="ellipse">
+            <a:avLst/>
+          </a:prstGeom>
+        </p:spPr>
+        <p:style>
+          <a:lnRef idx="2">
+            <a:schemeClr val="dk1">
+              <a:shade val="15000"/>
+            </a:schemeClr>
+          </a:lnRef>
+          <a:fillRef idx="1">
+            <a:schemeClr val="dk1"/>
+          </a:fillRef>
+          <a:effectRef idx="0">
+            <a:schemeClr val="dk1"/>
+          </a:effectRef>
+          <a:fontRef idx="minor">
+            <a:schemeClr val="lt1"/>
+          </a:fontRef>
+        </p:style>
+        <p:txBody>
+          <a:bodyPr rtlCol="0" anchor="ctr"/>
+          <a:lstStyle/>
+          <a:p>
+            <a:pPr algn="ctr"/>
+            <a:endParaRPr lang="zh-CN" altLang="en-US"/>
+          </a:p>
+        </p:txBody>
+      </p:sp>
+      <p:sp>
+        <p:nvSpPr>
+          <p:cNvPr id="88" name="椭圆 87">
+            <a:extLst>
+              <a:ext uri="{FF2B5EF4-FFF2-40B4-BE49-F238E27FC236}">
+                <a16:creationId xmlns:a16="http://schemas.microsoft.com/office/drawing/2014/main" id="{5A2EAB23-98BA-C976-8D45-094482318447}"/>
+              </a:ext>
+            </a:extLst>
+          </p:cNvPr>
+          <p:cNvSpPr/>
+          <p:nvPr/>
+        </p:nvSpPr>
+        <p:spPr>
+          <a:xfrm flipH="1" flipV="1">
+            <a:off x="1667795" y="5508614"/>
+            <a:ext cx="45719" cy="45719"/>
+          </a:xfrm>
+          <a:prstGeom prst="ellipse">
+            <a:avLst/>
+          </a:prstGeom>
+        </p:spPr>
+        <p:style>
+          <a:lnRef idx="2">
+            <a:schemeClr val="dk1">
+              <a:shade val="15000"/>
+            </a:schemeClr>
+          </a:lnRef>
+          <a:fillRef idx="1">
+            <a:schemeClr val="dk1"/>
+          </a:fillRef>
+          <a:effectRef idx="0">
+            <a:schemeClr val="dk1"/>
+          </a:effectRef>
+          <a:fontRef idx="minor">
+            <a:schemeClr val="lt1"/>
+          </a:fontRef>
+        </p:style>
+        <p:txBody>
+          <a:bodyPr rtlCol="0" anchor="ctr"/>
+          <a:lstStyle/>
+          <a:p>
+            <a:pPr algn="ctr"/>
+            <a:endParaRPr lang="zh-CN" altLang="en-US"/>
+          </a:p>
+        </p:txBody>
+      </p:sp>
+      <p:sp>
+        <p:nvSpPr>
+          <p:cNvPr id="89" name="椭圆 88">
+            <a:extLst>
+              <a:ext uri="{FF2B5EF4-FFF2-40B4-BE49-F238E27FC236}">
+                <a16:creationId xmlns:a16="http://schemas.microsoft.com/office/drawing/2014/main" id="{FC48EB1F-FC97-3E97-2778-42C25061BC0B}"/>
+              </a:ext>
+            </a:extLst>
+          </p:cNvPr>
+          <p:cNvSpPr/>
+          <p:nvPr/>
+        </p:nvSpPr>
+        <p:spPr>
+          <a:xfrm flipH="1" flipV="1">
+            <a:off x="2083306" y="2313030"/>
+            <a:ext cx="45719" cy="45719"/>
+          </a:xfrm>
+          <a:prstGeom prst="ellipse">
+            <a:avLst/>
+          </a:prstGeom>
+        </p:spPr>
+        <p:style>
+          <a:lnRef idx="2">
+            <a:schemeClr val="dk1">
+              <a:shade val="15000"/>
+            </a:schemeClr>
+          </a:lnRef>
+          <a:fillRef idx="1">
+            <a:schemeClr val="dk1"/>
+          </a:fillRef>
+          <a:effectRef idx="0">
+            <a:schemeClr val="dk1"/>
+          </a:effectRef>
+          <a:fontRef idx="minor">
+            <a:schemeClr val="lt1"/>
+          </a:fontRef>
+        </p:style>
+        <p:txBody>
+          <a:bodyPr rtlCol="0" anchor="ctr"/>
+          <a:lstStyle/>
+          <a:p>
+            <a:pPr algn="ctr"/>
+            <a:endParaRPr lang="zh-CN" altLang="en-US"/>
+          </a:p>
+        </p:txBody>
+      </p:sp>
+      <p:sp>
+        <p:nvSpPr>
+          <p:cNvPr id="90" name="椭圆 89">
+            <a:extLst>
+              <a:ext uri="{FF2B5EF4-FFF2-40B4-BE49-F238E27FC236}">
+                <a16:creationId xmlns:a16="http://schemas.microsoft.com/office/drawing/2014/main" id="{D8D93EB6-AA6A-FB50-1386-D3286657D72F}"/>
+              </a:ext>
+            </a:extLst>
+          </p:cNvPr>
+          <p:cNvSpPr/>
+          <p:nvPr/>
+        </p:nvSpPr>
+        <p:spPr>
+          <a:xfrm flipH="1" flipV="1">
+            <a:off x="2081026" y="3100331"/>
+            <a:ext cx="45719" cy="45719"/>
+          </a:xfrm>
+          <a:prstGeom prst="ellipse">
+            <a:avLst/>
+          </a:prstGeom>
+        </p:spPr>
+        <p:style>
+          <a:lnRef idx="2">
+            <a:schemeClr val="dk1">
+              <a:shade val="15000"/>
+            </a:schemeClr>
+          </a:lnRef>
+          <a:fillRef idx="1">
+            <a:schemeClr val="dk1"/>
+          </a:fillRef>
+          <a:effectRef idx="0">
+            <a:schemeClr val="dk1"/>
+          </a:effectRef>
+          <a:fontRef idx="minor">
+            <a:schemeClr val="lt1"/>
+          </a:fontRef>
+        </p:style>
+        <p:txBody>
+          <a:bodyPr rtlCol="0" anchor="ctr"/>
+          <a:lstStyle/>
+          <a:p>
+            <a:pPr algn="ctr"/>
+            <a:endParaRPr lang="zh-CN" altLang="en-US"/>
+          </a:p>
+        </p:txBody>
+      </p:sp>
+      <p:sp>
+        <p:nvSpPr>
+          <p:cNvPr id="91" name="椭圆 90">
+            <a:extLst>
+              <a:ext uri="{FF2B5EF4-FFF2-40B4-BE49-F238E27FC236}">
+                <a16:creationId xmlns:a16="http://schemas.microsoft.com/office/drawing/2014/main" id="{E298D8D8-BB4F-12E7-6E08-2B6ABAAEBC0D}"/>
+              </a:ext>
+            </a:extLst>
+          </p:cNvPr>
+          <p:cNvSpPr/>
+          <p:nvPr/>
+        </p:nvSpPr>
+        <p:spPr>
+          <a:xfrm flipH="1" flipV="1">
+            <a:off x="2081981" y="3869217"/>
+            <a:ext cx="45719" cy="45719"/>
+          </a:xfrm>
+          <a:prstGeom prst="ellipse">
+            <a:avLst/>
+          </a:prstGeom>
+        </p:spPr>
+        <p:style>
+          <a:lnRef idx="2">
+            <a:schemeClr val="dk1">
+              <a:shade val="15000"/>
+            </a:schemeClr>
+          </a:lnRef>
+          <a:fillRef idx="1">
+            <a:schemeClr val="dk1"/>
+          </a:fillRef>
+          <a:effectRef idx="0">
+            <a:schemeClr val="dk1"/>
+          </a:effectRef>
+          <a:fontRef idx="minor">
+            <a:schemeClr val="lt1"/>
+          </a:fontRef>
+        </p:style>
+        <p:txBody>
+          <a:bodyPr rtlCol="0" anchor="ctr"/>
+          <a:lstStyle/>
+          <a:p>
+            <a:pPr algn="ctr"/>
+            <a:endParaRPr lang="zh-CN" altLang="en-US"/>
+          </a:p>
+        </p:txBody>
+      </p:sp>
+      <p:sp>
+        <p:nvSpPr>
+          <p:cNvPr id="92" name="椭圆 91">
+            <a:extLst>
+              <a:ext uri="{FF2B5EF4-FFF2-40B4-BE49-F238E27FC236}">
+                <a16:creationId xmlns:a16="http://schemas.microsoft.com/office/drawing/2014/main" id="{7E3FDDF2-92BD-A8B6-D6E4-74838ABC5CC2}"/>
+              </a:ext>
+            </a:extLst>
+          </p:cNvPr>
+          <p:cNvSpPr/>
+          <p:nvPr/>
+        </p:nvSpPr>
+        <p:spPr>
+          <a:xfrm flipH="1" flipV="1">
+            <a:off x="2081026" y="4631263"/>
+            <a:ext cx="45719" cy="45719"/>
+          </a:xfrm>
+          <a:prstGeom prst="ellipse">
+            <a:avLst/>
+          </a:prstGeom>
+        </p:spPr>
+        <p:style>
+          <a:lnRef idx="2">
+            <a:schemeClr val="dk1">
+              <a:shade val="15000"/>
+            </a:schemeClr>
+          </a:lnRef>
+          <a:fillRef idx="1">
+            <a:schemeClr val="dk1"/>
+          </a:fillRef>
+          <a:effectRef idx="0">
+            <a:schemeClr val="dk1"/>
+          </a:effectRef>
+          <a:fontRef idx="minor">
+            <a:schemeClr val="lt1"/>
+          </a:fontRef>
+        </p:style>
+        <p:txBody>
+          <a:bodyPr rtlCol="0" anchor="ctr"/>
+          <a:lstStyle/>
+          <a:p>
+            <a:pPr algn="ctr"/>
+            <a:endParaRPr lang="zh-CN" altLang="en-US"/>
+          </a:p>
+        </p:txBody>
+      </p:sp>
+      <p:sp>
+        <p:nvSpPr>
+          <p:cNvPr id="93" name="椭圆 92">
+            <a:extLst>
+              <a:ext uri="{FF2B5EF4-FFF2-40B4-BE49-F238E27FC236}">
+                <a16:creationId xmlns:a16="http://schemas.microsoft.com/office/drawing/2014/main" id="{2C160866-6470-2EAB-AFD4-FD492AD2CACC}"/>
+              </a:ext>
+            </a:extLst>
+          </p:cNvPr>
+          <p:cNvSpPr/>
+          <p:nvPr/>
+        </p:nvSpPr>
+        <p:spPr>
+          <a:xfrm flipH="1" flipV="1">
+            <a:off x="2078503" y="5379431"/>
+            <a:ext cx="45719" cy="45719"/>
+          </a:xfrm>
+          <a:prstGeom prst="ellipse">
+            <a:avLst/>
+          </a:prstGeom>
+        </p:spPr>
+        <p:style>
+          <a:lnRef idx="2">
+            <a:schemeClr val="dk1">
+              <a:shade val="15000"/>
+            </a:schemeClr>
+          </a:lnRef>
+          <a:fillRef idx="1">
+            <a:schemeClr val="dk1"/>
+          </a:fillRef>
+          <a:effectRef idx="0">
+            <a:schemeClr val="dk1"/>
+          </a:effectRef>
+          <a:fontRef idx="minor">
+            <a:schemeClr val="lt1"/>
+          </a:fontRef>
+        </p:style>
+        <p:txBody>
+          <a:bodyPr rtlCol="0" anchor="ctr"/>
+          <a:lstStyle/>
+          <a:p>
+            <a:pPr algn="ctr"/>
+            <a:endParaRPr lang="zh-CN" altLang="en-US"/>
+          </a:p>
+        </p:txBody>
+      </p:sp>
+      <p:cxnSp>
+        <p:nvCxnSpPr>
+          <p:cNvPr id="95" name="直接连接符 94">
+            <a:extLst>
+              <a:ext uri="{FF2B5EF4-FFF2-40B4-BE49-F238E27FC236}">
+                <a16:creationId xmlns:a16="http://schemas.microsoft.com/office/drawing/2014/main" id="{A3F97297-D13F-FEE3-717D-DB71CEF3BED7}"/>
+              </a:ext>
+            </a:extLst>
+          </p:cNvPr>
+          <p:cNvCxnSpPr>
+            <a:cxnSpLocks/>
+          </p:cNvCxnSpPr>
+          <p:nvPr/>
+        </p:nvCxnSpPr>
+        <p:spPr>
+          <a:xfrm>
+            <a:off x="3515474" y="1449513"/>
+            <a:ext cx="152400" cy="0"/>
+          </a:xfrm>
+          <a:prstGeom prst="line">
+            <a:avLst/>
+          </a:prstGeom>
+        </p:spPr>
+        <p:style>
+          <a:lnRef idx="1">
+            <a:schemeClr val="dk1"/>
+          </a:lnRef>
+          <a:fillRef idx="0">
+            <a:schemeClr val="dk1"/>
+          </a:fillRef>
+          <a:effectRef idx="0">
+            <a:schemeClr val="dk1"/>
+          </a:effectRef>
+          <a:fontRef idx="minor">
+            <a:schemeClr val="tx1"/>
+          </a:fontRef>
+        </p:style>
+      </p:cxnSp>
+      <p:cxnSp>
+        <p:nvCxnSpPr>
+          <p:cNvPr id="100" name="直接连接符 99">
+            <a:extLst>
+              <a:ext uri="{FF2B5EF4-FFF2-40B4-BE49-F238E27FC236}">
+                <a16:creationId xmlns:a16="http://schemas.microsoft.com/office/drawing/2014/main" id="{544C7EC4-6DD6-8FF4-1171-0FEEFFD32B0B}"/>
+              </a:ext>
+            </a:extLst>
+          </p:cNvPr>
+          <p:cNvCxnSpPr>
+            <a:cxnSpLocks/>
+          </p:cNvCxnSpPr>
+          <p:nvPr/>
+        </p:nvCxnSpPr>
+        <p:spPr>
+          <a:xfrm>
+            <a:off x="3515474" y="1448014"/>
+            <a:ext cx="0" cy="431586"/>
+          </a:xfrm>
+          <a:prstGeom prst="line">
+            <a:avLst/>
+          </a:prstGeom>
+        </p:spPr>
+        <p:style>
+          <a:lnRef idx="1">
+            <a:schemeClr val="dk1"/>
+          </a:lnRef>
+          <a:fillRef idx="0">
+            <a:schemeClr val="dk1"/>
+          </a:fillRef>
+          <a:effectRef idx="0">
+            <a:schemeClr val="dk1"/>
+          </a:effectRef>
+          <a:fontRef idx="minor">
+            <a:schemeClr val="tx1"/>
+          </a:fontRef>
+        </p:style>
+      </p:cxnSp>
+      <p:cxnSp>
+        <p:nvCxnSpPr>
+          <p:cNvPr id="103" name="直接连接符 102">
+            <a:extLst>
+              <a:ext uri="{FF2B5EF4-FFF2-40B4-BE49-F238E27FC236}">
+                <a16:creationId xmlns:a16="http://schemas.microsoft.com/office/drawing/2014/main" id="{24EAC359-8186-1815-351B-9A335B2A07CE}"/>
+              </a:ext>
+            </a:extLst>
+          </p:cNvPr>
+          <p:cNvCxnSpPr>
+            <a:cxnSpLocks/>
+          </p:cNvCxnSpPr>
+          <p:nvPr/>
+        </p:nvCxnSpPr>
+        <p:spPr>
+          <a:xfrm>
+            <a:off x="2106495" y="1880319"/>
+            <a:ext cx="1406657" cy="520"/>
+          </a:xfrm>
+          <a:prstGeom prst="line">
+            <a:avLst/>
+          </a:prstGeom>
+        </p:spPr>
+        <p:style>
+          <a:lnRef idx="1">
+            <a:schemeClr val="dk1"/>
+          </a:lnRef>
+          <a:fillRef idx="0">
+            <a:schemeClr val="dk1"/>
+          </a:fillRef>
+          <a:effectRef idx="0">
+            <a:schemeClr val="dk1"/>
+          </a:effectRef>
+          <a:fontRef idx="minor">
+            <a:schemeClr val="tx1"/>
+          </a:fontRef>
+        </p:style>
+      </p:cxnSp>
+      <p:cxnSp>
+        <p:nvCxnSpPr>
+          <p:cNvPr id="105" name="直接连接符 104">
+            <a:extLst>
+              <a:ext uri="{FF2B5EF4-FFF2-40B4-BE49-F238E27FC236}">
+                <a16:creationId xmlns:a16="http://schemas.microsoft.com/office/drawing/2014/main" id="{C471C203-9112-369D-CB92-143E561ED7E0}"/>
+              </a:ext>
+            </a:extLst>
+          </p:cNvPr>
+          <p:cNvCxnSpPr>
+            <a:cxnSpLocks/>
+            <a:stCxn id="22" idx="3"/>
+          </p:cNvCxnSpPr>
+          <p:nvPr/>
+        </p:nvCxnSpPr>
+        <p:spPr>
+          <a:xfrm>
+            <a:off x="3251202" y="1753975"/>
+            <a:ext cx="0" cy="131973"/>
+          </a:xfrm>
+          <a:prstGeom prst="line">
+            <a:avLst/>
+          </a:prstGeom>
+        </p:spPr>
+        <p:style>
+          <a:lnRef idx="1">
+            <a:schemeClr val="dk1"/>
+          </a:lnRef>
+          <a:fillRef idx="0">
+            <a:schemeClr val="dk1"/>
+          </a:fillRef>
+          <a:effectRef idx="0">
+            <a:schemeClr val="dk1"/>
+          </a:effectRef>
+          <a:fontRef idx="minor">
+            <a:schemeClr val="tx1"/>
+          </a:fontRef>
+        </p:style>
+      </p:cxnSp>
+      <p:sp>
+        <p:nvSpPr>
+          <p:cNvPr id="108" name="椭圆 107">
+            <a:extLst>
+              <a:ext uri="{FF2B5EF4-FFF2-40B4-BE49-F238E27FC236}">
+                <a16:creationId xmlns:a16="http://schemas.microsoft.com/office/drawing/2014/main" id="{6CED2ADE-641D-B199-3F0A-E0FDC130A9ED}"/>
+              </a:ext>
+            </a:extLst>
+          </p:cNvPr>
+          <p:cNvSpPr/>
+          <p:nvPr/>
+        </p:nvSpPr>
+        <p:spPr>
+          <a:xfrm flipH="1" flipV="1">
+            <a:off x="3230239" y="1857376"/>
+            <a:ext cx="45719" cy="45719"/>
+          </a:xfrm>
+          <a:prstGeom prst="ellipse">
+            <a:avLst/>
+          </a:prstGeom>
+        </p:spPr>
+        <p:style>
+          <a:lnRef idx="2">
+            <a:schemeClr val="dk1">
+              <a:shade val="15000"/>
+            </a:schemeClr>
+          </a:lnRef>
+          <a:fillRef idx="1">
+            <a:schemeClr val="dk1"/>
+          </a:fillRef>
+          <a:effectRef idx="0">
+            <a:schemeClr val="dk1"/>
+          </a:effectRef>
+          <a:fontRef idx="minor">
+            <a:schemeClr val="lt1"/>
+          </a:fontRef>
+        </p:style>
+        <p:txBody>
+          <a:bodyPr rtlCol="0" anchor="ctr"/>
+          <a:lstStyle/>
+          <a:p>
+            <a:pPr algn="ctr"/>
+            <a:endParaRPr lang="zh-CN" altLang="en-US"/>
+          </a:p>
+        </p:txBody>
+      </p:sp>
+      <p:sp>
+        <p:nvSpPr>
+          <p:cNvPr id="109" name="椭圆 108">
+            <a:extLst>
+              <a:ext uri="{FF2B5EF4-FFF2-40B4-BE49-F238E27FC236}">
+                <a16:creationId xmlns:a16="http://schemas.microsoft.com/office/drawing/2014/main" id="{D3CDAC48-BF80-BDAF-95C5-1756CBC13150}"/>
+              </a:ext>
+            </a:extLst>
+          </p:cNvPr>
+          <p:cNvSpPr/>
+          <p:nvPr/>
+        </p:nvSpPr>
+        <p:spPr>
+          <a:xfrm flipH="1" flipV="1">
+            <a:off x="2081026" y="1856868"/>
+            <a:ext cx="45719" cy="45719"/>
+          </a:xfrm>
+          <a:prstGeom prst="ellipse">
+            <a:avLst/>
+          </a:prstGeom>
+        </p:spPr>
+        <p:style>
+          <a:lnRef idx="2">
+            <a:schemeClr val="dk1">
+              <a:shade val="15000"/>
+            </a:schemeClr>
+          </a:lnRef>
+          <a:fillRef idx="1">
+            <a:schemeClr val="dk1"/>
+          </a:fillRef>
+          <a:effectRef idx="0">
+            <a:schemeClr val="dk1"/>
+          </a:effectRef>
+          <a:fontRef idx="minor">
+            <a:schemeClr val="lt1"/>
+          </a:fontRef>
+        </p:style>
+        <p:txBody>
+          <a:bodyPr rtlCol="0" anchor="ctr"/>
+          <a:lstStyle/>
+          <a:p>
+            <a:pPr algn="ctr"/>
+            <a:endParaRPr lang="zh-CN" altLang="en-US"/>
+          </a:p>
+        </p:txBody>
+      </p:sp>
+      <p:cxnSp>
+        <p:nvCxnSpPr>
+          <p:cNvPr id="112" name="直接连接符 111">
+            <a:extLst>
+              <a:ext uri="{FF2B5EF4-FFF2-40B4-BE49-F238E27FC236}">
+                <a16:creationId xmlns:a16="http://schemas.microsoft.com/office/drawing/2014/main" id="{54EDFEE6-A60C-99A4-1A48-068551222AC8}"/>
+              </a:ext>
+            </a:extLst>
+          </p:cNvPr>
+          <p:cNvCxnSpPr>
+            <a:cxnSpLocks/>
+          </p:cNvCxnSpPr>
+          <p:nvPr/>
+        </p:nvCxnSpPr>
+        <p:spPr>
+          <a:xfrm>
+            <a:off x="5570914" y="2105276"/>
+            <a:ext cx="0" cy="1780560"/>
+          </a:xfrm>
+          <a:prstGeom prst="line">
+            <a:avLst/>
+          </a:prstGeom>
+        </p:spPr>
+        <p:style>
+          <a:lnRef idx="1">
+            <a:schemeClr val="dk1"/>
+          </a:lnRef>
+          <a:fillRef idx="0">
+            <a:schemeClr val="dk1"/>
+          </a:fillRef>
+          <a:effectRef idx="0">
+            <a:schemeClr val="dk1"/>
+          </a:effectRef>
+          <a:fontRef idx="minor">
+            <a:schemeClr val="tx1"/>
+          </a:fontRef>
+        </p:style>
+      </p:cxnSp>
+      <p:cxnSp>
+        <p:nvCxnSpPr>
+          <p:cNvPr id="118" name="直接连接符 117">
+            <a:extLst>
+              <a:ext uri="{FF2B5EF4-FFF2-40B4-BE49-F238E27FC236}">
+                <a16:creationId xmlns:a16="http://schemas.microsoft.com/office/drawing/2014/main" id="{EC8B4837-EDA0-8922-E328-55801A43C004}"/>
+              </a:ext>
+            </a:extLst>
+          </p:cNvPr>
+          <p:cNvCxnSpPr/>
+          <p:nvPr/>
+        </p:nvCxnSpPr>
+        <p:spPr>
+          <a:xfrm>
+            <a:off x="5570914" y="2743200"/>
+            <a:ext cx="253416" cy="0"/>
+          </a:xfrm>
+          <a:prstGeom prst="line">
+            <a:avLst/>
+          </a:prstGeom>
+        </p:spPr>
+        <p:style>
+          <a:lnRef idx="1">
+            <a:schemeClr val="dk1"/>
+          </a:lnRef>
+          <a:fillRef idx="0">
+            <a:schemeClr val="dk1"/>
+          </a:fillRef>
+          <a:effectRef idx="0">
+            <a:schemeClr val="dk1"/>
+          </a:effectRef>
+          <a:fontRef idx="minor">
+            <a:schemeClr val="tx1"/>
+          </a:fontRef>
+        </p:style>
+      </p:cxnSp>
+      <p:cxnSp>
+        <p:nvCxnSpPr>
+          <p:cNvPr id="120" name="直接连接符 119">
+            <a:extLst>
+              <a:ext uri="{FF2B5EF4-FFF2-40B4-BE49-F238E27FC236}">
+                <a16:creationId xmlns:a16="http://schemas.microsoft.com/office/drawing/2014/main" id="{C59E3F2A-6FD4-FBBD-06BF-41A14835AFE2}"/>
+              </a:ext>
+            </a:extLst>
+          </p:cNvPr>
+          <p:cNvCxnSpPr/>
+          <p:nvPr/>
+        </p:nvCxnSpPr>
+        <p:spPr>
+          <a:xfrm>
+            <a:off x="5570914" y="2105276"/>
+            <a:ext cx="253416" cy="0"/>
+          </a:xfrm>
+          <a:prstGeom prst="line">
+            <a:avLst/>
+          </a:prstGeom>
+        </p:spPr>
+        <p:style>
+          <a:lnRef idx="1">
+            <a:schemeClr val="dk1"/>
+          </a:lnRef>
+          <a:fillRef idx="0">
+            <a:schemeClr val="dk1"/>
+          </a:fillRef>
+          <a:effectRef idx="0">
+            <a:schemeClr val="dk1"/>
+          </a:effectRef>
+          <a:fontRef idx="minor">
+            <a:schemeClr val="tx1"/>
+          </a:fontRef>
+        </p:style>
+      </p:cxnSp>
+      <p:sp>
+        <p:nvSpPr>
+          <p:cNvPr id="121" name="矩形 120">
+            <a:extLst>
+              <a:ext uri="{FF2B5EF4-FFF2-40B4-BE49-F238E27FC236}">
+                <a16:creationId xmlns:a16="http://schemas.microsoft.com/office/drawing/2014/main" id="{C2033DE3-A178-7EBA-9D14-0AF4BEC94123}"/>
+              </a:ext>
+            </a:extLst>
+          </p:cNvPr>
+          <p:cNvSpPr/>
+          <p:nvPr/>
+        </p:nvSpPr>
+        <p:spPr>
+          <a:xfrm>
+            <a:off x="5824330" y="2027582"/>
+            <a:ext cx="417442" cy="159764"/>
+          </a:xfrm>
+          <a:prstGeom prst="rect">
+            <a:avLst/>
+          </a:prstGeom>
+        </p:spPr>
+        <p:style>
+          <a:lnRef idx="2">
+            <a:schemeClr val="dk1"/>
+          </a:lnRef>
+          <a:fillRef idx="1">
+            <a:schemeClr val="lt1"/>
+          </a:fillRef>
+          <a:effectRef idx="0">
+            <a:schemeClr val="dk1"/>
+          </a:effectRef>
+          <a:fontRef idx="minor">
+            <a:schemeClr val="dk1"/>
+          </a:fontRef>
+        </p:style>
+        <p:txBody>
+          <a:bodyPr rtlCol="0" anchor="ctr"/>
+          <a:lstStyle/>
+          <a:p>
+            <a:pPr algn="ctr"/>
+            <a:r>
+              <a:rPr lang="en-US" altLang="zh-CN" sz="900" dirty="0"/>
+              <a:t>=0?</a:t>
+            </a:r>
+            <a:endParaRPr lang="zh-CN" altLang="en-US" sz="900" dirty="0"/>
+          </a:p>
+        </p:txBody>
+      </p:sp>
+      <p:cxnSp>
+        <p:nvCxnSpPr>
+          <p:cNvPr id="122" name="直接连接符 121">
+            <a:extLst>
+              <a:ext uri="{FF2B5EF4-FFF2-40B4-BE49-F238E27FC236}">
+                <a16:creationId xmlns:a16="http://schemas.microsoft.com/office/drawing/2014/main" id="{35863191-5CE5-866D-EC50-D89836535D66}"/>
+              </a:ext>
+            </a:extLst>
+          </p:cNvPr>
+          <p:cNvCxnSpPr/>
+          <p:nvPr/>
+        </p:nvCxnSpPr>
+        <p:spPr>
+          <a:xfrm>
+            <a:off x="6241772" y="2105276"/>
+            <a:ext cx="253416" cy="0"/>
+          </a:xfrm>
+          <a:prstGeom prst="line">
+            <a:avLst/>
+          </a:prstGeom>
+        </p:spPr>
+        <p:style>
+          <a:lnRef idx="1">
+            <a:schemeClr val="dk1"/>
+          </a:lnRef>
+          <a:fillRef idx="0">
+            <a:schemeClr val="dk1"/>
+          </a:fillRef>
+          <a:effectRef idx="0">
+            <a:schemeClr val="dk1"/>
+          </a:effectRef>
+          <a:fontRef idx="minor">
+            <a:schemeClr val="tx1"/>
+          </a:fontRef>
+        </p:style>
+      </p:cxnSp>
+      <p:sp>
+        <p:nvSpPr>
+          <p:cNvPr id="123" name="文本框 122">
+            <a:extLst>
+              <a:ext uri="{FF2B5EF4-FFF2-40B4-BE49-F238E27FC236}">
+                <a16:creationId xmlns:a16="http://schemas.microsoft.com/office/drawing/2014/main" id="{B76D019D-0973-E8B3-AD71-6C093218C355}"/>
+              </a:ext>
+            </a:extLst>
+          </p:cNvPr>
+          <p:cNvSpPr txBox="1"/>
+          <p:nvPr/>
+        </p:nvSpPr>
+        <p:spPr>
+          <a:xfrm>
+            <a:off x="6439529" y="1977932"/>
+            <a:ext cx="557883" cy="230832"/>
+          </a:xfrm>
+          <a:prstGeom prst="rect">
+            <a:avLst/>
+          </a:prstGeom>
+          <a:noFill/>
+        </p:spPr>
+        <p:txBody>
+          <a:bodyPr wrap="square" rtlCol="0">
+            <a:spAutoFit/>
+          </a:bodyPr>
+          <a:lstStyle/>
+          <a:p>
+            <a:r>
+              <a:rPr lang="en-US" altLang="zh-CN" sz="900" dirty="0"/>
+              <a:t>zero</a:t>
+            </a:r>
+            <a:endParaRPr lang="zh-CN" altLang="en-US" sz="900" dirty="0"/>
+          </a:p>
+        </p:txBody>
+      </p:sp>
+      <p:sp>
+        <p:nvSpPr>
+          <p:cNvPr id="124" name="文本框 123">
+            <a:extLst>
+              <a:ext uri="{FF2B5EF4-FFF2-40B4-BE49-F238E27FC236}">
+                <a16:creationId xmlns:a16="http://schemas.microsoft.com/office/drawing/2014/main" id="{A83F0CEC-D08B-C1C3-D8F4-1D52D29439B5}"/>
+              </a:ext>
+            </a:extLst>
+          </p:cNvPr>
+          <p:cNvSpPr txBox="1"/>
+          <p:nvPr/>
+        </p:nvSpPr>
+        <p:spPr>
+          <a:xfrm>
+            <a:off x="5754109" y="2615653"/>
+            <a:ext cx="897157" cy="230832"/>
+          </a:xfrm>
+          <a:prstGeom prst="rect">
+            <a:avLst/>
+          </a:prstGeom>
+          <a:noFill/>
+        </p:spPr>
+        <p:txBody>
+          <a:bodyPr wrap="square" rtlCol="0">
+            <a:spAutoFit/>
+          </a:bodyPr>
+          <a:lstStyle/>
+          <a:p>
+            <a:r>
+              <a:rPr lang="en-US" altLang="zh-CN" sz="900" dirty="0" err="1"/>
+              <a:t>sgn</a:t>
+            </a:r>
+            <a:r>
+              <a:rPr lang="en-US" altLang="zh-CN" sz="900" dirty="0"/>
+              <a:t> = C[31]</a:t>
+            </a:r>
+            <a:endParaRPr lang="zh-CN" altLang="en-US" sz="900" dirty="0"/>
+          </a:p>
+        </p:txBody>
+      </p:sp>
+      <p:sp>
+        <p:nvSpPr>
+          <p:cNvPr id="125" name="文本框 124">
+            <a:extLst>
+              <a:ext uri="{FF2B5EF4-FFF2-40B4-BE49-F238E27FC236}">
+                <a16:creationId xmlns:a16="http://schemas.microsoft.com/office/drawing/2014/main" id="{952DAAD9-0774-9D0E-7DAC-5C6F78B563FD}"/>
+              </a:ext>
+            </a:extLst>
+          </p:cNvPr>
+          <p:cNvSpPr txBox="1"/>
+          <p:nvPr/>
+        </p:nvSpPr>
+        <p:spPr>
+          <a:xfrm>
+            <a:off x="5769729" y="3705146"/>
+            <a:ext cx="557883" cy="369332"/>
+          </a:xfrm>
+          <a:prstGeom prst="rect">
+            <a:avLst/>
+          </a:prstGeom>
+          <a:noFill/>
+        </p:spPr>
+        <p:txBody>
+          <a:bodyPr wrap="square" rtlCol="0">
+            <a:spAutoFit/>
+          </a:bodyPr>
+          <a:lstStyle/>
+          <a:p>
+            <a:r>
+              <a:rPr lang="en-US" altLang="zh-CN" dirty="0"/>
+              <a:t>C</a:t>
+            </a:r>
+            <a:endParaRPr lang="zh-CN" altLang="en-US" dirty="0"/>
+          </a:p>
+        </p:txBody>
+      </p:sp>
+      <p:cxnSp>
+        <p:nvCxnSpPr>
+          <p:cNvPr id="127" name="直接连接符 126">
+            <a:extLst>
+              <a:ext uri="{FF2B5EF4-FFF2-40B4-BE49-F238E27FC236}">
+                <a16:creationId xmlns:a16="http://schemas.microsoft.com/office/drawing/2014/main" id="{701287F1-DB45-1859-B51A-23A0A8B0769A}"/>
+              </a:ext>
+            </a:extLst>
+          </p:cNvPr>
+          <p:cNvCxnSpPr/>
+          <p:nvPr/>
+        </p:nvCxnSpPr>
+        <p:spPr>
+          <a:xfrm flipH="1">
+            <a:off x="1057881" y="1062962"/>
+            <a:ext cx="177799" cy="118533"/>
+          </a:xfrm>
+          <a:prstGeom prst="line">
+            <a:avLst/>
+          </a:prstGeom>
+        </p:spPr>
+        <p:style>
+          <a:lnRef idx="1">
+            <a:schemeClr val="dk1"/>
+          </a:lnRef>
+          <a:fillRef idx="0">
+            <a:schemeClr val="dk1"/>
+          </a:fillRef>
+          <a:effectRef idx="0">
+            <a:schemeClr val="dk1"/>
+          </a:effectRef>
+          <a:fontRef idx="minor">
+            <a:schemeClr val="tx1"/>
+          </a:fontRef>
+        </p:style>
+      </p:cxnSp>
+      <p:cxnSp>
+        <p:nvCxnSpPr>
+          <p:cNvPr id="128" name="直接连接符 127">
+            <a:extLst>
+              <a:ext uri="{FF2B5EF4-FFF2-40B4-BE49-F238E27FC236}">
+                <a16:creationId xmlns:a16="http://schemas.microsoft.com/office/drawing/2014/main" id="{508DE60C-D067-1838-CA89-64F49D7D3EB0}"/>
+              </a:ext>
+            </a:extLst>
+          </p:cNvPr>
+          <p:cNvCxnSpPr/>
+          <p:nvPr/>
+        </p:nvCxnSpPr>
+        <p:spPr>
+          <a:xfrm flipH="1">
+            <a:off x="1600566" y="1054684"/>
+            <a:ext cx="177799" cy="118533"/>
+          </a:xfrm>
+          <a:prstGeom prst="line">
+            <a:avLst/>
+          </a:prstGeom>
+        </p:spPr>
+        <p:style>
+          <a:lnRef idx="1">
+            <a:schemeClr val="dk1"/>
+          </a:lnRef>
+          <a:fillRef idx="0">
+            <a:schemeClr val="dk1"/>
+          </a:fillRef>
+          <a:effectRef idx="0">
+            <a:schemeClr val="dk1"/>
+          </a:effectRef>
+          <a:fontRef idx="minor">
+            <a:schemeClr val="tx1"/>
+          </a:fontRef>
+        </p:style>
+      </p:cxnSp>
+      <p:cxnSp>
+        <p:nvCxnSpPr>
+          <p:cNvPr id="129" name="直接连接符 128">
+            <a:extLst>
+              <a:ext uri="{FF2B5EF4-FFF2-40B4-BE49-F238E27FC236}">
+                <a16:creationId xmlns:a16="http://schemas.microsoft.com/office/drawing/2014/main" id="{125F69CE-226B-BA00-54C7-7DE9D0F55FA0}"/>
+              </a:ext>
+            </a:extLst>
+          </p:cNvPr>
+          <p:cNvCxnSpPr/>
+          <p:nvPr/>
+        </p:nvCxnSpPr>
+        <p:spPr>
+          <a:xfrm flipH="1">
+            <a:off x="4758115" y="1393346"/>
+            <a:ext cx="177799" cy="118533"/>
+          </a:xfrm>
+          <a:prstGeom prst="line">
+            <a:avLst/>
+          </a:prstGeom>
+        </p:spPr>
+        <p:style>
+          <a:lnRef idx="1">
+            <a:schemeClr val="dk1"/>
+          </a:lnRef>
+          <a:fillRef idx="0">
+            <a:schemeClr val="dk1"/>
+          </a:fillRef>
+          <a:effectRef idx="0">
+            <a:schemeClr val="dk1"/>
+          </a:effectRef>
+          <a:fontRef idx="minor">
+            <a:schemeClr val="tx1"/>
+          </a:fontRef>
+        </p:style>
+      </p:cxnSp>
+      <p:cxnSp>
+        <p:nvCxnSpPr>
+          <p:cNvPr id="130" name="直接连接符 129">
+            <a:extLst>
+              <a:ext uri="{FF2B5EF4-FFF2-40B4-BE49-F238E27FC236}">
+                <a16:creationId xmlns:a16="http://schemas.microsoft.com/office/drawing/2014/main" id="{E07A7190-C376-6040-BD47-16B8C7DDA1FC}"/>
+              </a:ext>
+            </a:extLst>
+          </p:cNvPr>
+          <p:cNvCxnSpPr/>
+          <p:nvPr/>
+        </p:nvCxnSpPr>
+        <p:spPr>
+          <a:xfrm flipH="1">
+            <a:off x="4378676" y="2279867"/>
+            <a:ext cx="177799" cy="118533"/>
+          </a:xfrm>
+          <a:prstGeom prst="line">
+            <a:avLst/>
+          </a:prstGeom>
+        </p:spPr>
+        <p:style>
+          <a:lnRef idx="1">
+            <a:schemeClr val="dk1"/>
+          </a:lnRef>
+          <a:fillRef idx="0">
+            <a:schemeClr val="dk1"/>
+          </a:fillRef>
+          <a:effectRef idx="0">
+            <a:schemeClr val="dk1"/>
+          </a:effectRef>
+          <a:fontRef idx="minor">
+            <a:schemeClr val="tx1"/>
+          </a:fontRef>
+        </p:style>
+      </p:cxnSp>
+      <p:cxnSp>
+        <p:nvCxnSpPr>
+          <p:cNvPr id="131" name="直接连接符 130">
+            <a:extLst>
+              <a:ext uri="{FF2B5EF4-FFF2-40B4-BE49-F238E27FC236}">
+                <a16:creationId xmlns:a16="http://schemas.microsoft.com/office/drawing/2014/main" id="{562E2CD7-FAC8-EDE6-D792-CC9CF2C5BD0B}"/>
+              </a:ext>
+            </a:extLst>
+          </p:cNvPr>
+          <p:cNvCxnSpPr/>
+          <p:nvPr/>
+        </p:nvCxnSpPr>
+        <p:spPr>
+          <a:xfrm flipH="1">
+            <a:off x="4395480" y="3052815"/>
+            <a:ext cx="177799" cy="118533"/>
+          </a:xfrm>
+          <a:prstGeom prst="line">
+            <a:avLst/>
+          </a:prstGeom>
+        </p:spPr>
+        <p:style>
+          <a:lnRef idx="1">
+            <a:schemeClr val="dk1"/>
+          </a:lnRef>
+          <a:fillRef idx="0">
+            <a:schemeClr val="dk1"/>
+          </a:fillRef>
+          <a:effectRef idx="0">
+            <a:schemeClr val="dk1"/>
+          </a:effectRef>
+          <a:fontRef idx="minor">
+            <a:schemeClr val="tx1"/>
+          </a:fontRef>
+        </p:style>
+      </p:cxnSp>
+      <p:cxnSp>
+        <p:nvCxnSpPr>
+          <p:cNvPr id="132" name="直接连接符 131">
+            <a:extLst>
+              <a:ext uri="{FF2B5EF4-FFF2-40B4-BE49-F238E27FC236}">
+                <a16:creationId xmlns:a16="http://schemas.microsoft.com/office/drawing/2014/main" id="{9AECCFBA-B140-2060-6A8D-E85A6B54044E}"/>
+              </a:ext>
+            </a:extLst>
+          </p:cNvPr>
+          <p:cNvCxnSpPr/>
+          <p:nvPr/>
+        </p:nvCxnSpPr>
+        <p:spPr>
+          <a:xfrm flipH="1">
+            <a:off x="4388274" y="3823277"/>
+            <a:ext cx="177799" cy="118533"/>
+          </a:xfrm>
+          <a:prstGeom prst="line">
+            <a:avLst/>
+          </a:prstGeom>
+        </p:spPr>
+        <p:style>
+          <a:lnRef idx="1">
+            <a:schemeClr val="dk1"/>
+          </a:lnRef>
+          <a:fillRef idx="0">
+            <a:schemeClr val="dk1"/>
+          </a:fillRef>
+          <a:effectRef idx="0">
+            <a:schemeClr val="dk1"/>
+          </a:effectRef>
+          <a:fontRef idx="minor">
+            <a:schemeClr val="tx1"/>
+          </a:fontRef>
+        </p:style>
+      </p:cxnSp>
+      <p:cxnSp>
+        <p:nvCxnSpPr>
+          <p:cNvPr id="133" name="直接连接符 132">
+            <a:extLst>
+              <a:ext uri="{FF2B5EF4-FFF2-40B4-BE49-F238E27FC236}">
+                <a16:creationId xmlns:a16="http://schemas.microsoft.com/office/drawing/2014/main" id="{00E6228F-77A5-63C9-A004-2BEFD1CE2878}"/>
+              </a:ext>
+            </a:extLst>
+          </p:cNvPr>
+          <p:cNvCxnSpPr/>
+          <p:nvPr/>
+        </p:nvCxnSpPr>
+        <p:spPr>
+          <a:xfrm flipH="1">
+            <a:off x="4388274" y="4591174"/>
+            <a:ext cx="177799" cy="118533"/>
+          </a:xfrm>
+          <a:prstGeom prst="line">
+            <a:avLst/>
+          </a:prstGeom>
+        </p:spPr>
+        <p:style>
+          <a:lnRef idx="1">
+            <a:schemeClr val="dk1"/>
+          </a:lnRef>
+          <a:fillRef idx="0">
+            <a:schemeClr val="dk1"/>
+          </a:fillRef>
+          <a:effectRef idx="0">
+            <a:schemeClr val="dk1"/>
+          </a:effectRef>
+          <a:fontRef idx="minor">
+            <a:schemeClr val="tx1"/>
+          </a:fontRef>
+        </p:style>
+      </p:cxnSp>
+      <p:cxnSp>
+        <p:nvCxnSpPr>
+          <p:cNvPr id="134" name="直接连接符 133">
+            <a:extLst>
+              <a:ext uri="{FF2B5EF4-FFF2-40B4-BE49-F238E27FC236}">
+                <a16:creationId xmlns:a16="http://schemas.microsoft.com/office/drawing/2014/main" id="{F3791591-A7F9-B47E-8EAC-A31324FDBF48}"/>
+              </a:ext>
+            </a:extLst>
+          </p:cNvPr>
+          <p:cNvCxnSpPr/>
+          <p:nvPr/>
+        </p:nvCxnSpPr>
+        <p:spPr>
+          <a:xfrm flipH="1">
+            <a:off x="4390690" y="5369154"/>
+            <a:ext cx="177799" cy="118533"/>
+          </a:xfrm>
+          <a:prstGeom prst="line">
+            <a:avLst/>
+          </a:prstGeom>
+        </p:spPr>
+        <p:style>
+          <a:lnRef idx="1">
+            <a:schemeClr val="dk1"/>
+          </a:lnRef>
+          <a:fillRef idx="0">
+            <a:schemeClr val="dk1"/>
+          </a:fillRef>
+          <a:effectRef idx="0">
+            <a:schemeClr val="dk1"/>
+          </a:effectRef>
+          <a:fontRef idx="minor">
+            <a:schemeClr val="tx1"/>
+          </a:fontRef>
+        </p:style>
+      </p:cxnSp>
+      <p:cxnSp>
+        <p:nvCxnSpPr>
+          <p:cNvPr id="135" name="直接连接符 134">
+            <a:extLst>
+              <a:ext uri="{FF2B5EF4-FFF2-40B4-BE49-F238E27FC236}">
+                <a16:creationId xmlns:a16="http://schemas.microsoft.com/office/drawing/2014/main" id="{E9B250D1-54D4-8CB9-DB9C-417A9CCF0857}"/>
+              </a:ext>
+            </a:extLst>
+          </p:cNvPr>
+          <p:cNvCxnSpPr/>
+          <p:nvPr/>
+        </p:nvCxnSpPr>
+        <p:spPr>
+          <a:xfrm flipH="1">
+            <a:off x="4388274" y="6100773"/>
+            <a:ext cx="177799" cy="118533"/>
+          </a:xfrm>
+          <a:prstGeom prst="line">
+            <a:avLst/>
+          </a:prstGeom>
+        </p:spPr>
+        <p:style>
+          <a:lnRef idx="1">
+            <a:schemeClr val="dk1"/>
+          </a:lnRef>
+          <a:fillRef idx="0">
+            <a:schemeClr val="dk1"/>
+          </a:fillRef>
+          <a:effectRef idx="0">
+            <a:schemeClr val="dk1"/>
+          </a:effectRef>
+          <a:fontRef idx="minor">
+            <a:schemeClr val="tx1"/>
+          </a:fontRef>
+        </p:style>
+      </p:cxnSp>
+      <p:sp>
+        <p:nvSpPr>
+          <p:cNvPr id="136" name="文本框 135">
+            <a:extLst>
+              <a:ext uri="{FF2B5EF4-FFF2-40B4-BE49-F238E27FC236}">
+                <a16:creationId xmlns:a16="http://schemas.microsoft.com/office/drawing/2014/main" id="{401C044A-086F-96B1-8946-ED466E6535E6}"/>
+              </a:ext>
+            </a:extLst>
+          </p:cNvPr>
+          <p:cNvSpPr txBox="1"/>
+          <p:nvPr/>
+        </p:nvSpPr>
+        <p:spPr>
+          <a:xfrm>
+            <a:off x="4059892" y="2128364"/>
+            <a:ext cx="557883" cy="369332"/>
+          </a:xfrm>
+          <a:prstGeom prst="rect">
+            <a:avLst/>
+          </a:prstGeom>
+          <a:noFill/>
+        </p:spPr>
+        <p:txBody>
+          <a:bodyPr wrap="square" rtlCol="0">
+            <a:spAutoFit/>
+          </a:bodyPr>
+          <a:lstStyle/>
+          <a:p>
+            <a:r>
+              <a:rPr lang="en-US" altLang="zh-CN" sz="900" dirty="0"/>
+              <a:t>32bits</a:t>
+            </a:r>
+          </a:p>
+          <a:p>
+            <a:endParaRPr lang="zh-CN" altLang="en-US" sz="900" dirty="0"/>
+          </a:p>
+        </p:txBody>
+      </p:sp>
+      <p:sp>
+        <p:nvSpPr>
+          <p:cNvPr id="137" name="文本框 136">
+            <a:extLst>
+              <a:ext uri="{FF2B5EF4-FFF2-40B4-BE49-F238E27FC236}">
+                <a16:creationId xmlns:a16="http://schemas.microsoft.com/office/drawing/2014/main" id="{112AF743-4228-46C6-5A04-0EE970F0D0C6}"/>
+              </a:ext>
+            </a:extLst>
+          </p:cNvPr>
+          <p:cNvSpPr txBox="1"/>
+          <p:nvPr/>
+        </p:nvSpPr>
+        <p:spPr>
+          <a:xfrm>
+            <a:off x="4466972" y="1250010"/>
+            <a:ext cx="557883" cy="369332"/>
+          </a:xfrm>
+          <a:prstGeom prst="rect">
+            <a:avLst/>
+          </a:prstGeom>
+          <a:noFill/>
+        </p:spPr>
+        <p:txBody>
+          <a:bodyPr wrap="square" rtlCol="0">
+            <a:spAutoFit/>
+          </a:bodyPr>
+          <a:lstStyle/>
+          <a:p>
+            <a:r>
+              <a:rPr lang="en-US" altLang="zh-CN" sz="900" dirty="0"/>
+              <a:t>32bits</a:t>
+            </a:r>
+          </a:p>
+          <a:p>
+            <a:endParaRPr lang="zh-CN" altLang="en-US" sz="900" dirty="0"/>
+          </a:p>
+        </p:txBody>
+      </p:sp>
+      <p:sp>
+        <p:nvSpPr>
+          <p:cNvPr id="138" name="文本框 137">
+            <a:extLst>
+              <a:ext uri="{FF2B5EF4-FFF2-40B4-BE49-F238E27FC236}">
+                <a16:creationId xmlns:a16="http://schemas.microsoft.com/office/drawing/2014/main" id="{091E37F5-9ECB-8B8A-8218-A0C553894CEF}"/>
+              </a:ext>
+            </a:extLst>
+          </p:cNvPr>
+          <p:cNvSpPr txBox="1"/>
+          <p:nvPr/>
+        </p:nvSpPr>
+        <p:spPr>
+          <a:xfrm>
+            <a:off x="4059892" y="2897893"/>
+            <a:ext cx="557883" cy="369332"/>
+          </a:xfrm>
+          <a:prstGeom prst="rect">
+            <a:avLst/>
+          </a:prstGeom>
+          <a:noFill/>
+        </p:spPr>
+        <p:txBody>
+          <a:bodyPr wrap="square" rtlCol="0">
+            <a:spAutoFit/>
+          </a:bodyPr>
+          <a:lstStyle/>
+          <a:p>
+            <a:r>
+              <a:rPr lang="en-US" altLang="zh-CN" sz="900" dirty="0"/>
+              <a:t>32bits</a:t>
+            </a:r>
+          </a:p>
+          <a:p>
+            <a:endParaRPr lang="zh-CN" altLang="en-US" sz="900" dirty="0"/>
+          </a:p>
+        </p:txBody>
+      </p:sp>
+      <p:sp>
+        <p:nvSpPr>
+          <p:cNvPr id="139" name="文本框 138">
+            <a:extLst>
+              <a:ext uri="{FF2B5EF4-FFF2-40B4-BE49-F238E27FC236}">
+                <a16:creationId xmlns:a16="http://schemas.microsoft.com/office/drawing/2014/main" id="{BD69893E-1E55-BB9A-178B-92B8CD677939}"/>
+              </a:ext>
+            </a:extLst>
+          </p:cNvPr>
+          <p:cNvSpPr txBox="1"/>
+          <p:nvPr/>
+        </p:nvSpPr>
+        <p:spPr>
+          <a:xfrm>
+            <a:off x="4059892" y="3669450"/>
+            <a:ext cx="557883" cy="369332"/>
+          </a:xfrm>
+          <a:prstGeom prst="rect">
+            <a:avLst/>
+          </a:prstGeom>
+          <a:noFill/>
+        </p:spPr>
+        <p:txBody>
+          <a:bodyPr wrap="square" rtlCol="0">
+            <a:spAutoFit/>
+          </a:bodyPr>
+          <a:lstStyle/>
+          <a:p>
+            <a:r>
+              <a:rPr lang="en-US" altLang="zh-CN" sz="900" dirty="0"/>
+              <a:t>32bits</a:t>
+            </a:r>
+          </a:p>
+          <a:p>
+            <a:endParaRPr lang="zh-CN" altLang="en-US" sz="900" dirty="0"/>
+          </a:p>
+        </p:txBody>
+      </p:sp>
+      <p:sp>
+        <p:nvSpPr>
+          <p:cNvPr id="140" name="文本框 139">
+            <a:extLst>
+              <a:ext uri="{FF2B5EF4-FFF2-40B4-BE49-F238E27FC236}">
+                <a16:creationId xmlns:a16="http://schemas.microsoft.com/office/drawing/2014/main" id="{9DF9E281-3376-9154-68CF-49EDE4363EDB}"/>
+              </a:ext>
+            </a:extLst>
+          </p:cNvPr>
+          <p:cNvSpPr txBox="1"/>
+          <p:nvPr/>
+        </p:nvSpPr>
+        <p:spPr>
+          <a:xfrm>
+            <a:off x="4059892" y="4457683"/>
+            <a:ext cx="557883" cy="369332"/>
+          </a:xfrm>
+          <a:prstGeom prst="rect">
+            <a:avLst/>
+          </a:prstGeom>
+          <a:noFill/>
+        </p:spPr>
+        <p:txBody>
+          <a:bodyPr wrap="square" rtlCol="0">
+            <a:spAutoFit/>
+          </a:bodyPr>
+          <a:lstStyle/>
+          <a:p>
+            <a:r>
+              <a:rPr lang="en-US" altLang="zh-CN" sz="900" dirty="0"/>
+              <a:t>32bits</a:t>
+            </a:r>
+          </a:p>
+          <a:p>
+            <a:endParaRPr lang="zh-CN" altLang="en-US" sz="900" dirty="0"/>
+          </a:p>
+        </p:txBody>
+      </p:sp>
+      <p:sp>
+        <p:nvSpPr>
+          <p:cNvPr id="141" name="文本框 140">
+            <a:extLst>
+              <a:ext uri="{FF2B5EF4-FFF2-40B4-BE49-F238E27FC236}">
+                <a16:creationId xmlns:a16="http://schemas.microsoft.com/office/drawing/2014/main" id="{E2832E63-980A-A098-49C9-793DBFB3E334}"/>
+              </a:ext>
+            </a:extLst>
+          </p:cNvPr>
+          <p:cNvSpPr txBox="1"/>
+          <p:nvPr/>
+        </p:nvSpPr>
+        <p:spPr>
+          <a:xfrm>
+            <a:off x="4059892" y="5240239"/>
+            <a:ext cx="557883" cy="369332"/>
+          </a:xfrm>
+          <a:prstGeom prst="rect">
+            <a:avLst/>
+          </a:prstGeom>
+          <a:noFill/>
+        </p:spPr>
+        <p:txBody>
+          <a:bodyPr wrap="square" rtlCol="0">
+            <a:spAutoFit/>
+          </a:bodyPr>
+          <a:lstStyle/>
+          <a:p>
+            <a:r>
+              <a:rPr lang="en-US" altLang="zh-CN" sz="900" dirty="0"/>
+              <a:t>32bits</a:t>
+            </a:r>
+          </a:p>
+          <a:p>
+            <a:endParaRPr lang="zh-CN" altLang="en-US" sz="900" dirty="0"/>
+          </a:p>
+        </p:txBody>
+      </p:sp>
+      <p:sp>
+        <p:nvSpPr>
+          <p:cNvPr id="142" name="文本框 141">
+            <a:extLst>
+              <a:ext uri="{FF2B5EF4-FFF2-40B4-BE49-F238E27FC236}">
+                <a16:creationId xmlns:a16="http://schemas.microsoft.com/office/drawing/2014/main" id="{E0564614-AC08-3FC7-AD5E-7F7D597B3089}"/>
+              </a:ext>
+            </a:extLst>
+          </p:cNvPr>
+          <p:cNvSpPr txBox="1"/>
+          <p:nvPr/>
+        </p:nvSpPr>
+        <p:spPr>
+          <a:xfrm>
+            <a:off x="4067423" y="5956854"/>
+            <a:ext cx="557883" cy="369332"/>
+          </a:xfrm>
+          <a:prstGeom prst="rect">
+            <a:avLst/>
+          </a:prstGeom>
+          <a:noFill/>
+        </p:spPr>
+        <p:txBody>
+          <a:bodyPr wrap="square" rtlCol="0">
+            <a:spAutoFit/>
+          </a:bodyPr>
+          <a:lstStyle/>
+          <a:p>
+            <a:r>
+              <a:rPr lang="en-US" altLang="zh-CN" sz="900" dirty="0"/>
+              <a:t>32bits</a:t>
+            </a:r>
+          </a:p>
+          <a:p>
+            <a:endParaRPr lang="zh-CN" altLang="en-US" sz="900" dirty="0"/>
+          </a:p>
+        </p:txBody>
+      </p:sp>
+      <p:sp>
+        <p:nvSpPr>
+          <p:cNvPr id="143" name="文本框 142">
+            <a:extLst>
+              <a:ext uri="{FF2B5EF4-FFF2-40B4-BE49-F238E27FC236}">
+                <a16:creationId xmlns:a16="http://schemas.microsoft.com/office/drawing/2014/main" id="{90547005-3912-28C2-6A36-7165A72E8196}"/>
+              </a:ext>
+            </a:extLst>
+          </p:cNvPr>
+          <p:cNvSpPr txBox="1"/>
+          <p:nvPr/>
+        </p:nvSpPr>
+        <p:spPr>
+          <a:xfrm>
+            <a:off x="734979" y="964168"/>
+            <a:ext cx="557883" cy="369332"/>
+          </a:xfrm>
+          <a:prstGeom prst="rect">
+            <a:avLst/>
+          </a:prstGeom>
+          <a:noFill/>
+        </p:spPr>
+        <p:txBody>
+          <a:bodyPr wrap="square" rtlCol="0">
+            <a:spAutoFit/>
+          </a:bodyPr>
+          <a:lstStyle/>
+          <a:p>
+            <a:r>
+              <a:rPr lang="en-US" altLang="zh-CN" sz="900" dirty="0"/>
+              <a:t>32bits</a:t>
+            </a:r>
+          </a:p>
+          <a:p>
+            <a:endParaRPr lang="zh-CN" altLang="en-US" sz="900" dirty="0"/>
+          </a:p>
+        </p:txBody>
+      </p:sp>
+      <p:sp>
+        <p:nvSpPr>
+          <p:cNvPr id="144" name="文本框 143">
+            <a:extLst>
+              <a:ext uri="{FF2B5EF4-FFF2-40B4-BE49-F238E27FC236}">
+                <a16:creationId xmlns:a16="http://schemas.microsoft.com/office/drawing/2014/main" id="{0110F00B-CE36-05A5-8EEC-5601A145E197}"/>
+              </a:ext>
+            </a:extLst>
+          </p:cNvPr>
+          <p:cNvSpPr txBox="1"/>
+          <p:nvPr/>
+        </p:nvSpPr>
+        <p:spPr>
+          <a:xfrm>
+            <a:off x="1273307" y="966097"/>
+            <a:ext cx="557883" cy="369332"/>
+          </a:xfrm>
+          <a:prstGeom prst="rect">
+            <a:avLst/>
+          </a:prstGeom>
+          <a:noFill/>
+        </p:spPr>
+        <p:txBody>
+          <a:bodyPr wrap="square" rtlCol="0">
+            <a:spAutoFit/>
+          </a:bodyPr>
+          <a:lstStyle/>
+          <a:p>
+            <a:r>
+              <a:rPr lang="en-US" altLang="zh-CN" sz="900" dirty="0"/>
+              <a:t>32bits</a:t>
+            </a:r>
+          </a:p>
+          <a:p>
+            <a:endParaRPr lang="zh-CN" altLang="en-US" sz="900" dirty="0"/>
+          </a:p>
+        </p:txBody>
+      </p:sp>
+      <p:sp>
+        <p:nvSpPr>
+          <p:cNvPr id="145" name="文本框 144">
+            <a:extLst>
+              <a:ext uri="{FF2B5EF4-FFF2-40B4-BE49-F238E27FC236}">
+                <a16:creationId xmlns:a16="http://schemas.microsoft.com/office/drawing/2014/main" id="{E7C1E2F2-5F98-90CB-7EC7-5E51621C09EB}"/>
+              </a:ext>
+            </a:extLst>
+          </p:cNvPr>
+          <p:cNvSpPr txBox="1"/>
+          <p:nvPr/>
+        </p:nvSpPr>
+        <p:spPr>
+          <a:xfrm>
+            <a:off x="6083665" y="3752417"/>
+            <a:ext cx="557883" cy="369332"/>
+          </a:xfrm>
+          <a:prstGeom prst="rect">
+            <a:avLst/>
+          </a:prstGeom>
+          <a:noFill/>
+        </p:spPr>
+        <p:txBody>
+          <a:bodyPr wrap="square" rtlCol="0">
+            <a:spAutoFit/>
+          </a:bodyPr>
+          <a:lstStyle/>
+          <a:p>
+            <a:r>
+              <a:rPr lang="en-US" altLang="zh-CN" sz="900" dirty="0"/>
+              <a:t>32bits</a:t>
+            </a:r>
+          </a:p>
+          <a:p>
+            <a:endParaRPr lang="zh-CN" altLang="en-US" sz="900" dirty="0"/>
+          </a:p>
+        </p:txBody>
+      </p:sp>
+      <p:cxnSp>
+        <p:nvCxnSpPr>
+          <p:cNvPr id="146" name="直接连接符 145">
+            <a:extLst>
+              <a:ext uri="{FF2B5EF4-FFF2-40B4-BE49-F238E27FC236}">
+                <a16:creationId xmlns:a16="http://schemas.microsoft.com/office/drawing/2014/main" id="{50D431FB-184C-58E2-6434-7FE87162CC22}"/>
+              </a:ext>
+            </a:extLst>
+          </p:cNvPr>
+          <p:cNvCxnSpPr/>
+          <p:nvPr/>
+        </p:nvCxnSpPr>
+        <p:spPr>
+          <a:xfrm flipH="1">
+            <a:off x="5608722" y="2683933"/>
+            <a:ext cx="177799" cy="118533"/>
+          </a:xfrm>
+          <a:prstGeom prst="line">
+            <a:avLst/>
+          </a:prstGeom>
+        </p:spPr>
+        <p:style>
+          <a:lnRef idx="1">
+            <a:schemeClr val="dk1"/>
+          </a:lnRef>
+          <a:fillRef idx="0">
+            <a:schemeClr val="dk1"/>
+          </a:fillRef>
+          <a:effectRef idx="0">
+            <a:schemeClr val="dk1"/>
+          </a:effectRef>
+          <a:fontRef idx="minor">
+            <a:schemeClr val="tx1"/>
+          </a:fontRef>
+        </p:style>
+      </p:cxnSp>
+      <p:sp>
+        <p:nvSpPr>
+          <p:cNvPr id="147" name="文本框 146">
+            <a:extLst>
+              <a:ext uri="{FF2B5EF4-FFF2-40B4-BE49-F238E27FC236}">
+                <a16:creationId xmlns:a16="http://schemas.microsoft.com/office/drawing/2014/main" id="{BD2306D0-0327-4419-216E-434273E02C2E}"/>
+              </a:ext>
+            </a:extLst>
+          </p:cNvPr>
+          <p:cNvSpPr txBox="1"/>
+          <p:nvPr/>
+        </p:nvSpPr>
+        <p:spPr>
+          <a:xfrm>
+            <a:off x="5527855" y="2779978"/>
+            <a:ext cx="557883" cy="369332"/>
+          </a:xfrm>
+          <a:prstGeom prst="rect">
+            <a:avLst/>
+          </a:prstGeom>
+          <a:noFill/>
+        </p:spPr>
+        <p:txBody>
+          <a:bodyPr wrap="square" rtlCol="0">
+            <a:spAutoFit/>
+          </a:bodyPr>
+          <a:lstStyle/>
+          <a:p>
+            <a:r>
+              <a:rPr lang="en-US" altLang="zh-CN" sz="900" dirty="0"/>
+              <a:t>1bit</a:t>
+            </a:r>
+          </a:p>
+          <a:p>
+            <a:endParaRPr lang="zh-CN" altLang="en-US" sz="900" dirty="0"/>
           </a:p>
         </p:txBody>
       </p:sp>
